--- a/evolutdoc/presentation.pptx
+++ b/evolutdoc/presentation.pptx
@@ -5,16 +5,17 @@
     <p:sldMasterId id="2147483660" r:id="rId1"/>
   </p:sldMasterIdLst>
   <p:notesMasterIdLst>
-    <p:notesMasterId r:id="rId9"/>
+    <p:notesMasterId r:id="rId10"/>
   </p:notesMasterIdLst>
   <p:sldIdLst>
     <p:sldId id="256" r:id="rId2"/>
     <p:sldId id="257" r:id="rId3"/>
-    <p:sldId id="258" r:id="rId4"/>
-    <p:sldId id="262" r:id="rId5"/>
-    <p:sldId id="259" r:id="rId6"/>
-    <p:sldId id="261" r:id="rId7"/>
-    <p:sldId id="260" r:id="rId8"/>
+    <p:sldId id="263" r:id="rId4"/>
+    <p:sldId id="258" r:id="rId5"/>
+    <p:sldId id="262" r:id="rId6"/>
+    <p:sldId id="259" r:id="rId7"/>
+    <p:sldId id="261" r:id="rId8"/>
+    <p:sldId id="260" r:id="rId9"/>
   </p:sldIdLst>
   <p:sldSz cx="12192000" cy="6858000"/>
   <p:notesSz cx="6858000" cy="9144000"/>
@@ -124,6 +125,7 @@
         <p14:section name="Grundlagen" id="{4AF01A38-B574-436E-BCC3-DFC349078C18}">
           <p14:sldIdLst>
             <p14:sldId id="257"/>
+            <p14:sldId id="263"/>
           </p14:sldIdLst>
         </p14:section>
         <p14:section name="Methoden" id="{8DBC41D4-5154-459C-ACCB-7A8F9638EBDD}">
@@ -19173,39 +19175,45 @@
         </p:spPr>
         <p:txBody>
           <a:bodyPr/>
-          <a:lstStyle/>
+          <a:lstStyle>
+            <a:lvl1pPr marL="91440" indent="-91440">
+              <a:buFont typeface="Wingdings" panose="05000000000000000000" pitchFamily="2" charset="2"/>
+              <a:buChar char="§"/>
+              <a:defRPr/>
+            </a:lvl1pPr>
+          </a:lstStyle>
           <a:p>
             <a:pPr lvl="0"/>
             <a:r>
-              <a:rPr lang="en-US" smtClean="0"/>
+              <a:rPr lang="en-US" dirty="0" smtClean="0"/>
               <a:t>Click to edit Master text styles</a:t>
             </a:r>
           </a:p>
           <a:p>
             <a:pPr lvl="1"/>
             <a:r>
-              <a:rPr lang="en-US" smtClean="0"/>
+              <a:rPr lang="en-US" dirty="0" smtClean="0"/>
               <a:t>Second level</a:t>
             </a:r>
           </a:p>
           <a:p>
             <a:pPr lvl="2"/>
             <a:r>
-              <a:rPr lang="en-US" smtClean="0"/>
+              <a:rPr lang="en-US" dirty="0" smtClean="0"/>
               <a:t>Third level</a:t>
             </a:r>
           </a:p>
           <a:p>
             <a:pPr lvl="3"/>
             <a:r>
-              <a:rPr lang="en-US" smtClean="0"/>
+              <a:rPr lang="en-US" dirty="0" smtClean="0"/>
               <a:t>Fourth level</a:t>
             </a:r>
           </a:p>
           <a:p>
             <a:pPr lvl="4"/>
             <a:r>
-              <a:rPr lang="en-US" smtClean="0"/>
+              <a:rPr lang="en-US" dirty="0" smtClean="0"/>
               <a:t>Fifth level</a:t>
             </a:r>
             <a:endParaRPr lang="en-US" dirty="0"/>
@@ -20711,35 +20719,35 @@
           <a:p>
             <a:pPr lvl="0"/>
             <a:r>
-              <a:rPr lang="en-US" smtClean="0"/>
+              <a:rPr lang="en-US" dirty="0" smtClean="0"/>
               <a:t>Click to edit Master text styles</a:t>
             </a:r>
           </a:p>
           <a:p>
             <a:pPr lvl="1"/>
             <a:r>
-              <a:rPr lang="en-US" smtClean="0"/>
+              <a:rPr lang="en-US" dirty="0" smtClean="0"/>
               <a:t>Second level</a:t>
             </a:r>
           </a:p>
           <a:p>
             <a:pPr lvl="2"/>
             <a:r>
-              <a:rPr lang="en-US" smtClean="0"/>
+              <a:rPr lang="en-US" dirty="0" smtClean="0"/>
               <a:t>Third level</a:t>
             </a:r>
           </a:p>
           <a:p>
             <a:pPr lvl="3"/>
             <a:r>
-              <a:rPr lang="en-US" smtClean="0"/>
+              <a:rPr lang="en-US" dirty="0" smtClean="0"/>
               <a:t>Fourth level</a:t>
             </a:r>
           </a:p>
           <a:p>
             <a:pPr lvl="4"/>
             <a:r>
-              <a:rPr lang="en-US" smtClean="0"/>
+              <a:rPr lang="en-US" dirty="0" smtClean="0"/>
               <a:t>Fifth level</a:t>
             </a:r>
             <a:endParaRPr lang="en-US" dirty="0"/>
@@ -20991,8 +20999,8 @@
           <a:schemeClr val="accent1"/>
         </a:buClr>
         <a:buSzPct val="100000"/>
-        <a:buFont typeface="Tw Cen MT" panose="020B0602020104020603" pitchFamily="34" charset="0"/>
-        <a:buChar char=" "/>
+        <a:buFont typeface="Wingdings" panose="05000000000000000000" pitchFamily="2" charset="2"/>
+        <a:buChar char="§"/>
         <a:defRPr sz="2200" kern="1200">
           <a:solidFill>
             <a:schemeClr val="tx1"/>
@@ -21511,8 +21519,20 @@
           <a:p>
             <a:r>
               <a:rPr lang="de-CH" dirty="0"/>
-              <a:t>Arten von evolutionären Algorithmen</a:t>
+              <a:t>Arten von evolutionären </a:t>
             </a:r>
+            <a:r>
+              <a:rPr lang="de-CH" dirty="0" smtClean="0"/>
+              <a:t>Algorithmen</a:t>
+            </a:r>
+          </a:p>
+          <a:p>
+            <a:pPr lvl="1"/>
+            <a:r>
+              <a:rPr lang="de-CH" dirty="0" err="1" smtClean="0"/>
+              <a:t>sdsd</a:t>
+            </a:r>
+            <a:endParaRPr lang="de-CH" dirty="0"/>
           </a:p>
         </p:txBody>
       </p:sp>
@@ -21624,6 +21644,199 @@
       </p:grpSpPr>
       <p:sp>
         <p:nvSpPr>
+          <p:cNvPr id="7" name="Title 6"/>
+          <p:cNvSpPr>
+            <a:spLocks noGrp="1"/>
+          </p:cNvSpPr>
+          <p:nvPr>
+            <p:ph type="title"/>
+          </p:nvPr>
+        </p:nvSpPr>
+        <p:spPr/>
+        <p:txBody>
+          <a:bodyPr/>
+          <a:lstStyle/>
+          <a:p>
+            <a:r>
+              <a:rPr lang="de-CH" dirty="0" smtClean="0"/>
+              <a:t>Evolutionäre </a:t>
+            </a:r>
+            <a:r>
+              <a:rPr lang="de-CH" dirty="0" err="1" smtClean="0"/>
+              <a:t>algorithmen</a:t>
+            </a:r>
+            <a:endParaRPr lang="de-CH" dirty="0"/>
+          </a:p>
+        </p:txBody>
+      </p:sp>
+      <p:sp>
+        <p:nvSpPr>
+          <p:cNvPr id="8" name="Content Placeholder 7"/>
+          <p:cNvSpPr>
+            <a:spLocks noGrp="1"/>
+          </p:cNvSpPr>
+          <p:nvPr>
+            <p:ph sz="half" idx="1"/>
+          </p:nvPr>
+        </p:nvSpPr>
+        <p:spPr/>
+        <p:txBody>
+          <a:bodyPr/>
+          <a:lstStyle/>
+          <a:p>
+            <a:r>
+              <a:rPr lang="de-CH" dirty="0" smtClean="0"/>
+              <a:t>Genetische Programmierung</a:t>
+            </a:r>
+          </a:p>
+          <a:p>
+            <a:r>
+              <a:rPr lang="de-CH" dirty="0" smtClean="0"/>
+              <a:t>Genetische Algorithmen</a:t>
+            </a:r>
+          </a:p>
+          <a:p>
+            <a:r>
+              <a:rPr lang="de-CH" dirty="0" smtClean="0"/>
+              <a:t>Evolutionäre Programmierung</a:t>
+            </a:r>
+          </a:p>
+          <a:p>
+            <a:r>
+              <a:rPr lang="de-CH" dirty="0" smtClean="0"/>
+              <a:t>Evolutionäre Strategien</a:t>
+            </a:r>
+            <a:endParaRPr lang="de-CH" dirty="0"/>
+          </a:p>
+        </p:txBody>
+      </p:sp>
+      <p:sp>
+        <p:nvSpPr>
+          <p:cNvPr id="9" name="Content Placeholder 8"/>
+          <p:cNvSpPr>
+            <a:spLocks noGrp="1"/>
+          </p:cNvSpPr>
+          <p:nvPr>
+            <p:ph sz="half" idx="2"/>
+          </p:nvPr>
+        </p:nvSpPr>
+        <p:spPr/>
+        <p:txBody>
+          <a:bodyPr/>
+          <a:lstStyle/>
+          <a:p>
+            <a:endParaRPr lang="de-CH" dirty="0"/>
+          </a:p>
+        </p:txBody>
+      </p:sp>
+      <p:sp>
+        <p:nvSpPr>
+          <p:cNvPr id="4" name="Date Placeholder 3"/>
+          <p:cNvSpPr>
+            <a:spLocks noGrp="1"/>
+          </p:cNvSpPr>
+          <p:nvPr>
+            <p:ph type="dt" sz="half" idx="10"/>
+          </p:nvPr>
+        </p:nvSpPr>
+        <p:spPr/>
+        <p:txBody>
+          <a:bodyPr/>
+          <a:lstStyle/>
+          <a:p>
+            <a:fld id="{E6DD9CFA-7FDE-4C28-9438-98659B0FC9DB}" type="datetime1">
+              <a:rPr lang="de-CH" smtClean="0"/>
+              <a:t>27.06.2016</a:t>
+            </a:fld>
+            <a:endParaRPr lang="de-CH" dirty="0"/>
+          </a:p>
+        </p:txBody>
+      </p:sp>
+      <p:sp>
+        <p:nvSpPr>
+          <p:cNvPr id="5" name="Footer Placeholder 4"/>
+          <p:cNvSpPr>
+            <a:spLocks noGrp="1"/>
+          </p:cNvSpPr>
+          <p:nvPr>
+            <p:ph type="ftr" sz="quarter" idx="11"/>
+          </p:nvPr>
+        </p:nvSpPr>
+        <p:spPr/>
+        <p:txBody>
+          <a:bodyPr/>
+          <a:lstStyle/>
+          <a:p>
+            <a:r>
+              <a:rPr lang="de-CH" smtClean="0"/>
+              <a:t>Design von artifiziellen Tieren mit evolutionären Algorithmen - F. Hediger, F. Tanner</a:t>
+            </a:r>
+            <a:endParaRPr lang="de-CH" dirty="0"/>
+          </a:p>
+        </p:txBody>
+      </p:sp>
+      <p:sp>
+        <p:nvSpPr>
+          <p:cNvPr id="6" name="Slide Number Placeholder 5"/>
+          <p:cNvSpPr>
+            <a:spLocks noGrp="1"/>
+          </p:cNvSpPr>
+          <p:nvPr>
+            <p:ph type="sldNum" sz="quarter" idx="12"/>
+          </p:nvPr>
+        </p:nvSpPr>
+        <p:spPr/>
+        <p:txBody>
+          <a:bodyPr/>
+          <a:lstStyle/>
+          <a:p>
+            <a:fld id="{9DD3427A-877F-49F0-A244-E76867DD5238}" type="slidenum">
+              <a:rPr lang="de-CH" smtClean="0"/>
+              <a:t>3</a:t>
+            </a:fld>
+            <a:endParaRPr lang="de-CH"/>
+          </a:p>
+        </p:txBody>
+      </p:sp>
+    </p:spTree>
+    <p:extLst>
+      <p:ext uri="{BB962C8B-B14F-4D97-AF65-F5344CB8AC3E}">
+        <p14:creationId xmlns:p14="http://schemas.microsoft.com/office/powerpoint/2010/main" val="3276225476"/>
+      </p:ext>
+    </p:extLst>
+  </p:cSld>
+  <p:clrMapOvr>
+    <a:masterClrMapping/>
+  </p:clrMapOvr>
+  <p:timing>
+    <p:tnLst>
+      <p:par>
+        <p:cTn id="1" dur="indefinite" restart="never" nodeType="tmRoot"/>
+      </p:par>
+    </p:tnLst>
+  </p:timing>
+</p:sld>
+</file>
+
+<file path=ppt/slides/slide4.xml><?xml version="1.0" encoding="utf-8"?>
+<p:sld xmlns:a="http://schemas.openxmlformats.org/drawingml/2006/main" xmlns:r="http://schemas.openxmlformats.org/officeDocument/2006/relationships" xmlns:p="http://schemas.openxmlformats.org/presentationml/2006/main">
+  <p:cSld>
+    <p:spTree>
+      <p:nvGrpSpPr>
+        <p:cNvPr id="1" name=""/>
+        <p:cNvGrpSpPr/>
+        <p:nvPr/>
+      </p:nvGrpSpPr>
+      <p:grpSpPr>
+        <a:xfrm>
+          <a:off x="0" y="0"/>
+          <a:ext cx="0" cy="0"/>
+          <a:chOff x="0" y="0"/>
+          <a:chExt cx="0" cy="0"/>
+        </a:xfrm>
+      </p:grpSpPr>
+      <p:sp>
+        <p:nvSpPr>
           <p:cNvPr id="2" name="Title 1"/>
           <p:cNvSpPr>
             <a:spLocks noGrp="1"/>
@@ -21703,7 +21916,7 @@
           <a:p>
             <a:fld id="{9DD3427A-877F-49F0-A244-E76867DD5238}" type="slidenum">
               <a:rPr lang="de-CH" smtClean="0"/>
-              <a:t>3</a:t>
+              <a:t>4</a:t>
             </a:fld>
             <a:endParaRPr lang="de-CH"/>
           </a:p>
@@ -21752,7 +21965,7 @@
 </p:sld>
 </file>
 
-<file path=ppt/slides/slide4.xml><?xml version="1.0" encoding="utf-8"?>
+<file path=ppt/slides/slide5.xml><?xml version="1.0" encoding="utf-8"?>
 <p:sld xmlns:a="http://schemas.openxmlformats.org/drawingml/2006/main" xmlns:r="http://schemas.openxmlformats.org/officeDocument/2006/relationships" xmlns:p="http://schemas.openxmlformats.org/presentationml/2006/main">
   <p:cSld>
     <p:spTree>
@@ -21788,25 +22001,6 @@
               <a:rPr lang="de-CH" dirty="0"/>
               <a:t>Zeitraffer des Bewegungsablaufs</a:t>
             </a:r>
-          </a:p>
-        </p:txBody>
-      </p:sp>
-      <p:sp>
-        <p:nvSpPr>
-          <p:cNvPr id="3" name="Content Placeholder 2"/>
-          <p:cNvSpPr>
-            <a:spLocks noGrp="1"/>
-          </p:cNvSpPr>
-          <p:nvPr>
-            <p:ph idx="1"/>
-          </p:nvPr>
-        </p:nvSpPr>
-        <p:spPr/>
-        <p:txBody>
-          <a:bodyPr/>
-          <a:lstStyle/>
-          <a:p>
-            <a:endParaRPr lang="de-CH" dirty="0"/>
           </a:p>
         </p:txBody>
       </p:sp>
@@ -21850,7 +22044,7 @@
           <a:p>
             <a:fld id="{9DD3427A-877F-49F0-A244-E76867DD5238}" type="slidenum">
               <a:rPr lang="de-CH" smtClean="0"/>
-              <a:t>4</a:t>
+              <a:t>5</a:t>
             </a:fld>
             <a:endParaRPr lang="de-CH"/>
           </a:p>
@@ -21879,6 +22073,25 @@
           </a:p>
         </p:txBody>
       </p:sp>
+      <p:sp>
+        <p:nvSpPr>
+          <p:cNvPr id="10" name="Content Placeholder 9"/>
+          <p:cNvSpPr>
+            <a:spLocks noGrp="1"/>
+          </p:cNvSpPr>
+          <p:nvPr>
+            <p:ph idx="1"/>
+          </p:nvPr>
+        </p:nvSpPr>
+        <p:spPr/>
+        <p:txBody>
+          <a:bodyPr/>
+          <a:lstStyle/>
+          <a:p>
+            <a:endParaRPr lang="de-CH"/>
+          </a:p>
+        </p:txBody>
+      </p:sp>
     </p:spTree>
     <p:extLst>
       <p:ext uri="{BB962C8B-B14F-4D97-AF65-F5344CB8AC3E}">
@@ -21899,7 +22112,7 @@
 </p:sld>
 </file>
 
-<file path=ppt/slides/slide5.xml><?xml version="1.0" encoding="utf-8"?>
+<file path=ppt/slides/slide6.xml><?xml version="1.0" encoding="utf-8"?>
 <p:sld xmlns:a="http://schemas.openxmlformats.org/drawingml/2006/main" xmlns:r="http://schemas.openxmlformats.org/officeDocument/2006/relationships" xmlns:p="http://schemas.openxmlformats.org/presentationml/2006/main">
   <p:cSld>
     <p:spTree>
@@ -22021,7 +22234,7 @@
           <a:p>
             <a:fld id="{9DD3427A-877F-49F0-A244-E76867DD5238}" type="slidenum">
               <a:rPr lang="de-CH" smtClean="0"/>
-              <a:t>5</a:t>
+              <a:t>6</a:t>
             </a:fld>
             <a:endParaRPr lang="de-CH"/>
           </a:p>
@@ -22070,7 +22283,7 @@
 </p:sld>
 </file>
 
-<file path=ppt/slides/slide6.xml><?xml version="1.0" encoding="utf-8"?>
+<file path=ppt/slides/slide7.xml><?xml version="1.0" encoding="utf-8"?>
 <p:sld xmlns:a="http://schemas.openxmlformats.org/drawingml/2006/main" xmlns:r="http://schemas.openxmlformats.org/officeDocument/2006/relationships" xmlns:p="http://schemas.openxmlformats.org/presentationml/2006/main">
   <p:cSld>
     <p:spTree>
@@ -22168,7 +22381,7 @@
           <a:p>
             <a:fld id="{9DD3427A-877F-49F0-A244-E76867DD5238}" type="slidenum">
               <a:rPr lang="de-CH" smtClean="0"/>
-              <a:t>6</a:t>
+              <a:t>7</a:t>
             </a:fld>
             <a:endParaRPr lang="de-CH"/>
           </a:p>
@@ -22217,7 +22430,7 @@
 </p:sld>
 </file>
 
-<file path=ppt/slides/slide7.xml><?xml version="1.0" encoding="utf-8"?>
+<file path=ppt/slides/slide8.xml><?xml version="1.0" encoding="utf-8"?>
 <p:sld xmlns:a="http://schemas.openxmlformats.org/drawingml/2006/main" xmlns:r="http://schemas.openxmlformats.org/officeDocument/2006/relationships" xmlns:p="http://schemas.openxmlformats.org/presentationml/2006/main">
   <p:cSld>
     <p:spTree>
@@ -22324,7 +22537,7 @@
           <a:p>
             <a:fld id="{9DD3427A-877F-49F0-A244-E76867DD5238}" type="slidenum">
               <a:rPr lang="de-CH" smtClean="0"/>
-              <a:t>7</a:t>
+              <a:t>8</a:t>
             </a:fld>
             <a:endParaRPr lang="de-CH"/>
           </a:p>

--- a/evolutdoc/presentation.pptx
+++ b/evolutdoc/presentation.pptx
@@ -5,17 +5,27 @@
     <p:sldMasterId id="2147483660" r:id="rId1"/>
   </p:sldMasterIdLst>
   <p:notesMasterIdLst>
-    <p:notesMasterId r:id="rId10"/>
+    <p:notesMasterId r:id="rId20"/>
   </p:notesMasterIdLst>
   <p:sldIdLst>
     <p:sldId id="256" r:id="rId2"/>
-    <p:sldId id="257" r:id="rId3"/>
-    <p:sldId id="263" r:id="rId4"/>
-    <p:sldId id="258" r:id="rId5"/>
-    <p:sldId id="262" r:id="rId6"/>
-    <p:sldId id="259" r:id="rId7"/>
-    <p:sldId id="261" r:id="rId8"/>
-    <p:sldId id="260" r:id="rId9"/>
+    <p:sldId id="266" r:id="rId3"/>
+    <p:sldId id="273" r:id="rId4"/>
+    <p:sldId id="274" r:id="rId5"/>
+    <p:sldId id="257" r:id="rId6"/>
+    <p:sldId id="272" r:id="rId7"/>
+    <p:sldId id="276" r:id="rId8"/>
+    <p:sldId id="275" r:id="rId9"/>
+    <p:sldId id="267" r:id="rId10"/>
+    <p:sldId id="268" r:id="rId11"/>
+    <p:sldId id="269" r:id="rId12"/>
+    <p:sldId id="264" r:id="rId13"/>
+    <p:sldId id="265" r:id="rId14"/>
+    <p:sldId id="258" r:id="rId15"/>
+    <p:sldId id="262" r:id="rId16"/>
+    <p:sldId id="277" r:id="rId17"/>
+    <p:sldId id="261" r:id="rId18"/>
+    <p:sldId id="260" r:id="rId19"/>
   </p:sldIdLst>
   <p:sldSz cx="12192000" cy="6858000"/>
   <p:notesSz cx="6858000" cy="9144000"/>
@@ -120,12 +130,22 @@
         <p14:section name="Intro" id="{11C6BCB6-5069-46B8-A71C-E0F73C38DABF}">
           <p14:sldIdLst>
             <p14:sldId id="256"/>
+            <p14:sldId id="266"/>
+            <p14:sldId id="273"/>
+            <p14:sldId id="274"/>
           </p14:sldIdLst>
         </p14:section>
         <p14:section name="Grundlagen" id="{4AF01A38-B574-436E-BCC3-DFC349078C18}">
           <p14:sldIdLst>
             <p14:sldId id="257"/>
-            <p14:sldId id="263"/>
+            <p14:sldId id="272"/>
+            <p14:sldId id="276"/>
+            <p14:sldId id="275"/>
+            <p14:sldId id="267"/>
+            <p14:sldId id="268"/>
+            <p14:sldId id="269"/>
+            <p14:sldId id="264"/>
+            <p14:sldId id="265"/>
           </p14:sldIdLst>
         </p14:section>
         <p14:section name="Methoden" id="{8DBC41D4-5154-459C-ACCB-7A8F9638EBDD}">
@@ -136,7 +156,7 @@
         </p14:section>
         <p14:section name="Resultate" id="{E76B62C9-4474-4C85-BF00-99B6127BC217}">
           <p14:sldIdLst>
-            <p14:sldId id="259"/>
+            <p14:sldId id="277"/>
           </p14:sldIdLst>
         </p14:section>
         <p14:section name="Diskussion" id="{C86757D1-8C04-4601-A3F3-26447F39AC97}">
@@ -148,10 +168,2640 @@
       </p14:sectionLst>
     </p:ext>
     <p:ext uri="{EFAFB233-063F-42B5-8137-9DF3F51BA10A}">
-      <p15:sldGuideLst xmlns:p15="http://schemas.microsoft.com/office/powerpoint/2012/main"/>
+      <p15:sldGuideLst xmlns:p15="http://schemas.microsoft.com/office/powerpoint/2012/main">
+        <p15:guide id="1" orient="horz" pos="2160" userDrawn="1">
+          <p15:clr>
+            <a:srgbClr val="A4A3A4"/>
+          </p15:clr>
+        </p15:guide>
+        <p15:guide id="2" pos="3840" userDrawn="1">
+          <p15:clr>
+            <a:srgbClr val="A4A3A4"/>
+          </p15:clr>
+        </p15:guide>
+      </p15:sldGuideLst>
     </p:ext>
   </p:extLst>
 </p:presentation>
+</file>
+
+<file path=ppt/diagrams/colors1.xml><?xml version="1.0" encoding="utf-8"?>
+<dgm:colorsDef xmlns:dgm="http://schemas.openxmlformats.org/drawingml/2006/diagram" xmlns:a="http://schemas.openxmlformats.org/drawingml/2006/main" uniqueId="urn:microsoft.com/office/officeart/2005/8/colors/accent1_2">
+  <dgm:title val=""/>
+  <dgm:desc val=""/>
+  <dgm:catLst>
+    <dgm:cat type="accent1" pri="11200"/>
+  </dgm:catLst>
+  <dgm:styleLbl name="node0">
+    <dgm:fillClrLst meth="repeat">
+      <a:schemeClr val="accent1"/>
+    </dgm:fillClrLst>
+    <dgm:linClrLst meth="repeat">
+      <a:schemeClr val="lt1"/>
+    </dgm:linClrLst>
+    <dgm:effectClrLst/>
+    <dgm:txLinClrLst/>
+    <dgm:txFillClrLst/>
+    <dgm:txEffectClrLst/>
+  </dgm:styleLbl>
+  <dgm:styleLbl name="alignNode1">
+    <dgm:fillClrLst meth="repeat">
+      <a:schemeClr val="accent1"/>
+    </dgm:fillClrLst>
+    <dgm:linClrLst meth="repeat">
+      <a:schemeClr val="accent1"/>
+    </dgm:linClrLst>
+    <dgm:effectClrLst/>
+    <dgm:txLinClrLst/>
+    <dgm:txFillClrLst/>
+    <dgm:txEffectClrLst/>
+  </dgm:styleLbl>
+  <dgm:styleLbl name="node1">
+    <dgm:fillClrLst meth="repeat">
+      <a:schemeClr val="accent1"/>
+    </dgm:fillClrLst>
+    <dgm:linClrLst meth="repeat">
+      <a:schemeClr val="lt1"/>
+    </dgm:linClrLst>
+    <dgm:effectClrLst/>
+    <dgm:txLinClrLst/>
+    <dgm:txFillClrLst/>
+    <dgm:txEffectClrLst/>
+  </dgm:styleLbl>
+  <dgm:styleLbl name="lnNode1">
+    <dgm:fillClrLst meth="repeat">
+      <a:schemeClr val="accent1"/>
+    </dgm:fillClrLst>
+    <dgm:linClrLst meth="repeat">
+      <a:schemeClr val="lt1"/>
+    </dgm:linClrLst>
+    <dgm:effectClrLst/>
+    <dgm:txLinClrLst/>
+    <dgm:txFillClrLst/>
+    <dgm:txEffectClrLst/>
+  </dgm:styleLbl>
+  <dgm:styleLbl name="vennNode1">
+    <dgm:fillClrLst meth="repeat">
+      <a:schemeClr val="accent1">
+        <a:alpha val="50000"/>
+      </a:schemeClr>
+    </dgm:fillClrLst>
+    <dgm:linClrLst meth="repeat">
+      <a:schemeClr val="lt1"/>
+    </dgm:linClrLst>
+    <dgm:effectClrLst/>
+    <dgm:txLinClrLst/>
+    <dgm:txFillClrLst/>
+    <dgm:txEffectClrLst/>
+  </dgm:styleLbl>
+  <dgm:styleLbl name="node2">
+    <dgm:fillClrLst meth="repeat">
+      <a:schemeClr val="accent1"/>
+    </dgm:fillClrLst>
+    <dgm:linClrLst meth="repeat">
+      <a:schemeClr val="lt1"/>
+    </dgm:linClrLst>
+    <dgm:effectClrLst/>
+    <dgm:txLinClrLst/>
+    <dgm:txFillClrLst/>
+    <dgm:txEffectClrLst/>
+  </dgm:styleLbl>
+  <dgm:styleLbl name="node3">
+    <dgm:fillClrLst meth="repeat">
+      <a:schemeClr val="accent1"/>
+    </dgm:fillClrLst>
+    <dgm:linClrLst meth="repeat">
+      <a:schemeClr val="lt1"/>
+    </dgm:linClrLst>
+    <dgm:effectClrLst/>
+    <dgm:txLinClrLst/>
+    <dgm:txFillClrLst/>
+    <dgm:txEffectClrLst/>
+  </dgm:styleLbl>
+  <dgm:styleLbl name="node4">
+    <dgm:fillClrLst meth="repeat">
+      <a:schemeClr val="accent1"/>
+    </dgm:fillClrLst>
+    <dgm:linClrLst meth="repeat">
+      <a:schemeClr val="lt1"/>
+    </dgm:linClrLst>
+    <dgm:effectClrLst/>
+    <dgm:txLinClrLst/>
+    <dgm:txFillClrLst/>
+    <dgm:txEffectClrLst/>
+  </dgm:styleLbl>
+  <dgm:styleLbl name="fgImgPlace1">
+    <dgm:fillClrLst meth="repeat">
+      <a:schemeClr val="accent1">
+        <a:tint val="50000"/>
+      </a:schemeClr>
+    </dgm:fillClrLst>
+    <dgm:linClrLst meth="repeat">
+      <a:schemeClr val="lt1"/>
+    </dgm:linClrLst>
+    <dgm:effectClrLst/>
+    <dgm:txLinClrLst/>
+    <dgm:txFillClrLst meth="repeat">
+      <a:schemeClr val="lt1"/>
+    </dgm:txFillClrLst>
+    <dgm:txEffectClrLst/>
+  </dgm:styleLbl>
+  <dgm:styleLbl name="alignImgPlace1">
+    <dgm:fillClrLst meth="repeat">
+      <a:schemeClr val="accent1">
+        <a:tint val="50000"/>
+      </a:schemeClr>
+    </dgm:fillClrLst>
+    <dgm:linClrLst meth="repeat">
+      <a:schemeClr val="lt1"/>
+    </dgm:linClrLst>
+    <dgm:effectClrLst/>
+    <dgm:txLinClrLst/>
+    <dgm:txFillClrLst meth="repeat">
+      <a:schemeClr val="lt1"/>
+    </dgm:txFillClrLst>
+    <dgm:txEffectClrLst/>
+  </dgm:styleLbl>
+  <dgm:styleLbl name="bgImgPlace1">
+    <dgm:fillClrLst meth="repeat">
+      <a:schemeClr val="accent1">
+        <a:tint val="50000"/>
+      </a:schemeClr>
+    </dgm:fillClrLst>
+    <dgm:linClrLst meth="repeat">
+      <a:schemeClr val="lt1"/>
+    </dgm:linClrLst>
+    <dgm:effectClrLst/>
+    <dgm:txLinClrLst/>
+    <dgm:txFillClrLst meth="repeat">
+      <a:schemeClr val="lt1"/>
+    </dgm:txFillClrLst>
+    <dgm:txEffectClrLst/>
+  </dgm:styleLbl>
+  <dgm:styleLbl name="sibTrans2D1">
+    <dgm:fillClrLst meth="repeat">
+      <a:schemeClr val="accent1">
+        <a:tint val="60000"/>
+      </a:schemeClr>
+    </dgm:fillClrLst>
+    <dgm:linClrLst meth="repeat">
+      <a:schemeClr val="accent1">
+        <a:tint val="60000"/>
+      </a:schemeClr>
+    </dgm:linClrLst>
+    <dgm:effectClrLst/>
+    <dgm:txLinClrLst/>
+    <dgm:txFillClrLst/>
+    <dgm:txEffectClrLst/>
+  </dgm:styleLbl>
+  <dgm:styleLbl name="fgSibTrans2D1">
+    <dgm:fillClrLst meth="repeat">
+      <a:schemeClr val="accent1">
+        <a:tint val="60000"/>
+      </a:schemeClr>
+    </dgm:fillClrLst>
+    <dgm:linClrLst meth="repeat">
+      <a:schemeClr val="accent1">
+        <a:tint val="60000"/>
+      </a:schemeClr>
+    </dgm:linClrLst>
+    <dgm:effectClrLst/>
+    <dgm:txLinClrLst/>
+    <dgm:txFillClrLst/>
+    <dgm:txEffectClrLst/>
+  </dgm:styleLbl>
+  <dgm:styleLbl name="bgSibTrans2D1">
+    <dgm:fillClrLst meth="repeat">
+      <a:schemeClr val="accent1">
+        <a:tint val="60000"/>
+      </a:schemeClr>
+    </dgm:fillClrLst>
+    <dgm:linClrLst meth="repeat">
+      <a:schemeClr val="accent1">
+        <a:tint val="60000"/>
+      </a:schemeClr>
+    </dgm:linClrLst>
+    <dgm:effectClrLst/>
+    <dgm:txLinClrLst/>
+    <dgm:txFillClrLst/>
+    <dgm:txEffectClrLst/>
+  </dgm:styleLbl>
+  <dgm:styleLbl name="sibTrans1D1">
+    <dgm:fillClrLst meth="repeat">
+      <a:schemeClr val="accent1"/>
+    </dgm:fillClrLst>
+    <dgm:linClrLst meth="repeat">
+      <a:schemeClr val="accent1"/>
+    </dgm:linClrLst>
+    <dgm:effectClrLst/>
+    <dgm:txLinClrLst/>
+    <dgm:txFillClrLst meth="repeat">
+      <a:schemeClr val="tx1"/>
+    </dgm:txFillClrLst>
+    <dgm:txEffectClrLst/>
+  </dgm:styleLbl>
+  <dgm:styleLbl name="callout">
+    <dgm:fillClrLst meth="repeat">
+      <a:schemeClr val="accent1"/>
+    </dgm:fillClrLst>
+    <dgm:linClrLst meth="repeat">
+      <a:schemeClr val="accent1">
+        <a:tint val="50000"/>
+      </a:schemeClr>
+    </dgm:linClrLst>
+    <dgm:effectClrLst/>
+    <dgm:txLinClrLst/>
+    <dgm:txFillClrLst meth="repeat">
+      <a:schemeClr val="tx1"/>
+    </dgm:txFillClrLst>
+    <dgm:txEffectClrLst/>
+  </dgm:styleLbl>
+  <dgm:styleLbl name="asst0">
+    <dgm:fillClrLst meth="repeat">
+      <a:schemeClr val="accent1"/>
+    </dgm:fillClrLst>
+    <dgm:linClrLst meth="repeat">
+      <a:schemeClr val="lt1"/>
+    </dgm:linClrLst>
+    <dgm:effectClrLst/>
+    <dgm:txLinClrLst/>
+    <dgm:txFillClrLst/>
+    <dgm:txEffectClrLst/>
+  </dgm:styleLbl>
+  <dgm:styleLbl name="asst1">
+    <dgm:fillClrLst meth="repeat">
+      <a:schemeClr val="accent1"/>
+    </dgm:fillClrLst>
+    <dgm:linClrLst meth="repeat">
+      <a:schemeClr val="lt1"/>
+    </dgm:linClrLst>
+    <dgm:effectClrLst/>
+    <dgm:txLinClrLst/>
+    <dgm:txFillClrLst/>
+    <dgm:txEffectClrLst/>
+  </dgm:styleLbl>
+  <dgm:styleLbl name="asst2">
+    <dgm:fillClrLst meth="repeat">
+      <a:schemeClr val="accent1"/>
+    </dgm:fillClrLst>
+    <dgm:linClrLst meth="repeat">
+      <a:schemeClr val="lt1"/>
+    </dgm:linClrLst>
+    <dgm:effectClrLst/>
+    <dgm:txLinClrLst/>
+    <dgm:txFillClrLst/>
+    <dgm:txEffectClrLst/>
+  </dgm:styleLbl>
+  <dgm:styleLbl name="asst3">
+    <dgm:fillClrLst meth="repeat">
+      <a:schemeClr val="accent1"/>
+    </dgm:fillClrLst>
+    <dgm:linClrLst meth="repeat">
+      <a:schemeClr val="lt1"/>
+    </dgm:linClrLst>
+    <dgm:effectClrLst/>
+    <dgm:txLinClrLst/>
+    <dgm:txFillClrLst/>
+    <dgm:txEffectClrLst/>
+  </dgm:styleLbl>
+  <dgm:styleLbl name="asst4">
+    <dgm:fillClrLst meth="repeat">
+      <a:schemeClr val="accent1"/>
+    </dgm:fillClrLst>
+    <dgm:linClrLst meth="repeat">
+      <a:schemeClr val="lt1"/>
+    </dgm:linClrLst>
+    <dgm:effectClrLst/>
+    <dgm:txLinClrLst/>
+    <dgm:txFillClrLst/>
+    <dgm:txEffectClrLst/>
+  </dgm:styleLbl>
+  <dgm:styleLbl name="parChTrans2D1">
+    <dgm:fillClrLst meth="repeat">
+      <a:schemeClr val="accent1">
+        <a:tint val="60000"/>
+      </a:schemeClr>
+    </dgm:fillClrLst>
+    <dgm:linClrLst meth="repeat">
+      <a:schemeClr val="accent1">
+        <a:tint val="60000"/>
+      </a:schemeClr>
+    </dgm:linClrLst>
+    <dgm:effectClrLst/>
+    <dgm:txLinClrLst/>
+    <dgm:txFillClrLst meth="repeat">
+      <a:schemeClr val="lt1"/>
+    </dgm:txFillClrLst>
+    <dgm:txEffectClrLst/>
+  </dgm:styleLbl>
+  <dgm:styleLbl name="parChTrans2D2">
+    <dgm:fillClrLst meth="repeat">
+      <a:schemeClr val="accent1"/>
+    </dgm:fillClrLst>
+    <dgm:linClrLst meth="repeat">
+      <a:schemeClr val="accent1"/>
+    </dgm:linClrLst>
+    <dgm:effectClrLst/>
+    <dgm:txLinClrLst/>
+    <dgm:txFillClrLst meth="repeat">
+      <a:schemeClr val="lt1"/>
+    </dgm:txFillClrLst>
+    <dgm:txEffectClrLst/>
+  </dgm:styleLbl>
+  <dgm:styleLbl name="parChTrans2D3">
+    <dgm:fillClrLst meth="repeat">
+      <a:schemeClr val="accent1"/>
+    </dgm:fillClrLst>
+    <dgm:linClrLst meth="repeat">
+      <a:schemeClr val="accent1"/>
+    </dgm:linClrLst>
+    <dgm:effectClrLst/>
+    <dgm:txLinClrLst/>
+    <dgm:txFillClrLst meth="repeat">
+      <a:schemeClr val="lt1"/>
+    </dgm:txFillClrLst>
+    <dgm:txEffectClrLst/>
+  </dgm:styleLbl>
+  <dgm:styleLbl name="parChTrans2D4">
+    <dgm:fillClrLst meth="repeat">
+      <a:schemeClr val="accent1"/>
+    </dgm:fillClrLst>
+    <dgm:linClrLst meth="repeat">
+      <a:schemeClr val="accent1"/>
+    </dgm:linClrLst>
+    <dgm:effectClrLst/>
+    <dgm:txLinClrLst/>
+    <dgm:txFillClrLst meth="repeat">
+      <a:schemeClr val="lt1"/>
+    </dgm:txFillClrLst>
+    <dgm:txEffectClrLst/>
+  </dgm:styleLbl>
+  <dgm:styleLbl name="parChTrans1D1">
+    <dgm:fillClrLst meth="repeat">
+      <a:schemeClr val="accent1"/>
+    </dgm:fillClrLst>
+    <dgm:linClrLst meth="repeat">
+      <a:schemeClr val="accent1">
+        <a:shade val="60000"/>
+      </a:schemeClr>
+    </dgm:linClrLst>
+    <dgm:effectClrLst/>
+    <dgm:txLinClrLst/>
+    <dgm:txFillClrLst meth="repeat">
+      <a:schemeClr val="tx1"/>
+    </dgm:txFillClrLst>
+    <dgm:txEffectClrLst/>
+  </dgm:styleLbl>
+  <dgm:styleLbl name="parChTrans1D2">
+    <dgm:fillClrLst meth="repeat">
+      <a:schemeClr val="accent1"/>
+    </dgm:fillClrLst>
+    <dgm:linClrLst meth="repeat">
+      <a:schemeClr val="accent1">
+        <a:shade val="60000"/>
+      </a:schemeClr>
+    </dgm:linClrLst>
+    <dgm:effectClrLst/>
+    <dgm:txLinClrLst/>
+    <dgm:txFillClrLst meth="repeat">
+      <a:schemeClr val="tx1"/>
+    </dgm:txFillClrLst>
+    <dgm:txEffectClrLst/>
+  </dgm:styleLbl>
+  <dgm:styleLbl name="parChTrans1D3">
+    <dgm:fillClrLst meth="repeat">
+      <a:schemeClr val="accent1"/>
+    </dgm:fillClrLst>
+    <dgm:linClrLst meth="repeat">
+      <a:schemeClr val="accent1">
+        <a:shade val="80000"/>
+      </a:schemeClr>
+    </dgm:linClrLst>
+    <dgm:effectClrLst/>
+    <dgm:txLinClrLst/>
+    <dgm:txFillClrLst meth="repeat">
+      <a:schemeClr val="tx1"/>
+    </dgm:txFillClrLst>
+    <dgm:txEffectClrLst/>
+  </dgm:styleLbl>
+  <dgm:styleLbl name="parChTrans1D4">
+    <dgm:fillClrLst meth="repeat">
+      <a:schemeClr val="accent1"/>
+    </dgm:fillClrLst>
+    <dgm:linClrLst meth="repeat">
+      <a:schemeClr val="accent1">
+        <a:shade val="80000"/>
+      </a:schemeClr>
+    </dgm:linClrLst>
+    <dgm:effectClrLst/>
+    <dgm:txLinClrLst/>
+    <dgm:txFillClrLst meth="repeat">
+      <a:schemeClr val="tx1"/>
+    </dgm:txFillClrLst>
+    <dgm:txEffectClrLst/>
+  </dgm:styleLbl>
+  <dgm:styleLbl name="fgAcc1">
+    <dgm:fillClrLst meth="repeat">
+      <a:schemeClr val="lt1">
+        <a:alpha val="90000"/>
+      </a:schemeClr>
+    </dgm:fillClrLst>
+    <dgm:linClrLst meth="repeat">
+      <a:schemeClr val="accent1"/>
+    </dgm:linClrLst>
+    <dgm:effectClrLst/>
+    <dgm:txLinClrLst/>
+    <dgm:txFillClrLst meth="repeat">
+      <a:schemeClr val="dk1"/>
+    </dgm:txFillClrLst>
+    <dgm:txEffectClrLst/>
+  </dgm:styleLbl>
+  <dgm:styleLbl name="conFgAcc1">
+    <dgm:fillClrLst meth="repeat">
+      <a:schemeClr val="lt1">
+        <a:alpha val="90000"/>
+      </a:schemeClr>
+    </dgm:fillClrLst>
+    <dgm:linClrLst meth="repeat">
+      <a:schemeClr val="accent1"/>
+    </dgm:linClrLst>
+    <dgm:effectClrLst/>
+    <dgm:txLinClrLst/>
+    <dgm:txFillClrLst meth="repeat">
+      <a:schemeClr val="dk1"/>
+    </dgm:txFillClrLst>
+    <dgm:txEffectClrLst/>
+  </dgm:styleLbl>
+  <dgm:styleLbl name="alignAcc1">
+    <dgm:fillClrLst meth="repeat">
+      <a:schemeClr val="lt1">
+        <a:alpha val="90000"/>
+      </a:schemeClr>
+    </dgm:fillClrLst>
+    <dgm:linClrLst meth="repeat">
+      <a:schemeClr val="accent1"/>
+    </dgm:linClrLst>
+    <dgm:effectClrLst/>
+    <dgm:txLinClrLst/>
+    <dgm:txFillClrLst meth="repeat">
+      <a:schemeClr val="dk1"/>
+    </dgm:txFillClrLst>
+    <dgm:txEffectClrLst/>
+  </dgm:styleLbl>
+  <dgm:styleLbl name="trAlignAcc1">
+    <dgm:fillClrLst meth="repeat">
+      <a:schemeClr val="lt1">
+        <a:alpha val="40000"/>
+      </a:schemeClr>
+    </dgm:fillClrLst>
+    <dgm:linClrLst meth="repeat">
+      <a:schemeClr val="accent1"/>
+    </dgm:linClrLst>
+    <dgm:effectClrLst/>
+    <dgm:txLinClrLst/>
+    <dgm:txFillClrLst meth="repeat">
+      <a:schemeClr val="dk1"/>
+    </dgm:txFillClrLst>
+    <dgm:txEffectClrLst/>
+  </dgm:styleLbl>
+  <dgm:styleLbl name="bgAcc1">
+    <dgm:fillClrLst meth="repeat">
+      <a:schemeClr val="lt1">
+        <a:alpha val="90000"/>
+      </a:schemeClr>
+    </dgm:fillClrLst>
+    <dgm:linClrLst meth="repeat">
+      <a:schemeClr val="accent1"/>
+    </dgm:linClrLst>
+    <dgm:effectClrLst/>
+    <dgm:txLinClrLst/>
+    <dgm:txFillClrLst meth="repeat">
+      <a:schemeClr val="dk1"/>
+    </dgm:txFillClrLst>
+    <dgm:txEffectClrLst/>
+  </dgm:styleLbl>
+  <dgm:styleLbl name="solidFgAcc1">
+    <dgm:fillClrLst meth="repeat">
+      <a:schemeClr val="lt1"/>
+    </dgm:fillClrLst>
+    <dgm:linClrLst meth="repeat">
+      <a:schemeClr val="accent1"/>
+    </dgm:linClrLst>
+    <dgm:effectClrLst/>
+    <dgm:txLinClrLst/>
+    <dgm:txFillClrLst meth="repeat">
+      <a:schemeClr val="dk1"/>
+    </dgm:txFillClrLst>
+    <dgm:txEffectClrLst/>
+  </dgm:styleLbl>
+  <dgm:styleLbl name="solidAlignAcc1">
+    <dgm:fillClrLst meth="repeat">
+      <a:schemeClr val="lt1"/>
+    </dgm:fillClrLst>
+    <dgm:linClrLst meth="repeat">
+      <a:schemeClr val="accent1"/>
+    </dgm:linClrLst>
+    <dgm:effectClrLst/>
+    <dgm:txLinClrLst/>
+    <dgm:txFillClrLst meth="repeat">
+      <a:schemeClr val="dk1"/>
+    </dgm:txFillClrLst>
+    <dgm:txEffectClrLst/>
+  </dgm:styleLbl>
+  <dgm:styleLbl name="solidBgAcc1">
+    <dgm:fillClrLst meth="repeat">
+      <a:schemeClr val="lt1"/>
+    </dgm:fillClrLst>
+    <dgm:linClrLst meth="repeat">
+      <a:schemeClr val="accent1"/>
+    </dgm:linClrLst>
+    <dgm:effectClrLst/>
+    <dgm:txLinClrLst/>
+    <dgm:txFillClrLst meth="repeat">
+      <a:schemeClr val="dk1"/>
+    </dgm:txFillClrLst>
+    <dgm:txEffectClrLst/>
+  </dgm:styleLbl>
+  <dgm:styleLbl name="fgAccFollowNode1">
+    <dgm:fillClrLst meth="repeat">
+      <a:schemeClr val="accent1">
+        <a:alpha val="90000"/>
+        <a:tint val="40000"/>
+      </a:schemeClr>
+    </dgm:fillClrLst>
+    <dgm:linClrLst meth="repeat">
+      <a:schemeClr val="accent1">
+        <a:alpha val="90000"/>
+        <a:tint val="40000"/>
+      </a:schemeClr>
+    </dgm:linClrLst>
+    <dgm:effectClrLst/>
+    <dgm:txLinClrLst/>
+    <dgm:txFillClrLst meth="repeat">
+      <a:schemeClr val="dk1"/>
+    </dgm:txFillClrLst>
+    <dgm:txEffectClrLst/>
+  </dgm:styleLbl>
+  <dgm:styleLbl name="alignAccFollowNode1">
+    <dgm:fillClrLst meth="repeat">
+      <a:schemeClr val="accent1">
+        <a:alpha val="90000"/>
+        <a:tint val="40000"/>
+      </a:schemeClr>
+    </dgm:fillClrLst>
+    <dgm:linClrLst meth="repeat">
+      <a:schemeClr val="accent1">
+        <a:alpha val="90000"/>
+        <a:tint val="40000"/>
+      </a:schemeClr>
+    </dgm:linClrLst>
+    <dgm:effectClrLst/>
+    <dgm:txLinClrLst/>
+    <dgm:txFillClrLst meth="repeat">
+      <a:schemeClr val="dk1"/>
+    </dgm:txFillClrLst>
+    <dgm:txEffectClrLst/>
+  </dgm:styleLbl>
+  <dgm:styleLbl name="bgAccFollowNode1">
+    <dgm:fillClrLst meth="repeat">
+      <a:schemeClr val="accent1">
+        <a:alpha val="90000"/>
+        <a:tint val="40000"/>
+      </a:schemeClr>
+    </dgm:fillClrLst>
+    <dgm:linClrLst meth="repeat">
+      <a:schemeClr val="accent1">
+        <a:alpha val="90000"/>
+        <a:tint val="40000"/>
+      </a:schemeClr>
+    </dgm:linClrLst>
+    <dgm:effectClrLst/>
+    <dgm:txLinClrLst/>
+    <dgm:txFillClrLst meth="repeat">
+      <a:schemeClr val="dk1"/>
+    </dgm:txFillClrLst>
+    <dgm:txEffectClrLst/>
+  </dgm:styleLbl>
+  <dgm:styleLbl name="fgAcc0">
+    <dgm:fillClrLst meth="repeat">
+      <a:schemeClr val="lt1">
+        <a:alpha val="90000"/>
+      </a:schemeClr>
+    </dgm:fillClrLst>
+    <dgm:linClrLst meth="repeat">
+      <a:schemeClr val="accent1"/>
+    </dgm:linClrLst>
+    <dgm:effectClrLst/>
+    <dgm:txLinClrLst/>
+    <dgm:txFillClrLst meth="repeat">
+      <a:schemeClr val="dk1"/>
+    </dgm:txFillClrLst>
+    <dgm:txEffectClrLst/>
+  </dgm:styleLbl>
+  <dgm:styleLbl name="fgAcc2">
+    <dgm:fillClrLst meth="repeat">
+      <a:schemeClr val="lt1">
+        <a:alpha val="90000"/>
+      </a:schemeClr>
+    </dgm:fillClrLst>
+    <dgm:linClrLst meth="repeat">
+      <a:schemeClr val="accent1"/>
+    </dgm:linClrLst>
+    <dgm:effectClrLst/>
+    <dgm:txLinClrLst/>
+    <dgm:txFillClrLst meth="repeat">
+      <a:schemeClr val="dk1"/>
+    </dgm:txFillClrLst>
+    <dgm:txEffectClrLst/>
+  </dgm:styleLbl>
+  <dgm:styleLbl name="fgAcc3">
+    <dgm:fillClrLst meth="repeat">
+      <a:schemeClr val="lt1">
+        <a:alpha val="90000"/>
+      </a:schemeClr>
+    </dgm:fillClrLst>
+    <dgm:linClrLst meth="repeat">
+      <a:schemeClr val="accent1"/>
+    </dgm:linClrLst>
+    <dgm:effectClrLst/>
+    <dgm:txLinClrLst/>
+    <dgm:txFillClrLst meth="repeat">
+      <a:schemeClr val="dk1"/>
+    </dgm:txFillClrLst>
+    <dgm:txEffectClrLst/>
+  </dgm:styleLbl>
+  <dgm:styleLbl name="fgAcc4">
+    <dgm:fillClrLst meth="repeat">
+      <a:schemeClr val="lt1">
+        <a:alpha val="90000"/>
+      </a:schemeClr>
+    </dgm:fillClrLst>
+    <dgm:linClrLst meth="repeat">
+      <a:schemeClr val="accent1"/>
+    </dgm:linClrLst>
+    <dgm:effectClrLst/>
+    <dgm:txLinClrLst/>
+    <dgm:txFillClrLst meth="repeat">
+      <a:schemeClr val="dk1"/>
+    </dgm:txFillClrLst>
+    <dgm:txEffectClrLst/>
+  </dgm:styleLbl>
+  <dgm:styleLbl name="bgShp">
+    <dgm:fillClrLst meth="repeat">
+      <a:schemeClr val="accent1">
+        <a:tint val="40000"/>
+      </a:schemeClr>
+    </dgm:fillClrLst>
+    <dgm:linClrLst meth="repeat">
+      <a:schemeClr val="accent1"/>
+    </dgm:linClrLst>
+    <dgm:effectClrLst/>
+    <dgm:txLinClrLst/>
+    <dgm:txFillClrLst meth="repeat">
+      <a:schemeClr val="dk1"/>
+    </dgm:txFillClrLst>
+    <dgm:txEffectClrLst/>
+  </dgm:styleLbl>
+  <dgm:styleLbl name="dkBgShp">
+    <dgm:fillClrLst meth="repeat">
+      <a:schemeClr val="accent1">
+        <a:shade val="80000"/>
+      </a:schemeClr>
+    </dgm:fillClrLst>
+    <dgm:linClrLst meth="repeat">
+      <a:schemeClr val="accent1"/>
+    </dgm:linClrLst>
+    <dgm:effectClrLst/>
+    <dgm:txLinClrLst/>
+    <dgm:txFillClrLst meth="repeat">
+      <a:schemeClr val="lt1"/>
+    </dgm:txFillClrLst>
+    <dgm:txEffectClrLst/>
+  </dgm:styleLbl>
+  <dgm:styleLbl name="trBgShp">
+    <dgm:fillClrLst meth="repeat">
+      <a:schemeClr val="accent1">
+        <a:tint val="50000"/>
+        <a:alpha val="40000"/>
+      </a:schemeClr>
+    </dgm:fillClrLst>
+    <dgm:linClrLst meth="repeat">
+      <a:schemeClr val="accent1"/>
+    </dgm:linClrLst>
+    <dgm:effectClrLst/>
+    <dgm:txLinClrLst/>
+    <dgm:txFillClrLst meth="repeat">
+      <a:schemeClr val="lt1"/>
+    </dgm:txFillClrLst>
+    <dgm:txEffectClrLst/>
+  </dgm:styleLbl>
+  <dgm:styleLbl name="fgShp">
+    <dgm:fillClrLst meth="repeat">
+      <a:schemeClr val="accent1">
+        <a:tint val="60000"/>
+      </a:schemeClr>
+    </dgm:fillClrLst>
+    <dgm:linClrLst meth="repeat">
+      <a:schemeClr val="lt1"/>
+    </dgm:linClrLst>
+    <dgm:effectClrLst/>
+    <dgm:txLinClrLst/>
+    <dgm:txFillClrLst meth="repeat">
+      <a:schemeClr val="dk1"/>
+    </dgm:txFillClrLst>
+    <dgm:txEffectClrLst/>
+  </dgm:styleLbl>
+  <dgm:styleLbl name="revTx">
+    <dgm:fillClrLst meth="repeat">
+      <a:schemeClr val="lt1">
+        <a:alpha val="0"/>
+      </a:schemeClr>
+    </dgm:fillClrLst>
+    <dgm:linClrLst meth="repeat">
+      <a:schemeClr val="dk1">
+        <a:alpha val="0"/>
+      </a:schemeClr>
+    </dgm:linClrLst>
+    <dgm:effectClrLst/>
+    <dgm:txLinClrLst/>
+    <dgm:txFillClrLst meth="repeat">
+      <a:schemeClr val="tx1"/>
+    </dgm:txFillClrLst>
+    <dgm:txEffectClrLst/>
+  </dgm:styleLbl>
+</dgm:colorsDef>
+</file>
+
+<file path=ppt/diagrams/data1.xml><?xml version="1.0" encoding="utf-8"?>
+<dgm:dataModel xmlns:dgm="http://schemas.openxmlformats.org/drawingml/2006/diagram" xmlns:a="http://schemas.openxmlformats.org/drawingml/2006/main">
+  <dgm:ptLst>
+    <dgm:pt modelId="{39415A6C-FB1D-42A6-B72B-F49779890AB4}" type="doc">
+      <dgm:prSet loTypeId="urn:microsoft.com/office/officeart/2005/8/layout/cycle5" loCatId="cycle" qsTypeId="urn:microsoft.com/office/officeart/2005/8/quickstyle/simple1" qsCatId="simple" csTypeId="urn:microsoft.com/office/officeart/2005/8/colors/accent1_2" csCatId="accent1" phldr="1"/>
+      <dgm:spPr/>
+      <dgm:t>
+        <a:bodyPr/>
+        <a:lstStyle/>
+        <a:p>
+          <a:endParaRPr lang="de-CH"/>
+        </a:p>
+      </dgm:t>
+    </dgm:pt>
+    <dgm:pt modelId="{21D28FB7-361A-493F-BDF5-23B81B730492}">
+      <dgm:prSet phldrT="[Text]"/>
+      <dgm:spPr/>
+      <dgm:t>
+        <a:bodyPr/>
+        <a:lstStyle/>
+        <a:p>
+          <a:r>
+            <a:rPr lang="de-CH" dirty="0" smtClean="0"/>
+            <a:t>Selektion</a:t>
+          </a:r>
+          <a:endParaRPr lang="de-CH" dirty="0"/>
+        </a:p>
+      </dgm:t>
+    </dgm:pt>
+    <dgm:pt modelId="{E1F5F666-7930-42B4-9041-D483F58CEDBB}" type="parTrans" cxnId="{C96344E7-2359-4FCE-ABBA-603B313FE3EB}">
+      <dgm:prSet/>
+      <dgm:spPr/>
+      <dgm:t>
+        <a:bodyPr/>
+        <a:lstStyle/>
+        <a:p>
+          <a:endParaRPr lang="de-CH"/>
+        </a:p>
+      </dgm:t>
+    </dgm:pt>
+    <dgm:pt modelId="{3D68669C-5E85-4604-9DBE-F3A313EBD67D}" type="sibTrans" cxnId="{C96344E7-2359-4FCE-ABBA-603B313FE3EB}">
+      <dgm:prSet/>
+      <dgm:spPr/>
+      <dgm:t>
+        <a:bodyPr/>
+        <a:lstStyle/>
+        <a:p>
+          <a:endParaRPr lang="de-CH"/>
+        </a:p>
+      </dgm:t>
+    </dgm:pt>
+    <dgm:pt modelId="{8440C4B7-7E5F-4E61-9C27-05D072FC36AA}">
+      <dgm:prSet phldrT="[Text]"/>
+      <dgm:spPr/>
+      <dgm:t>
+        <a:bodyPr/>
+        <a:lstStyle/>
+        <a:p>
+          <a:r>
+            <a:rPr lang="de-CH" dirty="0" smtClean="0"/>
+            <a:t>Mutation</a:t>
+          </a:r>
+          <a:endParaRPr lang="de-CH" dirty="0"/>
+        </a:p>
+      </dgm:t>
+    </dgm:pt>
+    <dgm:pt modelId="{46F6F2D9-5021-4984-BAD0-AB76E1E3CCE1}" type="parTrans" cxnId="{10C53394-A71F-4121-B063-CC6B992CDE0D}">
+      <dgm:prSet/>
+      <dgm:spPr/>
+      <dgm:t>
+        <a:bodyPr/>
+        <a:lstStyle/>
+        <a:p>
+          <a:endParaRPr lang="de-CH"/>
+        </a:p>
+      </dgm:t>
+    </dgm:pt>
+    <dgm:pt modelId="{66A69301-190B-4129-8649-5CBA0C2416BF}" type="sibTrans" cxnId="{10C53394-A71F-4121-B063-CC6B992CDE0D}">
+      <dgm:prSet/>
+      <dgm:spPr/>
+      <dgm:t>
+        <a:bodyPr/>
+        <a:lstStyle/>
+        <a:p>
+          <a:endParaRPr lang="de-CH"/>
+        </a:p>
+      </dgm:t>
+    </dgm:pt>
+    <dgm:pt modelId="{C2E3A135-561F-4ED4-BCDD-2715B42A9A89}">
+      <dgm:prSet phldrT="[Text]"/>
+      <dgm:spPr/>
+      <dgm:t>
+        <a:bodyPr/>
+        <a:lstStyle/>
+        <a:p>
+          <a:r>
+            <a:rPr lang="de-CH" dirty="0" smtClean="0"/>
+            <a:t>Evaluation</a:t>
+          </a:r>
+          <a:endParaRPr lang="de-CH" dirty="0"/>
+        </a:p>
+      </dgm:t>
+    </dgm:pt>
+    <dgm:pt modelId="{FF8C0667-FCBC-4F30-9A96-56CCEE680862}" type="parTrans" cxnId="{900F31F2-63B2-4D21-8AA9-97C18006C5E6}">
+      <dgm:prSet/>
+      <dgm:spPr/>
+      <dgm:t>
+        <a:bodyPr/>
+        <a:lstStyle/>
+        <a:p>
+          <a:endParaRPr lang="de-CH"/>
+        </a:p>
+      </dgm:t>
+    </dgm:pt>
+    <dgm:pt modelId="{BD9F4815-EB2E-47CC-A129-136F5D869AE2}" type="sibTrans" cxnId="{900F31F2-63B2-4D21-8AA9-97C18006C5E6}">
+      <dgm:prSet/>
+      <dgm:spPr/>
+      <dgm:t>
+        <a:bodyPr/>
+        <a:lstStyle/>
+        <a:p>
+          <a:endParaRPr lang="de-CH"/>
+        </a:p>
+      </dgm:t>
+    </dgm:pt>
+    <dgm:pt modelId="{DDE4228C-212E-47D3-9593-E8BF706BAC43}" type="pres">
+      <dgm:prSet presAssocID="{39415A6C-FB1D-42A6-B72B-F49779890AB4}" presName="cycle" presStyleCnt="0">
+        <dgm:presLayoutVars>
+          <dgm:dir/>
+          <dgm:resizeHandles val="exact"/>
+        </dgm:presLayoutVars>
+      </dgm:prSet>
+      <dgm:spPr/>
+    </dgm:pt>
+    <dgm:pt modelId="{E21AA19A-8323-4A7C-AD5E-365CC2823B57}" type="pres">
+      <dgm:prSet presAssocID="{C2E3A135-561F-4ED4-BCDD-2715B42A9A89}" presName="node" presStyleLbl="node1" presStyleIdx="0" presStyleCnt="3">
+        <dgm:presLayoutVars>
+          <dgm:bulletEnabled val="1"/>
+        </dgm:presLayoutVars>
+      </dgm:prSet>
+      <dgm:spPr/>
+      <dgm:t>
+        <a:bodyPr/>
+        <a:lstStyle/>
+        <a:p>
+          <a:endParaRPr lang="de-CH"/>
+        </a:p>
+      </dgm:t>
+    </dgm:pt>
+    <dgm:pt modelId="{4D682A56-D869-4410-BF01-14A5147668D7}" type="pres">
+      <dgm:prSet presAssocID="{C2E3A135-561F-4ED4-BCDD-2715B42A9A89}" presName="spNode" presStyleCnt="0"/>
+      <dgm:spPr/>
+    </dgm:pt>
+    <dgm:pt modelId="{38542628-2897-41A3-9E52-16B0E752FB74}" type="pres">
+      <dgm:prSet presAssocID="{BD9F4815-EB2E-47CC-A129-136F5D869AE2}" presName="sibTrans" presStyleLbl="sibTrans1D1" presStyleIdx="0" presStyleCnt="3"/>
+      <dgm:spPr/>
+    </dgm:pt>
+    <dgm:pt modelId="{45BB1E18-A9AC-4B45-8DFB-DE5E4A1A7810}" type="pres">
+      <dgm:prSet presAssocID="{21D28FB7-361A-493F-BDF5-23B81B730492}" presName="node" presStyleLbl="node1" presStyleIdx="1" presStyleCnt="3">
+        <dgm:presLayoutVars>
+          <dgm:bulletEnabled val="1"/>
+        </dgm:presLayoutVars>
+      </dgm:prSet>
+      <dgm:spPr/>
+      <dgm:t>
+        <a:bodyPr/>
+        <a:lstStyle/>
+        <a:p>
+          <a:endParaRPr lang="de-CH"/>
+        </a:p>
+      </dgm:t>
+    </dgm:pt>
+    <dgm:pt modelId="{7D36FAF6-8A66-47BB-AE8F-B7219295C7F7}" type="pres">
+      <dgm:prSet presAssocID="{21D28FB7-361A-493F-BDF5-23B81B730492}" presName="spNode" presStyleCnt="0"/>
+      <dgm:spPr/>
+    </dgm:pt>
+    <dgm:pt modelId="{F2530A63-EA35-4564-B4A3-DC4B264F6EDF}" type="pres">
+      <dgm:prSet presAssocID="{3D68669C-5E85-4604-9DBE-F3A313EBD67D}" presName="sibTrans" presStyleLbl="sibTrans1D1" presStyleIdx="1" presStyleCnt="3"/>
+      <dgm:spPr/>
+    </dgm:pt>
+    <dgm:pt modelId="{708CF848-C8CA-4C9B-838A-CAACEBCAEECA}" type="pres">
+      <dgm:prSet presAssocID="{8440C4B7-7E5F-4E61-9C27-05D072FC36AA}" presName="node" presStyleLbl="node1" presStyleIdx="2" presStyleCnt="3">
+        <dgm:presLayoutVars>
+          <dgm:bulletEnabled val="1"/>
+        </dgm:presLayoutVars>
+      </dgm:prSet>
+      <dgm:spPr/>
+    </dgm:pt>
+    <dgm:pt modelId="{F31BB438-9E81-4BB8-9B7D-F5FCDCF9FA9A}" type="pres">
+      <dgm:prSet presAssocID="{8440C4B7-7E5F-4E61-9C27-05D072FC36AA}" presName="spNode" presStyleCnt="0"/>
+      <dgm:spPr/>
+    </dgm:pt>
+    <dgm:pt modelId="{54713809-7240-4C9E-AE40-71AADAC96588}" type="pres">
+      <dgm:prSet presAssocID="{66A69301-190B-4129-8649-5CBA0C2416BF}" presName="sibTrans" presStyleLbl="sibTrans1D1" presStyleIdx="2" presStyleCnt="3"/>
+      <dgm:spPr/>
+    </dgm:pt>
+  </dgm:ptLst>
+  <dgm:cxnLst>
+    <dgm:cxn modelId="{57A95132-4C29-4C39-A77D-94416F433583}" type="presOf" srcId="{BD9F4815-EB2E-47CC-A129-136F5D869AE2}" destId="{38542628-2897-41A3-9E52-16B0E752FB74}" srcOrd="0" destOrd="0" presId="urn:microsoft.com/office/officeart/2005/8/layout/cycle5"/>
+    <dgm:cxn modelId="{6FAC2861-7755-4EC6-A50F-E119B76424F4}" type="presOf" srcId="{3D68669C-5E85-4604-9DBE-F3A313EBD67D}" destId="{F2530A63-EA35-4564-B4A3-DC4B264F6EDF}" srcOrd="0" destOrd="0" presId="urn:microsoft.com/office/officeart/2005/8/layout/cycle5"/>
+    <dgm:cxn modelId="{991B4CBD-DBF7-49BA-A61E-628B3556B49A}" type="presOf" srcId="{39415A6C-FB1D-42A6-B72B-F49779890AB4}" destId="{DDE4228C-212E-47D3-9593-E8BF706BAC43}" srcOrd="0" destOrd="0" presId="urn:microsoft.com/office/officeart/2005/8/layout/cycle5"/>
+    <dgm:cxn modelId="{A800DF1C-8E56-458A-93AF-154D2C6E1921}" type="presOf" srcId="{8440C4B7-7E5F-4E61-9C27-05D072FC36AA}" destId="{708CF848-C8CA-4C9B-838A-CAACEBCAEECA}" srcOrd="0" destOrd="0" presId="urn:microsoft.com/office/officeart/2005/8/layout/cycle5"/>
+    <dgm:cxn modelId="{C96344E7-2359-4FCE-ABBA-603B313FE3EB}" srcId="{39415A6C-FB1D-42A6-B72B-F49779890AB4}" destId="{21D28FB7-361A-493F-BDF5-23B81B730492}" srcOrd="1" destOrd="0" parTransId="{E1F5F666-7930-42B4-9041-D483F58CEDBB}" sibTransId="{3D68669C-5E85-4604-9DBE-F3A313EBD67D}"/>
+    <dgm:cxn modelId="{2271BE6D-5B53-4684-B518-F2ECE8C75492}" type="presOf" srcId="{66A69301-190B-4129-8649-5CBA0C2416BF}" destId="{54713809-7240-4C9E-AE40-71AADAC96588}" srcOrd="0" destOrd="0" presId="urn:microsoft.com/office/officeart/2005/8/layout/cycle5"/>
+    <dgm:cxn modelId="{DA557493-FB94-44BE-8360-38A250BDFE62}" type="presOf" srcId="{C2E3A135-561F-4ED4-BCDD-2715B42A9A89}" destId="{E21AA19A-8323-4A7C-AD5E-365CC2823B57}" srcOrd="0" destOrd="0" presId="urn:microsoft.com/office/officeart/2005/8/layout/cycle5"/>
+    <dgm:cxn modelId="{D385E7CB-215F-4F73-8082-F835AD11E0B3}" type="presOf" srcId="{21D28FB7-361A-493F-BDF5-23B81B730492}" destId="{45BB1E18-A9AC-4B45-8DFB-DE5E4A1A7810}" srcOrd="0" destOrd="0" presId="urn:microsoft.com/office/officeart/2005/8/layout/cycle5"/>
+    <dgm:cxn modelId="{900F31F2-63B2-4D21-8AA9-97C18006C5E6}" srcId="{39415A6C-FB1D-42A6-B72B-F49779890AB4}" destId="{C2E3A135-561F-4ED4-BCDD-2715B42A9A89}" srcOrd="0" destOrd="0" parTransId="{FF8C0667-FCBC-4F30-9A96-56CCEE680862}" sibTransId="{BD9F4815-EB2E-47CC-A129-136F5D869AE2}"/>
+    <dgm:cxn modelId="{10C53394-A71F-4121-B063-CC6B992CDE0D}" srcId="{39415A6C-FB1D-42A6-B72B-F49779890AB4}" destId="{8440C4B7-7E5F-4E61-9C27-05D072FC36AA}" srcOrd="2" destOrd="0" parTransId="{46F6F2D9-5021-4984-BAD0-AB76E1E3CCE1}" sibTransId="{66A69301-190B-4129-8649-5CBA0C2416BF}"/>
+    <dgm:cxn modelId="{1B72F248-FE43-42EA-B3B5-FB2E8D407D6E}" type="presParOf" srcId="{DDE4228C-212E-47D3-9593-E8BF706BAC43}" destId="{E21AA19A-8323-4A7C-AD5E-365CC2823B57}" srcOrd="0" destOrd="0" presId="urn:microsoft.com/office/officeart/2005/8/layout/cycle5"/>
+    <dgm:cxn modelId="{A4CE82AB-9328-4454-99A2-D1A3E7009137}" type="presParOf" srcId="{DDE4228C-212E-47D3-9593-E8BF706BAC43}" destId="{4D682A56-D869-4410-BF01-14A5147668D7}" srcOrd="1" destOrd="0" presId="urn:microsoft.com/office/officeart/2005/8/layout/cycle5"/>
+    <dgm:cxn modelId="{A97326C8-3EE9-43CD-96EF-37C256BD04B7}" type="presParOf" srcId="{DDE4228C-212E-47D3-9593-E8BF706BAC43}" destId="{38542628-2897-41A3-9E52-16B0E752FB74}" srcOrd="2" destOrd="0" presId="urn:microsoft.com/office/officeart/2005/8/layout/cycle5"/>
+    <dgm:cxn modelId="{A3390813-FAF3-4107-BF35-2DCE7C444A7A}" type="presParOf" srcId="{DDE4228C-212E-47D3-9593-E8BF706BAC43}" destId="{45BB1E18-A9AC-4B45-8DFB-DE5E4A1A7810}" srcOrd="3" destOrd="0" presId="urn:microsoft.com/office/officeart/2005/8/layout/cycle5"/>
+    <dgm:cxn modelId="{D616E37D-0D40-4DBC-B5B2-823F952138A2}" type="presParOf" srcId="{DDE4228C-212E-47D3-9593-E8BF706BAC43}" destId="{7D36FAF6-8A66-47BB-AE8F-B7219295C7F7}" srcOrd="4" destOrd="0" presId="urn:microsoft.com/office/officeart/2005/8/layout/cycle5"/>
+    <dgm:cxn modelId="{6CD57451-FE70-4E01-8B3F-756C3379501B}" type="presParOf" srcId="{DDE4228C-212E-47D3-9593-E8BF706BAC43}" destId="{F2530A63-EA35-4564-B4A3-DC4B264F6EDF}" srcOrd="5" destOrd="0" presId="urn:microsoft.com/office/officeart/2005/8/layout/cycle5"/>
+    <dgm:cxn modelId="{8E8261AA-B03F-4B31-BA16-2E8C156CBF48}" type="presParOf" srcId="{DDE4228C-212E-47D3-9593-E8BF706BAC43}" destId="{708CF848-C8CA-4C9B-838A-CAACEBCAEECA}" srcOrd="6" destOrd="0" presId="urn:microsoft.com/office/officeart/2005/8/layout/cycle5"/>
+    <dgm:cxn modelId="{E21F8BC9-9615-48BE-8645-A82C81F536F4}" type="presParOf" srcId="{DDE4228C-212E-47D3-9593-E8BF706BAC43}" destId="{F31BB438-9E81-4BB8-9B7D-F5FCDCF9FA9A}" srcOrd="7" destOrd="0" presId="urn:microsoft.com/office/officeart/2005/8/layout/cycle5"/>
+    <dgm:cxn modelId="{041BC78B-07D1-4158-9FB3-434CC8AB6B83}" type="presParOf" srcId="{DDE4228C-212E-47D3-9593-E8BF706BAC43}" destId="{54713809-7240-4C9E-AE40-71AADAC96588}" srcOrd="8" destOrd="0" presId="urn:microsoft.com/office/officeart/2005/8/layout/cycle5"/>
+  </dgm:cxnLst>
+  <dgm:bg/>
+  <dgm:whole/>
+  <dgm:extLst>
+    <a:ext uri="http://schemas.microsoft.com/office/drawing/2008/diagram">
+      <dsp:dataModelExt xmlns:dsp="http://schemas.microsoft.com/office/drawing/2008/diagram" relId="rId6" minVer="http://schemas.openxmlformats.org/drawingml/2006/diagram"/>
+    </a:ext>
+  </dgm:extLst>
+</dgm:dataModel>
+</file>
+
+<file path=ppt/diagrams/drawing1.xml><?xml version="1.0" encoding="utf-8"?>
+<dsp:drawing xmlns:dgm="http://schemas.openxmlformats.org/drawingml/2006/diagram" xmlns:dsp="http://schemas.microsoft.com/office/drawing/2008/diagram" xmlns:a="http://schemas.openxmlformats.org/drawingml/2006/main">
+  <dsp:spTree>
+    <dsp:nvGrpSpPr>
+      <dsp:cNvPr id="0" name=""/>
+      <dsp:cNvGrpSpPr/>
+    </dsp:nvGrpSpPr>
+    <dsp:grpSpPr/>
+    <dsp:sp modelId="{E21AA19A-8323-4A7C-AD5E-365CC2823B57}">
+      <dsp:nvSpPr>
+        <dsp:cNvPr id="0" name=""/>
+        <dsp:cNvSpPr/>
+      </dsp:nvSpPr>
+      <dsp:spPr>
+        <a:xfrm>
+          <a:off x="3936990" y="923"/>
+          <a:ext cx="1846280" cy="1200082"/>
+        </a:xfrm>
+        <a:prstGeom prst="roundRect">
+          <a:avLst/>
+        </a:prstGeom>
+        <a:solidFill>
+          <a:schemeClr val="accent1">
+            <a:hueOff val="0"/>
+            <a:satOff val="0"/>
+            <a:lumOff val="0"/>
+            <a:alphaOff val="0"/>
+          </a:schemeClr>
+        </a:solidFill>
+        <a:ln w="15875" cap="flat" cmpd="sng" algn="ctr">
+          <a:solidFill>
+            <a:schemeClr val="lt1">
+              <a:hueOff val="0"/>
+              <a:satOff val="0"/>
+              <a:lumOff val="0"/>
+              <a:alphaOff val="0"/>
+            </a:schemeClr>
+          </a:solidFill>
+          <a:prstDash val="solid"/>
+        </a:ln>
+        <a:effectLst/>
+      </dsp:spPr>
+      <dsp:style>
+        <a:lnRef idx="2">
+          <a:scrgbClr r="0" g="0" b="0"/>
+        </a:lnRef>
+        <a:fillRef idx="1">
+          <a:scrgbClr r="0" g="0" b="0"/>
+        </a:fillRef>
+        <a:effectRef idx="0">
+          <a:scrgbClr r="0" g="0" b="0"/>
+        </a:effectRef>
+        <a:fontRef idx="minor">
+          <a:schemeClr val="lt1"/>
+        </a:fontRef>
+      </dsp:style>
+      <dsp:txBody>
+        <a:bodyPr spcFirstLastPara="0" vert="horz" wrap="square" lIns="110490" tIns="110490" rIns="110490" bIns="110490" numCol="1" spcCol="1270" anchor="ctr" anchorCtr="0">
+          <a:noAutofit/>
+        </a:bodyPr>
+        <a:lstStyle/>
+        <a:p>
+          <a:pPr lvl="0" algn="ctr" defTabSz="1289050">
+            <a:lnSpc>
+              <a:spcPct val="90000"/>
+            </a:lnSpc>
+            <a:spcBef>
+              <a:spcPct val="0"/>
+            </a:spcBef>
+            <a:spcAft>
+              <a:spcPct val="35000"/>
+            </a:spcAft>
+          </a:pPr>
+          <a:r>
+            <a:rPr lang="de-CH" sz="2900" kern="1200" dirty="0" smtClean="0"/>
+            <a:t>Evaluation</a:t>
+          </a:r>
+          <a:endParaRPr lang="de-CH" sz="2900" kern="1200" dirty="0"/>
+        </a:p>
+      </dsp:txBody>
+      <dsp:txXfrm>
+        <a:off x="3995573" y="59506"/>
+        <a:ext cx="1729114" cy="1082916"/>
+      </dsp:txXfrm>
+    </dsp:sp>
+    <dsp:sp modelId="{38542628-2897-41A3-9E52-16B0E752FB74}">
+      <dsp:nvSpPr>
+        <dsp:cNvPr id="0" name=""/>
+        <dsp:cNvSpPr/>
+      </dsp:nvSpPr>
+      <dsp:spPr>
+        <a:xfrm>
+          <a:off x="3260489" y="600964"/>
+          <a:ext cx="3199283" cy="3199283"/>
+        </a:xfrm>
+        <a:custGeom>
+          <a:avLst/>
+          <a:gdLst/>
+          <a:ahLst/>
+          <a:cxnLst/>
+          <a:rect l="0" t="0" r="0" b="0"/>
+          <a:pathLst>
+            <a:path>
+              <a:moveTo>
+                <a:pt x="2770264" y="509459"/>
+              </a:moveTo>
+              <a:arcTo wR="1599641" hR="1599641" stAng="19022264" swAng="2300712"/>
+            </a:path>
+          </a:pathLst>
+        </a:custGeom>
+        <a:noFill/>
+        <a:ln w="9525" cap="flat" cmpd="sng" algn="ctr">
+          <a:solidFill>
+            <a:schemeClr val="accent1">
+              <a:hueOff val="0"/>
+              <a:satOff val="0"/>
+              <a:lumOff val="0"/>
+              <a:alphaOff val="0"/>
+            </a:schemeClr>
+          </a:solidFill>
+          <a:prstDash val="solid"/>
+          <a:tailEnd type="arrow"/>
+        </a:ln>
+        <a:effectLst/>
+      </dsp:spPr>
+      <dsp:style>
+        <a:lnRef idx="1">
+          <a:scrgbClr r="0" g="0" b="0"/>
+        </a:lnRef>
+        <a:fillRef idx="0">
+          <a:scrgbClr r="0" g="0" b="0"/>
+        </a:fillRef>
+        <a:effectRef idx="0">
+          <a:scrgbClr r="0" g="0" b="0"/>
+        </a:effectRef>
+        <a:fontRef idx="minor"/>
+      </dsp:style>
+    </dsp:sp>
+    <dsp:sp modelId="{45BB1E18-A9AC-4B45-8DFB-DE5E4A1A7810}">
+      <dsp:nvSpPr>
+        <dsp:cNvPr id="0" name=""/>
+        <dsp:cNvSpPr/>
+      </dsp:nvSpPr>
+      <dsp:spPr>
+        <a:xfrm>
+          <a:off x="5322321" y="2400386"/>
+          <a:ext cx="1846280" cy="1200082"/>
+        </a:xfrm>
+        <a:prstGeom prst="roundRect">
+          <a:avLst/>
+        </a:prstGeom>
+        <a:solidFill>
+          <a:schemeClr val="accent1">
+            <a:hueOff val="0"/>
+            <a:satOff val="0"/>
+            <a:lumOff val="0"/>
+            <a:alphaOff val="0"/>
+          </a:schemeClr>
+        </a:solidFill>
+        <a:ln w="15875" cap="flat" cmpd="sng" algn="ctr">
+          <a:solidFill>
+            <a:schemeClr val="lt1">
+              <a:hueOff val="0"/>
+              <a:satOff val="0"/>
+              <a:lumOff val="0"/>
+              <a:alphaOff val="0"/>
+            </a:schemeClr>
+          </a:solidFill>
+          <a:prstDash val="solid"/>
+        </a:ln>
+        <a:effectLst/>
+      </dsp:spPr>
+      <dsp:style>
+        <a:lnRef idx="2">
+          <a:scrgbClr r="0" g="0" b="0"/>
+        </a:lnRef>
+        <a:fillRef idx="1">
+          <a:scrgbClr r="0" g="0" b="0"/>
+        </a:fillRef>
+        <a:effectRef idx="0">
+          <a:scrgbClr r="0" g="0" b="0"/>
+        </a:effectRef>
+        <a:fontRef idx="minor">
+          <a:schemeClr val="lt1"/>
+        </a:fontRef>
+      </dsp:style>
+      <dsp:txBody>
+        <a:bodyPr spcFirstLastPara="0" vert="horz" wrap="square" lIns="110490" tIns="110490" rIns="110490" bIns="110490" numCol="1" spcCol="1270" anchor="ctr" anchorCtr="0">
+          <a:noAutofit/>
+        </a:bodyPr>
+        <a:lstStyle/>
+        <a:p>
+          <a:pPr lvl="0" algn="ctr" defTabSz="1289050">
+            <a:lnSpc>
+              <a:spcPct val="90000"/>
+            </a:lnSpc>
+            <a:spcBef>
+              <a:spcPct val="0"/>
+            </a:spcBef>
+            <a:spcAft>
+              <a:spcPct val="35000"/>
+            </a:spcAft>
+          </a:pPr>
+          <a:r>
+            <a:rPr lang="de-CH" sz="2900" kern="1200" dirty="0" smtClean="0"/>
+            <a:t>Selektion</a:t>
+          </a:r>
+          <a:endParaRPr lang="de-CH" sz="2900" kern="1200" dirty="0"/>
+        </a:p>
+      </dsp:txBody>
+      <dsp:txXfrm>
+        <a:off x="5380904" y="2458969"/>
+        <a:ext cx="1729114" cy="1082916"/>
+      </dsp:txXfrm>
+    </dsp:sp>
+    <dsp:sp modelId="{F2530A63-EA35-4564-B4A3-DC4B264F6EDF}">
+      <dsp:nvSpPr>
+        <dsp:cNvPr id="0" name=""/>
+        <dsp:cNvSpPr/>
+      </dsp:nvSpPr>
+      <dsp:spPr>
+        <a:xfrm>
+          <a:off x="3260489" y="600964"/>
+          <a:ext cx="3199283" cy="3199283"/>
+        </a:xfrm>
+        <a:custGeom>
+          <a:avLst/>
+          <a:gdLst/>
+          <a:ahLst/>
+          <a:cxnLst/>
+          <a:rect l="0" t="0" r="0" b="0"/>
+          <a:pathLst>
+            <a:path>
+              <a:moveTo>
+                <a:pt x="2090008" y="3122269"/>
+              </a:moveTo>
+              <a:arcTo wR="1599641" hR="1599641" stAng="4328921" swAng="2142157"/>
+            </a:path>
+          </a:pathLst>
+        </a:custGeom>
+        <a:noFill/>
+        <a:ln w="9525" cap="flat" cmpd="sng" algn="ctr">
+          <a:solidFill>
+            <a:schemeClr val="accent1">
+              <a:hueOff val="0"/>
+              <a:satOff val="0"/>
+              <a:lumOff val="0"/>
+              <a:alphaOff val="0"/>
+            </a:schemeClr>
+          </a:solidFill>
+          <a:prstDash val="solid"/>
+          <a:tailEnd type="arrow"/>
+        </a:ln>
+        <a:effectLst/>
+      </dsp:spPr>
+      <dsp:style>
+        <a:lnRef idx="1">
+          <a:scrgbClr r="0" g="0" b="0"/>
+        </a:lnRef>
+        <a:fillRef idx="0">
+          <a:scrgbClr r="0" g="0" b="0"/>
+        </a:fillRef>
+        <a:effectRef idx="0">
+          <a:scrgbClr r="0" g="0" b="0"/>
+        </a:effectRef>
+        <a:fontRef idx="minor"/>
+      </dsp:style>
+    </dsp:sp>
+    <dsp:sp modelId="{708CF848-C8CA-4C9B-838A-CAACEBCAEECA}">
+      <dsp:nvSpPr>
+        <dsp:cNvPr id="0" name=""/>
+        <dsp:cNvSpPr/>
+      </dsp:nvSpPr>
+      <dsp:spPr>
+        <a:xfrm>
+          <a:off x="2551660" y="2400386"/>
+          <a:ext cx="1846280" cy="1200082"/>
+        </a:xfrm>
+        <a:prstGeom prst="roundRect">
+          <a:avLst/>
+        </a:prstGeom>
+        <a:solidFill>
+          <a:schemeClr val="accent1">
+            <a:hueOff val="0"/>
+            <a:satOff val="0"/>
+            <a:lumOff val="0"/>
+            <a:alphaOff val="0"/>
+          </a:schemeClr>
+        </a:solidFill>
+        <a:ln w="15875" cap="flat" cmpd="sng" algn="ctr">
+          <a:solidFill>
+            <a:schemeClr val="lt1">
+              <a:hueOff val="0"/>
+              <a:satOff val="0"/>
+              <a:lumOff val="0"/>
+              <a:alphaOff val="0"/>
+            </a:schemeClr>
+          </a:solidFill>
+          <a:prstDash val="solid"/>
+        </a:ln>
+        <a:effectLst/>
+      </dsp:spPr>
+      <dsp:style>
+        <a:lnRef idx="2">
+          <a:scrgbClr r="0" g="0" b="0"/>
+        </a:lnRef>
+        <a:fillRef idx="1">
+          <a:scrgbClr r="0" g="0" b="0"/>
+        </a:fillRef>
+        <a:effectRef idx="0">
+          <a:scrgbClr r="0" g="0" b="0"/>
+        </a:effectRef>
+        <a:fontRef idx="minor">
+          <a:schemeClr val="lt1"/>
+        </a:fontRef>
+      </dsp:style>
+      <dsp:txBody>
+        <a:bodyPr spcFirstLastPara="0" vert="horz" wrap="square" lIns="110490" tIns="110490" rIns="110490" bIns="110490" numCol="1" spcCol="1270" anchor="ctr" anchorCtr="0">
+          <a:noAutofit/>
+        </a:bodyPr>
+        <a:lstStyle/>
+        <a:p>
+          <a:pPr lvl="0" algn="ctr" defTabSz="1289050">
+            <a:lnSpc>
+              <a:spcPct val="90000"/>
+            </a:lnSpc>
+            <a:spcBef>
+              <a:spcPct val="0"/>
+            </a:spcBef>
+            <a:spcAft>
+              <a:spcPct val="35000"/>
+            </a:spcAft>
+          </a:pPr>
+          <a:r>
+            <a:rPr lang="de-CH" sz="2900" kern="1200" dirty="0" smtClean="0"/>
+            <a:t>Mutation</a:t>
+          </a:r>
+          <a:endParaRPr lang="de-CH" sz="2900" kern="1200" dirty="0"/>
+        </a:p>
+      </dsp:txBody>
+      <dsp:txXfrm>
+        <a:off x="2610243" y="2458969"/>
+        <a:ext cx="1729114" cy="1082916"/>
+      </dsp:txXfrm>
+    </dsp:sp>
+    <dsp:sp modelId="{54713809-7240-4C9E-AE40-71AADAC96588}">
+      <dsp:nvSpPr>
+        <dsp:cNvPr id="0" name=""/>
+        <dsp:cNvSpPr/>
+      </dsp:nvSpPr>
+      <dsp:spPr>
+        <a:xfrm>
+          <a:off x="3260489" y="600964"/>
+          <a:ext cx="3199283" cy="3199283"/>
+        </a:xfrm>
+        <a:custGeom>
+          <a:avLst/>
+          <a:gdLst/>
+          <a:ahLst/>
+          <a:cxnLst/>
+          <a:rect l="0" t="0" r="0" b="0"/>
+          <a:pathLst>
+            <a:path>
+              <a:moveTo>
+                <a:pt x="5190" y="1470877"/>
+              </a:moveTo>
+              <a:arcTo wR="1599641" hR="1599641" stAng="11077024" swAng="2300712"/>
+            </a:path>
+          </a:pathLst>
+        </a:custGeom>
+        <a:noFill/>
+        <a:ln w="9525" cap="flat" cmpd="sng" algn="ctr">
+          <a:solidFill>
+            <a:schemeClr val="accent1">
+              <a:hueOff val="0"/>
+              <a:satOff val="0"/>
+              <a:lumOff val="0"/>
+              <a:alphaOff val="0"/>
+            </a:schemeClr>
+          </a:solidFill>
+          <a:prstDash val="solid"/>
+          <a:tailEnd type="arrow"/>
+        </a:ln>
+        <a:effectLst/>
+      </dsp:spPr>
+      <dsp:style>
+        <a:lnRef idx="1">
+          <a:scrgbClr r="0" g="0" b="0"/>
+        </a:lnRef>
+        <a:fillRef idx="0">
+          <a:scrgbClr r="0" g="0" b="0"/>
+        </a:fillRef>
+        <a:effectRef idx="0">
+          <a:scrgbClr r="0" g="0" b="0"/>
+        </a:effectRef>
+        <a:fontRef idx="minor"/>
+      </dsp:style>
+    </dsp:sp>
+  </dsp:spTree>
+</dsp:drawing>
+</file>
+
+<file path=ppt/diagrams/layout1.xml><?xml version="1.0" encoding="utf-8"?>
+<dgm:layoutDef xmlns:dgm="http://schemas.openxmlformats.org/drawingml/2006/diagram" xmlns:a="http://schemas.openxmlformats.org/drawingml/2006/main" uniqueId="urn:microsoft.com/office/officeart/2005/8/layout/cycle5">
+  <dgm:title val=""/>
+  <dgm:desc val=""/>
+  <dgm:catLst>
+    <dgm:cat type="cycle" pri="3000"/>
+  </dgm:catLst>
+  <dgm:sampData>
+    <dgm:dataModel>
+      <dgm:ptLst>
+        <dgm:pt modelId="0" type="doc"/>
+        <dgm:pt modelId="1">
+          <dgm:prSet phldr="1"/>
+        </dgm:pt>
+        <dgm:pt modelId="2">
+          <dgm:prSet phldr="1"/>
+        </dgm:pt>
+        <dgm:pt modelId="3">
+          <dgm:prSet phldr="1"/>
+        </dgm:pt>
+        <dgm:pt modelId="4">
+          <dgm:prSet phldr="1"/>
+        </dgm:pt>
+        <dgm:pt modelId="5">
+          <dgm:prSet phldr="1"/>
+        </dgm:pt>
+      </dgm:ptLst>
+      <dgm:cxnLst>
+        <dgm:cxn modelId="6" srcId="0" destId="1" srcOrd="0" destOrd="0"/>
+        <dgm:cxn modelId="7" srcId="0" destId="2" srcOrd="1" destOrd="0"/>
+        <dgm:cxn modelId="8" srcId="0" destId="3" srcOrd="2" destOrd="0"/>
+        <dgm:cxn modelId="9" srcId="0" destId="4" srcOrd="3" destOrd="0"/>
+        <dgm:cxn modelId="10" srcId="0" destId="5" srcOrd="4" destOrd="0"/>
+      </dgm:cxnLst>
+      <dgm:bg/>
+      <dgm:whole/>
+    </dgm:dataModel>
+  </dgm:sampData>
+  <dgm:styleData>
+    <dgm:dataModel>
+      <dgm:ptLst>
+        <dgm:pt modelId="0" type="doc"/>
+        <dgm:pt modelId="1"/>
+        <dgm:pt modelId="2"/>
+        <dgm:pt modelId="3"/>
+      </dgm:ptLst>
+      <dgm:cxnLst>
+        <dgm:cxn modelId="4" srcId="0" destId="1" srcOrd="0" destOrd="0"/>
+        <dgm:cxn modelId="5" srcId="0" destId="2" srcOrd="1" destOrd="0"/>
+        <dgm:cxn modelId="6" srcId="0" destId="3" srcOrd="2" destOrd="0"/>
+      </dgm:cxnLst>
+      <dgm:bg/>
+      <dgm:whole/>
+    </dgm:dataModel>
+  </dgm:styleData>
+  <dgm:clrData>
+    <dgm:dataModel>
+      <dgm:ptLst>
+        <dgm:pt modelId="0" type="doc"/>
+        <dgm:pt modelId="1"/>
+        <dgm:pt modelId="2"/>
+        <dgm:pt modelId="3"/>
+        <dgm:pt modelId="4"/>
+        <dgm:pt modelId="5"/>
+        <dgm:pt modelId="6"/>
+      </dgm:ptLst>
+      <dgm:cxnLst>
+        <dgm:cxn modelId="7" srcId="0" destId="1" srcOrd="0" destOrd="0"/>
+        <dgm:cxn modelId="8" srcId="0" destId="2" srcOrd="1" destOrd="0"/>
+        <dgm:cxn modelId="9" srcId="0" destId="3" srcOrd="2" destOrd="0"/>
+        <dgm:cxn modelId="10" srcId="0" destId="4" srcOrd="3" destOrd="0"/>
+        <dgm:cxn modelId="11" srcId="0" destId="5" srcOrd="4" destOrd="0"/>
+        <dgm:cxn modelId="12" srcId="0" destId="6" srcOrd="5" destOrd="0"/>
+      </dgm:cxnLst>
+      <dgm:bg/>
+      <dgm:whole/>
+    </dgm:dataModel>
+  </dgm:clrData>
+  <dgm:layoutNode name="cycle">
+    <dgm:varLst>
+      <dgm:dir/>
+      <dgm:resizeHandles val="exact"/>
+    </dgm:varLst>
+    <dgm:choose name="Name0">
+      <dgm:if name="Name1" func="var" arg="dir" op="equ" val="norm">
+        <dgm:choose name="Name2">
+          <dgm:if name="Name3" axis="ch" ptType="node" func="cnt" op="gt" val="2">
+            <dgm:alg type="cycle">
+              <dgm:param type="stAng" val="0"/>
+              <dgm:param type="spanAng" val="360"/>
+            </dgm:alg>
+          </dgm:if>
+          <dgm:else name="Name4">
+            <dgm:alg type="cycle">
+              <dgm:param type="stAng" val="-90"/>
+              <dgm:param type="spanAng" val="360"/>
+            </dgm:alg>
+          </dgm:else>
+        </dgm:choose>
+      </dgm:if>
+      <dgm:else name="Name5">
+        <dgm:choose name="Name6">
+          <dgm:if name="Name7" axis="ch" ptType="node" func="cnt" op="gt" val="2">
+            <dgm:alg type="cycle">
+              <dgm:param type="stAng" val="0"/>
+              <dgm:param type="spanAng" val="-360"/>
+            </dgm:alg>
+          </dgm:if>
+          <dgm:else name="Name8">
+            <dgm:alg type="cycle">
+              <dgm:param type="stAng" val="90"/>
+              <dgm:param type="spanAng" val="-360"/>
+            </dgm:alg>
+          </dgm:else>
+        </dgm:choose>
+      </dgm:else>
+    </dgm:choose>
+    <dgm:shape xmlns:r="http://schemas.openxmlformats.org/officeDocument/2006/relationships" r:blip="">
+      <dgm:adjLst/>
+    </dgm:shape>
+    <dgm:presOf/>
+    <dgm:choose name="Name9">
+      <dgm:if name="Name10" func="var" arg="dir" op="equ" val="norm">
+        <dgm:constrLst>
+          <dgm:constr type="w" for="ch" forName="node" refType="w"/>
+          <dgm:constr type="w" for="ch" ptType="sibTrans" refType="w" refFor="ch" refForName="node" op="equ" fact="0.3"/>
+          <dgm:constr type="diam" for="ch" ptType="sibTrans" refType="diam" op="equ"/>
+          <dgm:constr type="sibSp" refType="w" refFor="ch" refForName="node" op="equ" fact="0.15"/>
+          <dgm:constr type="w" for="ch" forName="spNode" refType="sibSp" fact="1.6"/>
+          <dgm:constr type="primFontSz" for="ch" forName="node" op="equ" val="65"/>
+        </dgm:constrLst>
+      </dgm:if>
+      <dgm:else name="Name11">
+        <dgm:constrLst>
+          <dgm:constr type="w" for="ch" forName="node" refType="w"/>
+          <dgm:constr type="w" for="ch" ptType="sibTrans" refType="w" refFor="ch" refForName="node" op="equ" fact="0.3"/>
+          <dgm:constr type="diam" for="ch" ptType="sibTrans" refType="diam" fact="-1"/>
+          <dgm:constr type="diam" for="ch" refType="diam" op="equ" fact="-1"/>
+          <dgm:constr type="sibSp" refType="w" refFor="ch" refForName="node" op="equ" fact="0.15"/>
+          <dgm:constr type="w" for="ch" forName="spNode" refType="sibSp" fact="1.6"/>
+          <dgm:constr type="primFontSz" for="ch" forName="node" op="equ" val="65"/>
+        </dgm:constrLst>
+      </dgm:else>
+    </dgm:choose>
+    <dgm:ruleLst/>
+    <dgm:forEach name="Name12" axis="ch" ptType="node">
+      <dgm:layoutNode name="node">
+        <dgm:varLst>
+          <dgm:bulletEnabled val="1"/>
+        </dgm:varLst>
+        <dgm:alg type="tx"/>
+        <dgm:shape xmlns:r="http://schemas.openxmlformats.org/officeDocument/2006/relationships" type="roundRect" r:blip="">
+          <dgm:adjLst/>
+        </dgm:shape>
+        <dgm:presOf axis="desOrSelf" ptType="node"/>
+        <dgm:constrLst>
+          <dgm:constr type="h" refType="w" fact="0.65"/>
+          <dgm:constr type="tMarg" refType="primFontSz" fact="0.3"/>
+          <dgm:constr type="bMarg" refType="primFontSz" fact="0.3"/>
+          <dgm:constr type="lMarg" refType="primFontSz" fact="0.3"/>
+          <dgm:constr type="rMarg" refType="primFontSz" fact="0.3"/>
+        </dgm:constrLst>
+        <dgm:ruleLst>
+          <dgm:rule type="primFontSz" val="5" fact="NaN" max="NaN"/>
+        </dgm:ruleLst>
+      </dgm:layoutNode>
+      <dgm:choose name="Name13">
+        <dgm:if name="Name14" axis="par ch" ptType="doc node" func="cnt" op="gt" val="1">
+          <dgm:layoutNode name="spNode">
+            <dgm:alg type="sp"/>
+            <dgm:shape xmlns:r="http://schemas.openxmlformats.org/officeDocument/2006/relationships" r:blip="">
+              <dgm:adjLst/>
+            </dgm:shape>
+            <dgm:presOf/>
+            <dgm:constrLst>
+              <dgm:constr type="h" refType="w"/>
+            </dgm:constrLst>
+            <dgm:ruleLst/>
+          </dgm:layoutNode>
+          <dgm:forEach name="Name15" axis="followSib" ptType="sibTrans" hideLastTrans="0" cnt="1">
+            <dgm:layoutNode name="sibTrans">
+              <dgm:alg type="conn">
+                <dgm:param type="dim" val="1D"/>
+                <dgm:param type="connRout" val="curve"/>
+                <dgm:param type="begPts" val="radial"/>
+                <dgm:param type="endPts" val="radial"/>
+              </dgm:alg>
+              <dgm:shape xmlns:r="http://schemas.openxmlformats.org/officeDocument/2006/relationships" type="conn" r:blip="">
+                <dgm:adjLst/>
+              </dgm:shape>
+              <dgm:presOf axis="self"/>
+              <dgm:constrLst>
+                <dgm:constr type="h" refType="w" fact="0.65"/>
+                <dgm:constr type="connDist"/>
+                <dgm:constr type="begPad" refType="connDist" fact="0.2"/>
+                <dgm:constr type="endPad" refType="connDist" fact="0.2"/>
+              </dgm:constrLst>
+              <dgm:ruleLst/>
+            </dgm:layoutNode>
+          </dgm:forEach>
+        </dgm:if>
+        <dgm:else name="Name16"/>
+      </dgm:choose>
+    </dgm:forEach>
+  </dgm:layoutNode>
+</dgm:layoutDef>
+</file>
+
+<file path=ppt/diagrams/quickStyle1.xml><?xml version="1.0" encoding="utf-8"?>
+<dgm:styleDef xmlns:dgm="http://schemas.openxmlformats.org/drawingml/2006/diagram" xmlns:a="http://schemas.openxmlformats.org/drawingml/2006/main" uniqueId="urn:microsoft.com/office/officeart/2005/8/quickstyle/simple1">
+  <dgm:title val=""/>
+  <dgm:desc val=""/>
+  <dgm:catLst>
+    <dgm:cat type="simple" pri="10100"/>
+  </dgm:catLst>
+  <dgm:scene3d>
+    <a:camera prst="orthographicFront"/>
+    <a:lightRig rig="threePt" dir="t"/>
+  </dgm:scene3d>
+  <dgm:styleLbl name="node0">
+    <dgm:scene3d>
+      <a:camera prst="orthographicFront"/>
+      <a:lightRig rig="threePt" dir="t"/>
+    </dgm:scene3d>
+    <dgm:sp3d/>
+    <dgm:txPr/>
+    <dgm:style>
+      <a:lnRef idx="2">
+        <a:scrgbClr r="0" g="0" b="0"/>
+      </a:lnRef>
+      <a:fillRef idx="1">
+        <a:scrgbClr r="0" g="0" b="0"/>
+      </a:fillRef>
+      <a:effectRef idx="0">
+        <a:scrgbClr r="0" g="0" b="0"/>
+      </a:effectRef>
+      <a:fontRef idx="minor">
+        <a:schemeClr val="lt1"/>
+      </a:fontRef>
+    </dgm:style>
+  </dgm:styleLbl>
+  <dgm:styleLbl name="lnNode1">
+    <dgm:scene3d>
+      <a:camera prst="orthographicFront"/>
+      <a:lightRig rig="threePt" dir="t"/>
+    </dgm:scene3d>
+    <dgm:sp3d/>
+    <dgm:txPr/>
+    <dgm:style>
+      <a:lnRef idx="2">
+        <a:scrgbClr r="0" g="0" b="0"/>
+      </a:lnRef>
+      <a:fillRef idx="1">
+        <a:scrgbClr r="0" g="0" b="0"/>
+      </a:fillRef>
+      <a:effectRef idx="0">
+        <a:scrgbClr r="0" g="0" b="0"/>
+      </a:effectRef>
+      <a:fontRef idx="minor">
+        <a:schemeClr val="lt1"/>
+      </a:fontRef>
+    </dgm:style>
+  </dgm:styleLbl>
+  <dgm:styleLbl name="vennNode1">
+    <dgm:scene3d>
+      <a:camera prst="orthographicFront"/>
+      <a:lightRig rig="threePt" dir="t"/>
+    </dgm:scene3d>
+    <dgm:sp3d/>
+    <dgm:txPr/>
+    <dgm:style>
+      <a:lnRef idx="2">
+        <a:scrgbClr r="0" g="0" b="0"/>
+      </a:lnRef>
+      <a:fillRef idx="1">
+        <a:scrgbClr r="0" g="0" b="0"/>
+      </a:fillRef>
+      <a:effectRef idx="0">
+        <a:scrgbClr r="0" g="0" b="0"/>
+      </a:effectRef>
+      <a:fontRef idx="minor">
+        <a:schemeClr val="tx1"/>
+      </a:fontRef>
+    </dgm:style>
+  </dgm:styleLbl>
+  <dgm:styleLbl name="alignNode1">
+    <dgm:scene3d>
+      <a:camera prst="orthographicFront"/>
+      <a:lightRig rig="threePt" dir="t"/>
+    </dgm:scene3d>
+    <dgm:sp3d/>
+    <dgm:txPr/>
+    <dgm:style>
+      <a:lnRef idx="2">
+        <a:scrgbClr r="0" g="0" b="0"/>
+      </a:lnRef>
+      <a:fillRef idx="1">
+        <a:scrgbClr r="0" g="0" b="0"/>
+      </a:fillRef>
+      <a:effectRef idx="0">
+        <a:scrgbClr r="0" g="0" b="0"/>
+      </a:effectRef>
+      <a:fontRef idx="minor">
+        <a:schemeClr val="lt1"/>
+      </a:fontRef>
+    </dgm:style>
+  </dgm:styleLbl>
+  <dgm:styleLbl name="node1">
+    <dgm:scene3d>
+      <a:camera prst="orthographicFront"/>
+      <a:lightRig rig="threePt" dir="t"/>
+    </dgm:scene3d>
+    <dgm:sp3d/>
+    <dgm:txPr/>
+    <dgm:style>
+      <a:lnRef idx="2">
+        <a:scrgbClr r="0" g="0" b="0"/>
+      </a:lnRef>
+      <a:fillRef idx="1">
+        <a:scrgbClr r="0" g="0" b="0"/>
+      </a:fillRef>
+      <a:effectRef idx="0">
+        <a:scrgbClr r="0" g="0" b="0"/>
+      </a:effectRef>
+      <a:fontRef idx="minor">
+        <a:schemeClr val="lt1"/>
+      </a:fontRef>
+    </dgm:style>
+  </dgm:styleLbl>
+  <dgm:styleLbl name="node2">
+    <dgm:scene3d>
+      <a:camera prst="orthographicFront"/>
+      <a:lightRig rig="threePt" dir="t"/>
+    </dgm:scene3d>
+    <dgm:sp3d/>
+    <dgm:txPr/>
+    <dgm:style>
+      <a:lnRef idx="2">
+        <a:scrgbClr r="0" g="0" b="0"/>
+      </a:lnRef>
+      <a:fillRef idx="1">
+        <a:scrgbClr r="0" g="0" b="0"/>
+      </a:fillRef>
+      <a:effectRef idx="0">
+        <a:scrgbClr r="0" g="0" b="0"/>
+      </a:effectRef>
+      <a:fontRef idx="minor">
+        <a:schemeClr val="lt1"/>
+      </a:fontRef>
+    </dgm:style>
+  </dgm:styleLbl>
+  <dgm:styleLbl name="node3">
+    <dgm:scene3d>
+      <a:camera prst="orthographicFront"/>
+      <a:lightRig rig="threePt" dir="t"/>
+    </dgm:scene3d>
+    <dgm:sp3d/>
+    <dgm:txPr/>
+    <dgm:style>
+      <a:lnRef idx="2">
+        <a:scrgbClr r="0" g="0" b="0"/>
+      </a:lnRef>
+      <a:fillRef idx="1">
+        <a:scrgbClr r="0" g="0" b="0"/>
+      </a:fillRef>
+      <a:effectRef idx="0">
+        <a:scrgbClr r="0" g="0" b="0"/>
+      </a:effectRef>
+      <a:fontRef idx="minor">
+        <a:schemeClr val="lt1"/>
+      </a:fontRef>
+    </dgm:style>
+  </dgm:styleLbl>
+  <dgm:styleLbl name="node4">
+    <dgm:scene3d>
+      <a:camera prst="orthographicFront"/>
+      <a:lightRig rig="threePt" dir="t"/>
+    </dgm:scene3d>
+    <dgm:sp3d/>
+    <dgm:txPr/>
+    <dgm:style>
+      <a:lnRef idx="2">
+        <a:scrgbClr r="0" g="0" b="0"/>
+      </a:lnRef>
+      <a:fillRef idx="1">
+        <a:scrgbClr r="0" g="0" b="0"/>
+      </a:fillRef>
+      <a:effectRef idx="0">
+        <a:scrgbClr r="0" g="0" b="0"/>
+      </a:effectRef>
+      <a:fontRef idx="minor">
+        <a:schemeClr val="lt1"/>
+      </a:fontRef>
+    </dgm:style>
+  </dgm:styleLbl>
+  <dgm:styleLbl name="fgImgPlace1">
+    <dgm:scene3d>
+      <a:camera prst="orthographicFront"/>
+      <a:lightRig rig="threePt" dir="t"/>
+    </dgm:scene3d>
+    <dgm:sp3d/>
+    <dgm:txPr/>
+    <dgm:style>
+      <a:lnRef idx="2">
+        <a:scrgbClr r="0" g="0" b="0"/>
+      </a:lnRef>
+      <a:fillRef idx="1">
+        <a:scrgbClr r="0" g="0" b="0"/>
+      </a:fillRef>
+      <a:effectRef idx="0">
+        <a:scrgbClr r="0" g="0" b="0"/>
+      </a:effectRef>
+      <a:fontRef idx="minor"/>
+    </dgm:style>
+  </dgm:styleLbl>
+  <dgm:styleLbl name="alignImgPlace1">
+    <dgm:scene3d>
+      <a:camera prst="orthographicFront"/>
+      <a:lightRig rig="threePt" dir="t"/>
+    </dgm:scene3d>
+    <dgm:sp3d/>
+    <dgm:txPr/>
+    <dgm:style>
+      <a:lnRef idx="2">
+        <a:scrgbClr r="0" g="0" b="0"/>
+      </a:lnRef>
+      <a:fillRef idx="1">
+        <a:scrgbClr r="0" g="0" b="0"/>
+      </a:fillRef>
+      <a:effectRef idx="0">
+        <a:scrgbClr r="0" g="0" b="0"/>
+      </a:effectRef>
+      <a:fontRef idx="minor"/>
+    </dgm:style>
+  </dgm:styleLbl>
+  <dgm:styleLbl name="bgImgPlace1">
+    <dgm:scene3d>
+      <a:camera prst="orthographicFront"/>
+      <a:lightRig rig="threePt" dir="t"/>
+    </dgm:scene3d>
+    <dgm:sp3d/>
+    <dgm:txPr/>
+    <dgm:style>
+      <a:lnRef idx="2">
+        <a:scrgbClr r="0" g="0" b="0"/>
+      </a:lnRef>
+      <a:fillRef idx="1">
+        <a:scrgbClr r="0" g="0" b="0"/>
+      </a:fillRef>
+      <a:effectRef idx="0">
+        <a:scrgbClr r="0" g="0" b="0"/>
+      </a:effectRef>
+      <a:fontRef idx="minor"/>
+    </dgm:style>
+  </dgm:styleLbl>
+  <dgm:styleLbl name="sibTrans2D1">
+    <dgm:scene3d>
+      <a:camera prst="orthographicFront"/>
+      <a:lightRig rig="threePt" dir="t"/>
+    </dgm:scene3d>
+    <dgm:sp3d/>
+    <dgm:txPr/>
+    <dgm:style>
+      <a:lnRef idx="0">
+        <a:scrgbClr r="0" g="0" b="0"/>
+      </a:lnRef>
+      <a:fillRef idx="1">
+        <a:scrgbClr r="0" g="0" b="0"/>
+      </a:fillRef>
+      <a:effectRef idx="0">
+        <a:scrgbClr r="0" g="0" b="0"/>
+      </a:effectRef>
+      <a:fontRef idx="minor">
+        <a:schemeClr val="lt1"/>
+      </a:fontRef>
+    </dgm:style>
+  </dgm:styleLbl>
+  <dgm:styleLbl name="fgSibTrans2D1">
+    <dgm:scene3d>
+      <a:camera prst="orthographicFront"/>
+      <a:lightRig rig="threePt" dir="t"/>
+    </dgm:scene3d>
+    <dgm:sp3d/>
+    <dgm:txPr/>
+    <dgm:style>
+      <a:lnRef idx="0">
+        <a:scrgbClr r="0" g="0" b="0"/>
+      </a:lnRef>
+      <a:fillRef idx="1">
+        <a:scrgbClr r="0" g="0" b="0"/>
+      </a:fillRef>
+      <a:effectRef idx="0">
+        <a:scrgbClr r="0" g="0" b="0"/>
+      </a:effectRef>
+      <a:fontRef idx="minor">
+        <a:schemeClr val="lt1"/>
+      </a:fontRef>
+    </dgm:style>
+  </dgm:styleLbl>
+  <dgm:styleLbl name="bgSibTrans2D1">
+    <dgm:scene3d>
+      <a:camera prst="orthographicFront"/>
+      <a:lightRig rig="threePt" dir="t"/>
+    </dgm:scene3d>
+    <dgm:sp3d/>
+    <dgm:txPr/>
+    <dgm:style>
+      <a:lnRef idx="0">
+        <a:scrgbClr r="0" g="0" b="0"/>
+      </a:lnRef>
+      <a:fillRef idx="1">
+        <a:scrgbClr r="0" g="0" b="0"/>
+      </a:fillRef>
+      <a:effectRef idx="0">
+        <a:scrgbClr r="0" g="0" b="0"/>
+      </a:effectRef>
+      <a:fontRef idx="minor">
+        <a:schemeClr val="lt1"/>
+      </a:fontRef>
+    </dgm:style>
+  </dgm:styleLbl>
+  <dgm:styleLbl name="sibTrans1D1">
+    <dgm:scene3d>
+      <a:camera prst="orthographicFront"/>
+      <a:lightRig rig="threePt" dir="t"/>
+    </dgm:scene3d>
+    <dgm:sp3d/>
+    <dgm:txPr/>
+    <dgm:style>
+      <a:lnRef idx="1">
+        <a:scrgbClr r="0" g="0" b="0"/>
+      </a:lnRef>
+      <a:fillRef idx="0">
+        <a:scrgbClr r="0" g="0" b="0"/>
+      </a:fillRef>
+      <a:effectRef idx="0">
+        <a:scrgbClr r="0" g="0" b="0"/>
+      </a:effectRef>
+      <a:fontRef idx="minor"/>
+    </dgm:style>
+  </dgm:styleLbl>
+  <dgm:styleLbl name="callout">
+    <dgm:scene3d>
+      <a:camera prst="orthographicFront"/>
+      <a:lightRig rig="threePt" dir="t"/>
+    </dgm:scene3d>
+    <dgm:sp3d/>
+    <dgm:txPr/>
+    <dgm:style>
+      <a:lnRef idx="2">
+        <a:scrgbClr r="0" g="0" b="0"/>
+      </a:lnRef>
+      <a:fillRef idx="1">
+        <a:scrgbClr r="0" g="0" b="0"/>
+      </a:fillRef>
+      <a:effectRef idx="0">
+        <a:scrgbClr r="0" g="0" b="0"/>
+      </a:effectRef>
+      <a:fontRef idx="minor"/>
+    </dgm:style>
+  </dgm:styleLbl>
+  <dgm:styleLbl name="asst0">
+    <dgm:scene3d>
+      <a:camera prst="orthographicFront"/>
+      <a:lightRig rig="threePt" dir="t"/>
+    </dgm:scene3d>
+    <dgm:sp3d/>
+    <dgm:txPr/>
+    <dgm:style>
+      <a:lnRef idx="2">
+        <a:scrgbClr r="0" g="0" b="0"/>
+      </a:lnRef>
+      <a:fillRef idx="1">
+        <a:scrgbClr r="0" g="0" b="0"/>
+      </a:fillRef>
+      <a:effectRef idx="0">
+        <a:scrgbClr r="0" g="0" b="0"/>
+      </a:effectRef>
+      <a:fontRef idx="minor">
+        <a:schemeClr val="lt1"/>
+      </a:fontRef>
+    </dgm:style>
+  </dgm:styleLbl>
+  <dgm:styleLbl name="asst1">
+    <dgm:scene3d>
+      <a:camera prst="orthographicFront"/>
+      <a:lightRig rig="threePt" dir="t"/>
+    </dgm:scene3d>
+    <dgm:sp3d/>
+    <dgm:txPr/>
+    <dgm:style>
+      <a:lnRef idx="2">
+        <a:scrgbClr r="0" g="0" b="0"/>
+      </a:lnRef>
+      <a:fillRef idx="1">
+        <a:scrgbClr r="0" g="0" b="0"/>
+      </a:fillRef>
+      <a:effectRef idx="0">
+        <a:scrgbClr r="0" g="0" b="0"/>
+      </a:effectRef>
+      <a:fontRef idx="minor">
+        <a:schemeClr val="lt1"/>
+      </a:fontRef>
+    </dgm:style>
+  </dgm:styleLbl>
+  <dgm:styleLbl name="asst2">
+    <dgm:scene3d>
+      <a:camera prst="orthographicFront"/>
+      <a:lightRig rig="threePt" dir="t"/>
+    </dgm:scene3d>
+    <dgm:sp3d/>
+    <dgm:txPr/>
+    <dgm:style>
+      <a:lnRef idx="2">
+        <a:scrgbClr r="0" g="0" b="0"/>
+      </a:lnRef>
+      <a:fillRef idx="1">
+        <a:scrgbClr r="0" g="0" b="0"/>
+      </a:fillRef>
+      <a:effectRef idx="0">
+        <a:scrgbClr r="0" g="0" b="0"/>
+      </a:effectRef>
+      <a:fontRef idx="minor">
+        <a:schemeClr val="lt1"/>
+      </a:fontRef>
+    </dgm:style>
+  </dgm:styleLbl>
+  <dgm:styleLbl name="asst3">
+    <dgm:scene3d>
+      <a:camera prst="orthographicFront"/>
+      <a:lightRig rig="threePt" dir="t"/>
+    </dgm:scene3d>
+    <dgm:sp3d/>
+    <dgm:txPr/>
+    <dgm:style>
+      <a:lnRef idx="2">
+        <a:scrgbClr r="0" g="0" b="0"/>
+      </a:lnRef>
+      <a:fillRef idx="1">
+        <a:scrgbClr r="0" g="0" b="0"/>
+      </a:fillRef>
+      <a:effectRef idx="0">
+        <a:scrgbClr r="0" g="0" b="0"/>
+      </a:effectRef>
+      <a:fontRef idx="minor">
+        <a:schemeClr val="lt1"/>
+      </a:fontRef>
+    </dgm:style>
+  </dgm:styleLbl>
+  <dgm:styleLbl name="asst4">
+    <dgm:scene3d>
+      <a:camera prst="orthographicFront"/>
+      <a:lightRig rig="threePt" dir="t"/>
+    </dgm:scene3d>
+    <dgm:sp3d/>
+    <dgm:txPr/>
+    <dgm:style>
+      <a:lnRef idx="2">
+        <a:scrgbClr r="0" g="0" b="0"/>
+      </a:lnRef>
+      <a:fillRef idx="1">
+        <a:scrgbClr r="0" g="0" b="0"/>
+      </a:fillRef>
+      <a:effectRef idx="0">
+        <a:scrgbClr r="0" g="0" b="0"/>
+      </a:effectRef>
+      <a:fontRef idx="minor">
+        <a:schemeClr val="lt1"/>
+      </a:fontRef>
+    </dgm:style>
+  </dgm:styleLbl>
+  <dgm:styleLbl name="parChTrans2D1">
+    <dgm:scene3d>
+      <a:camera prst="orthographicFront"/>
+      <a:lightRig rig="threePt" dir="t"/>
+    </dgm:scene3d>
+    <dgm:sp3d/>
+    <dgm:txPr/>
+    <dgm:style>
+      <a:lnRef idx="2">
+        <a:scrgbClr r="0" g="0" b="0"/>
+      </a:lnRef>
+      <a:fillRef idx="1">
+        <a:scrgbClr r="0" g="0" b="0"/>
+      </a:fillRef>
+      <a:effectRef idx="0">
+        <a:scrgbClr r="0" g="0" b="0"/>
+      </a:effectRef>
+      <a:fontRef idx="minor">
+        <a:schemeClr val="lt1"/>
+      </a:fontRef>
+    </dgm:style>
+  </dgm:styleLbl>
+  <dgm:styleLbl name="parChTrans2D2">
+    <dgm:scene3d>
+      <a:camera prst="orthographicFront"/>
+      <a:lightRig rig="threePt" dir="t"/>
+    </dgm:scene3d>
+    <dgm:sp3d/>
+    <dgm:txPr/>
+    <dgm:style>
+      <a:lnRef idx="2">
+        <a:scrgbClr r="0" g="0" b="0"/>
+      </a:lnRef>
+      <a:fillRef idx="1">
+        <a:scrgbClr r="0" g="0" b="0"/>
+      </a:fillRef>
+      <a:effectRef idx="0">
+        <a:scrgbClr r="0" g="0" b="0"/>
+      </a:effectRef>
+      <a:fontRef idx="minor">
+        <a:schemeClr val="lt1"/>
+      </a:fontRef>
+    </dgm:style>
+  </dgm:styleLbl>
+  <dgm:styleLbl name="parChTrans2D3">
+    <dgm:scene3d>
+      <a:camera prst="orthographicFront"/>
+      <a:lightRig rig="threePt" dir="t"/>
+    </dgm:scene3d>
+    <dgm:sp3d/>
+    <dgm:txPr/>
+    <dgm:style>
+      <a:lnRef idx="2">
+        <a:scrgbClr r="0" g="0" b="0"/>
+      </a:lnRef>
+      <a:fillRef idx="1">
+        <a:scrgbClr r="0" g="0" b="0"/>
+      </a:fillRef>
+      <a:effectRef idx="0">
+        <a:scrgbClr r="0" g="0" b="0"/>
+      </a:effectRef>
+      <a:fontRef idx="minor">
+        <a:schemeClr val="lt1"/>
+      </a:fontRef>
+    </dgm:style>
+  </dgm:styleLbl>
+  <dgm:styleLbl name="parChTrans2D4">
+    <dgm:scene3d>
+      <a:camera prst="orthographicFront"/>
+      <a:lightRig rig="threePt" dir="t"/>
+    </dgm:scene3d>
+    <dgm:sp3d/>
+    <dgm:txPr/>
+    <dgm:style>
+      <a:lnRef idx="2">
+        <a:scrgbClr r="0" g="0" b="0"/>
+      </a:lnRef>
+      <a:fillRef idx="1">
+        <a:scrgbClr r="0" g="0" b="0"/>
+      </a:fillRef>
+      <a:effectRef idx="0">
+        <a:scrgbClr r="0" g="0" b="0"/>
+      </a:effectRef>
+      <a:fontRef idx="minor">
+        <a:schemeClr val="lt1"/>
+      </a:fontRef>
+    </dgm:style>
+  </dgm:styleLbl>
+  <dgm:styleLbl name="parChTrans1D1">
+    <dgm:scene3d>
+      <a:camera prst="orthographicFront"/>
+      <a:lightRig rig="threePt" dir="t"/>
+    </dgm:scene3d>
+    <dgm:sp3d/>
+    <dgm:txPr/>
+    <dgm:style>
+      <a:lnRef idx="2">
+        <a:scrgbClr r="0" g="0" b="0"/>
+      </a:lnRef>
+      <a:fillRef idx="0">
+        <a:scrgbClr r="0" g="0" b="0"/>
+      </a:fillRef>
+      <a:effectRef idx="0">
+        <a:scrgbClr r="0" g="0" b="0"/>
+      </a:effectRef>
+      <a:fontRef idx="minor"/>
+    </dgm:style>
+  </dgm:styleLbl>
+  <dgm:styleLbl name="parChTrans1D2">
+    <dgm:scene3d>
+      <a:camera prst="orthographicFront"/>
+      <a:lightRig rig="threePt" dir="t"/>
+    </dgm:scene3d>
+    <dgm:sp3d/>
+    <dgm:txPr/>
+    <dgm:style>
+      <a:lnRef idx="2">
+        <a:scrgbClr r="0" g="0" b="0"/>
+      </a:lnRef>
+      <a:fillRef idx="0">
+        <a:scrgbClr r="0" g="0" b="0"/>
+      </a:fillRef>
+      <a:effectRef idx="0">
+        <a:scrgbClr r="0" g="0" b="0"/>
+      </a:effectRef>
+      <a:fontRef idx="minor"/>
+    </dgm:style>
+  </dgm:styleLbl>
+  <dgm:styleLbl name="parChTrans1D3">
+    <dgm:scene3d>
+      <a:camera prst="orthographicFront"/>
+      <a:lightRig rig="threePt" dir="t"/>
+    </dgm:scene3d>
+    <dgm:sp3d/>
+    <dgm:txPr/>
+    <dgm:style>
+      <a:lnRef idx="2">
+        <a:scrgbClr r="0" g="0" b="0"/>
+      </a:lnRef>
+      <a:fillRef idx="0">
+        <a:scrgbClr r="0" g="0" b="0"/>
+      </a:fillRef>
+      <a:effectRef idx="0">
+        <a:scrgbClr r="0" g="0" b="0"/>
+      </a:effectRef>
+      <a:fontRef idx="minor"/>
+    </dgm:style>
+  </dgm:styleLbl>
+  <dgm:styleLbl name="parChTrans1D4">
+    <dgm:scene3d>
+      <a:camera prst="orthographicFront"/>
+      <a:lightRig rig="threePt" dir="t"/>
+    </dgm:scene3d>
+    <dgm:sp3d/>
+    <dgm:txPr/>
+    <dgm:style>
+      <a:lnRef idx="2">
+        <a:scrgbClr r="0" g="0" b="0"/>
+      </a:lnRef>
+      <a:fillRef idx="0">
+        <a:scrgbClr r="0" g="0" b="0"/>
+      </a:fillRef>
+      <a:effectRef idx="0">
+        <a:scrgbClr r="0" g="0" b="0"/>
+      </a:effectRef>
+      <a:fontRef idx="minor"/>
+    </dgm:style>
+  </dgm:styleLbl>
+  <dgm:styleLbl name="fgAcc1">
+    <dgm:scene3d>
+      <a:camera prst="orthographicFront"/>
+      <a:lightRig rig="threePt" dir="t"/>
+    </dgm:scene3d>
+    <dgm:sp3d/>
+    <dgm:txPr/>
+    <dgm:style>
+      <a:lnRef idx="2">
+        <a:scrgbClr r="0" g="0" b="0"/>
+      </a:lnRef>
+      <a:fillRef idx="1">
+        <a:scrgbClr r="0" g="0" b="0"/>
+      </a:fillRef>
+      <a:effectRef idx="0">
+        <a:scrgbClr r="0" g="0" b="0"/>
+      </a:effectRef>
+      <a:fontRef idx="minor"/>
+    </dgm:style>
+  </dgm:styleLbl>
+  <dgm:styleLbl name="conFgAcc1">
+    <dgm:scene3d>
+      <a:camera prst="orthographicFront"/>
+      <a:lightRig rig="threePt" dir="t"/>
+    </dgm:scene3d>
+    <dgm:sp3d/>
+    <dgm:txPr/>
+    <dgm:style>
+      <a:lnRef idx="2">
+        <a:scrgbClr r="0" g="0" b="0"/>
+      </a:lnRef>
+      <a:fillRef idx="1">
+        <a:scrgbClr r="0" g="0" b="0"/>
+      </a:fillRef>
+      <a:effectRef idx="0">
+        <a:scrgbClr r="0" g="0" b="0"/>
+      </a:effectRef>
+      <a:fontRef idx="minor"/>
+    </dgm:style>
+  </dgm:styleLbl>
+  <dgm:styleLbl name="alignAcc1">
+    <dgm:scene3d>
+      <a:camera prst="orthographicFront"/>
+      <a:lightRig rig="threePt" dir="t"/>
+    </dgm:scene3d>
+    <dgm:sp3d/>
+    <dgm:txPr/>
+    <dgm:style>
+      <a:lnRef idx="2">
+        <a:scrgbClr r="0" g="0" b="0"/>
+      </a:lnRef>
+      <a:fillRef idx="1">
+        <a:scrgbClr r="0" g="0" b="0"/>
+      </a:fillRef>
+      <a:effectRef idx="0">
+        <a:scrgbClr r="0" g="0" b="0"/>
+      </a:effectRef>
+      <a:fontRef idx="minor"/>
+    </dgm:style>
+  </dgm:styleLbl>
+  <dgm:styleLbl name="trAlignAcc1">
+    <dgm:scene3d>
+      <a:camera prst="orthographicFront"/>
+      <a:lightRig rig="threePt" dir="t"/>
+    </dgm:scene3d>
+    <dgm:sp3d/>
+    <dgm:txPr/>
+    <dgm:style>
+      <a:lnRef idx="1">
+        <a:scrgbClr r="0" g="0" b="0"/>
+      </a:lnRef>
+      <a:fillRef idx="1">
+        <a:scrgbClr r="0" g="0" b="0"/>
+      </a:fillRef>
+      <a:effectRef idx="0">
+        <a:scrgbClr r="0" g="0" b="0"/>
+      </a:effectRef>
+      <a:fontRef idx="minor"/>
+    </dgm:style>
+  </dgm:styleLbl>
+  <dgm:styleLbl name="bgAcc1">
+    <dgm:scene3d>
+      <a:camera prst="orthographicFront"/>
+      <a:lightRig rig="threePt" dir="t"/>
+    </dgm:scene3d>
+    <dgm:sp3d/>
+    <dgm:txPr/>
+    <dgm:style>
+      <a:lnRef idx="2">
+        <a:scrgbClr r="0" g="0" b="0"/>
+      </a:lnRef>
+      <a:fillRef idx="1">
+        <a:scrgbClr r="0" g="0" b="0"/>
+      </a:fillRef>
+      <a:effectRef idx="0">
+        <a:scrgbClr r="0" g="0" b="0"/>
+      </a:effectRef>
+      <a:fontRef idx="minor"/>
+    </dgm:style>
+  </dgm:styleLbl>
+  <dgm:styleLbl name="solidFgAcc1">
+    <dgm:scene3d>
+      <a:camera prst="orthographicFront"/>
+      <a:lightRig rig="threePt" dir="t"/>
+    </dgm:scene3d>
+    <dgm:sp3d/>
+    <dgm:txPr/>
+    <dgm:style>
+      <a:lnRef idx="2">
+        <a:scrgbClr r="0" g="0" b="0"/>
+      </a:lnRef>
+      <a:fillRef idx="1">
+        <a:scrgbClr r="0" g="0" b="0"/>
+      </a:fillRef>
+      <a:effectRef idx="0">
+        <a:scrgbClr r="0" g="0" b="0"/>
+      </a:effectRef>
+      <a:fontRef idx="minor"/>
+    </dgm:style>
+  </dgm:styleLbl>
+  <dgm:styleLbl name="solidAlignAcc1">
+    <dgm:scene3d>
+      <a:camera prst="orthographicFront"/>
+      <a:lightRig rig="threePt" dir="t"/>
+    </dgm:scene3d>
+    <dgm:sp3d/>
+    <dgm:txPr/>
+    <dgm:style>
+      <a:lnRef idx="2">
+        <a:scrgbClr r="0" g="0" b="0"/>
+      </a:lnRef>
+      <a:fillRef idx="1">
+        <a:scrgbClr r="0" g="0" b="0"/>
+      </a:fillRef>
+      <a:effectRef idx="0">
+        <a:scrgbClr r="0" g="0" b="0"/>
+      </a:effectRef>
+      <a:fontRef idx="minor"/>
+    </dgm:style>
+  </dgm:styleLbl>
+  <dgm:styleLbl name="solidBgAcc1">
+    <dgm:scene3d>
+      <a:camera prst="orthographicFront"/>
+      <a:lightRig rig="threePt" dir="t"/>
+    </dgm:scene3d>
+    <dgm:sp3d/>
+    <dgm:txPr/>
+    <dgm:style>
+      <a:lnRef idx="2">
+        <a:scrgbClr r="0" g="0" b="0"/>
+      </a:lnRef>
+      <a:fillRef idx="1">
+        <a:scrgbClr r="0" g="0" b="0"/>
+      </a:fillRef>
+      <a:effectRef idx="0">
+        <a:scrgbClr r="0" g="0" b="0"/>
+      </a:effectRef>
+      <a:fontRef idx="minor"/>
+    </dgm:style>
+  </dgm:styleLbl>
+  <dgm:styleLbl name="fgAccFollowNode1">
+    <dgm:scene3d>
+      <a:camera prst="orthographicFront"/>
+      <a:lightRig rig="threePt" dir="t"/>
+    </dgm:scene3d>
+    <dgm:sp3d/>
+    <dgm:txPr/>
+    <dgm:style>
+      <a:lnRef idx="2">
+        <a:scrgbClr r="0" g="0" b="0"/>
+      </a:lnRef>
+      <a:fillRef idx="1">
+        <a:scrgbClr r="0" g="0" b="0"/>
+      </a:fillRef>
+      <a:effectRef idx="0">
+        <a:scrgbClr r="0" g="0" b="0"/>
+      </a:effectRef>
+      <a:fontRef idx="minor"/>
+    </dgm:style>
+  </dgm:styleLbl>
+  <dgm:styleLbl name="alignAccFollowNode1">
+    <dgm:scene3d>
+      <a:camera prst="orthographicFront"/>
+      <a:lightRig rig="threePt" dir="t"/>
+    </dgm:scene3d>
+    <dgm:sp3d/>
+    <dgm:txPr/>
+    <dgm:style>
+      <a:lnRef idx="2">
+        <a:scrgbClr r="0" g="0" b="0"/>
+      </a:lnRef>
+      <a:fillRef idx="1">
+        <a:scrgbClr r="0" g="0" b="0"/>
+      </a:fillRef>
+      <a:effectRef idx="0">
+        <a:scrgbClr r="0" g="0" b="0"/>
+      </a:effectRef>
+      <a:fontRef idx="minor"/>
+    </dgm:style>
+  </dgm:styleLbl>
+  <dgm:styleLbl name="bgAccFollowNode1">
+    <dgm:scene3d>
+      <a:camera prst="orthographicFront"/>
+      <a:lightRig rig="threePt" dir="t"/>
+    </dgm:scene3d>
+    <dgm:sp3d/>
+    <dgm:txPr/>
+    <dgm:style>
+      <a:lnRef idx="2">
+        <a:scrgbClr r="0" g="0" b="0"/>
+      </a:lnRef>
+      <a:fillRef idx="1">
+        <a:scrgbClr r="0" g="0" b="0"/>
+      </a:fillRef>
+      <a:effectRef idx="0">
+        <a:scrgbClr r="0" g="0" b="0"/>
+      </a:effectRef>
+      <a:fontRef idx="minor"/>
+    </dgm:style>
+  </dgm:styleLbl>
+  <dgm:styleLbl name="fgAcc0">
+    <dgm:scene3d>
+      <a:camera prst="orthographicFront"/>
+      <a:lightRig rig="threePt" dir="t"/>
+    </dgm:scene3d>
+    <dgm:sp3d/>
+    <dgm:txPr/>
+    <dgm:style>
+      <a:lnRef idx="2">
+        <a:scrgbClr r="0" g="0" b="0"/>
+      </a:lnRef>
+      <a:fillRef idx="1">
+        <a:scrgbClr r="0" g="0" b="0"/>
+      </a:fillRef>
+      <a:effectRef idx="0">
+        <a:scrgbClr r="0" g="0" b="0"/>
+      </a:effectRef>
+      <a:fontRef idx="minor"/>
+    </dgm:style>
+  </dgm:styleLbl>
+  <dgm:styleLbl name="fgAcc2">
+    <dgm:scene3d>
+      <a:camera prst="orthographicFront"/>
+      <a:lightRig rig="threePt" dir="t"/>
+    </dgm:scene3d>
+    <dgm:sp3d/>
+    <dgm:txPr/>
+    <dgm:style>
+      <a:lnRef idx="2">
+        <a:scrgbClr r="0" g="0" b="0"/>
+      </a:lnRef>
+      <a:fillRef idx="1">
+        <a:scrgbClr r="0" g="0" b="0"/>
+      </a:fillRef>
+      <a:effectRef idx="0">
+        <a:scrgbClr r="0" g="0" b="0"/>
+      </a:effectRef>
+      <a:fontRef idx="minor"/>
+    </dgm:style>
+  </dgm:styleLbl>
+  <dgm:styleLbl name="fgAcc3">
+    <dgm:scene3d>
+      <a:camera prst="orthographicFront"/>
+      <a:lightRig rig="threePt" dir="t"/>
+    </dgm:scene3d>
+    <dgm:sp3d/>
+    <dgm:txPr/>
+    <dgm:style>
+      <a:lnRef idx="2">
+        <a:scrgbClr r="0" g="0" b="0"/>
+      </a:lnRef>
+      <a:fillRef idx="1">
+        <a:scrgbClr r="0" g="0" b="0"/>
+      </a:fillRef>
+      <a:effectRef idx="0">
+        <a:scrgbClr r="0" g="0" b="0"/>
+      </a:effectRef>
+      <a:fontRef idx="minor"/>
+    </dgm:style>
+  </dgm:styleLbl>
+  <dgm:styleLbl name="fgAcc4">
+    <dgm:scene3d>
+      <a:camera prst="orthographicFront"/>
+      <a:lightRig rig="threePt" dir="t"/>
+    </dgm:scene3d>
+    <dgm:sp3d/>
+    <dgm:txPr/>
+    <dgm:style>
+      <a:lnRef idx="2">
+        <a:scrgbClr r="0" g="0" b="0"/>
+      </a:lnRef>
+      <a:fillRef idx="1">
+        <a:scrgbClr r="0" g="0" b="0"/>
+      </a:fillRef>
+      <a:effectRef idx="0">
+        <a:scrgbClr r="0" g="0" b="0"/>
+      </a:effectRef>
+      <a:fontRef idx="minor"/>
+    </dgm:style>
+  </dgm:styleLbl>
+  <dgm:styleLbl name="bgShp">
+    <dgm:scene3d>
+      <a:camera prst="orthographicFront"/>
+      <a:lightRig rig="threePt" dir="t"/>
+    </dgm:scene3d>
+    <dgm:sp3d/>
+    <dgm:txPr/>
+    <dgm:style>
+      <a:lnRef idx="0">
+        <a:scrgbClr r="0" g="0" b="0"/>
+      </a:lnRef>
+      <a:fillRef idx="1">
+        <a:scrgbClr r="0" g="0" b="0"/>
+      </a:fillRef>
+      <a:effectRef idx="0">
+        <a:scrgbClr r="0" g="0" b="0"/>
+      </a:effectRef>
+      <a:fontRef idx="minor"/>
+    </dgm:style>
+  </dgm:styleLbl>
+  <dgm:styleLbl name="dkBgShp">
+    <dgm:scene3d>
+      <a:camera prst="orthographicFront"/>
+      <a:lightRig rig="threePt" dir="t"/>
+    </dgm:scene3d>
+    <dgm:sp3d/>
+    <dgm:txPr/>
+    <dgm:style>
+      <a:lnRef idx="0">
+        <a:scrgbClr r="0" g="0" b="0"/>
+      </a:lnRef>
+      <a:fillRef idx="1">
+        <a:scrgbClr r="0" g="0" b="0"/>
+      </a:fillRef>
+      <a:effectRef idx="0">
+        <a:scrgbClr r="0" g="0" b="0"/>
+      </a:effectRef>
+      <a:fontRef idx="minor"/>
+    </dgm:style>
+  </dgm:styleLbl>
+  <dgm:styleLbl name="trBgShp">
+    <dgm:scene3d>
+      <a:camera prst="orthographicFront"/>
+      <a:lightRig rig="threePt" dir="t"/>
+    </dgm:scene3d>
+    <dgm:sp3d/>
+    <dgm:txPr/>
+    <dgm:style>
+      <a:lnRef idx="0">
+        <a:scrgbClr r="0" g="0" b="0"/>
+      </a:lnRef>
+      <a:fillRef idx="1">
+        <a:scrgbClr r="0" g="0" b="0"/>
+      </a:fillRef>
+      <a:effectRef idx="0">
+        <a:scrgbClr r="0" g="0" b="0"/>
+      </a:effectRef>
+      <a:fontRef idx="minor"/>
+    </dgm:style>
+  </dgm:styleLbl>
+  <dgm:styleLbl name="fgShp">
+    <dgm:scene3d>
+      <a:camera prst="orthographicFront"/>
+      <a:lightRig rig="threePt" dir="t"/>
+    </dgm:scene3d>
+    <dgm:sp3d/>
+    <dgm:txPr/>
+    <dgm:style>
+      <a:lnRef idx="2">
+        <a:scrgbClr r="0" g="0" b="0"/>
+      </a:lnRef>
+      <a:fillRef idx="1">
+        <a:scrgbClr r="0" g="0" b="0"/>
+      </a:fillRef>
+      <a:effectRef idx="0">
+        <a:scrgbClr r="0" g="0" b="0"/>
+      </a:effectRef>
+      <a:fontRef idx="minor"/>
+    </dgm:style>
+  </dgm:styleLbl>
+  <dgm:styleLbl name="revTx">
+    <dgm:scene3d>
+      <a:camera prst="orthographicFront"/>
+      <a:lightRig rig="threePt" dir="t"/>
+    </dgm:scene3d>
+    <dgm:sp3d/>
+    <dgm:txPr/>
+    <dgm:style>
+      <a:lnRef idx="0">
+        <a:scrgbClr r="0" g="0" b="0"/>
+      </a:lnRef>
+      <a:fillRef idx="0">
+        <a:scrgbClr r="0" g="0" b="0"/>
+      </a:fillRef>
+      <a:effectRef idx="0">
+        <a:scrgbClr r="0" g="0" b="0"/>
+      </a:effectRef>
+      <a:fontRef idx="minor"/>
+    </dgm:style>
+  </dgm:styleLbl>
+</dgm:styleDef>
 </file>
 
 <file path=ppt/notesMasters/notesMaster1.xml><?xml version="1.0" encoding="utf-8"?>
@@ -653,7 +3303,7 @@
           <a:p>
             <a:fld id="{EA11A74D-32B6-452B-A0CB-8CC2507C7E44}" type="slidenum">
               <a:rPr lang="de-CH" smtClean="0"/>
-              <a:t>2</a:t>
+              <a:t>5</a:t>
             </a:fld>
             <a:endParaRPr lang="de-CH"/>
           </a:p>
@@ -663,6 +3313,94 @@
     <p:extLst>
       <p:ext uri="{BB962C8B-B14F-4D97-AF65-F5344CB8AC3E}">
         <p14:creationId xmlns:p14="http://schemas.microsoft.com/office/powerpoint/2010/main" val="3987024309"/>
+      </p:ext>
+    </p:extLst>
+  </p:cSld>
+  <p:clrMapOvr>
+    <a:masterClrMapping/>
+  </p:clrMapOvr>
+</p:notes>
+</file>
+
+<file path=ppt/notesSlides/notesSlide3.xml><?xml version="1.0" encoding="utf-8"?>
+<p:notes xmlns:a="http://schemas.openxmlformats.org/drawingml/2006/main" xmlns:r="http://schemas.openxmlformats.org/officeDocument/2006/relationships" xmlns:p="http://schemas.openxmlformats.org/presentationml/2006/main">
+  <p:cSld>
+    <p:spTree>
+      <p:nvGrpSpPr>
+        <p:cNvPr id="1" name=""/>
+        <p:cNvGrpSpPr/>
+        <p:nvPr/>
+      </p:nvGrpSpPr>
+      <p:grpSpPr>
+        <a:xfrm>
+          <a:off x="0" y="0"/>
+          <a:ext cx="0" cy="0"/>
+          <a:chOff x="0" y="0"/>
+          <a:chExt cx="0" cy="0"/>
+        </a:xfrm>
+      </p:grpSpPr>
+      <p:sp>
+        <p:nvSpPr>
+          <p:cNvPr id="2" name="Slide Image Placeholder 1"/>
+          <p:cNvSpPr>
+            <a:spLocks noGrp="1" noRot="1" noChangeAspect="1"/>
+          </p:cNvSpPr>
+          <p:nvPr>
+            <p:ph type="sldImg"/>
+          </p:nvPr>
+        </p:nvSpPr>
+        <p:spPr/>
+      </p:sp>
+      <p:sp>
+        <p:nvSpPr>
+          <p:cNvPr id="3" name="Notes Placeholder 2"/>
+          <p:cNvSpPr>
+            <a:spLocks noGrp="1"/>
+          </p:cNvSpPr>
+          <p:nvPr>
+            <p:ph type="body" idx="1"/>
+          </p:nvPr>
+        </p:nvSpPr>
+        <p:spPr/>
+        <p:txBody>
+          <a:bodyPr/>
+          <a:lstStyle/>
+          <a:p>
+            <a:r>
+              <a:rPr lang="de-CH" dirty="0" err="1" smtClean="0"/>
+              <a:t>dasdasdasdasdsadasdsadsadsadasdasdasdasdasdasdsad</a:t>
+            </a:r>
+            <a:endParaRPr lang="de-CH" dirty="0"/>
+          </a:p>
+        </p:txBody>
+      </p:sp>
+      <p:sp>
+        <p:nvSpPr>
+          <p:cNvPr id="4" name="Slide Number Placeholder 3"/>
+          <p:cNvSpPr>
+            <a:spLocks noGrp="1"/>
+          </p:cNvSpPr>
+          <p:nvPr>
+            <p:ph type="sldNum" sz="quarter" idx="10"/>
+          </p:nvPr>
+        </p:nvSpPr>
+        <p:spPr/>
+        <p:txBody>
+          <a:bodyPr/>
+          <a:lstStyle/>
+          <a:p>
+            <a:fld id="{EA11A74D-32B6-452B-A0CB-8CC2507C7E44}" type="slidenum">
+              <a:rPr lang="de-CH" smtClean="0"/>
+              <a:t>12</a:t>
+            </a:fld>
+            <a:endParaRPr lang="de-CH"/>
+          </a:p>
+        </p:txBody>
+      </p:sp>
+    </p:spTree>
+    <p:extLst>
+      <p:ext uri="{BB962C8B-B14F-4D97-AF65-F5344CB8AC3E}">
+        <p14:creationId xmlns:p14="http://schemas.microsoft.com/office/powerpoint/2010/main" val="293676539"/>
       </p:ext>
     </p:extLst>
   </p:cSld>
@@ -9579,187 +12317,6 @@
 </file>
 
 <file path=ppt/slideLayouts/slideLayout10.xml><?xml version="1.0" encoding="utf-8"?>
-<p:sldLayout xmlns:a="http://schemas.openxmlformats.org/drawingml/2006/main" xmlns:r="http://schemas.openxmlformats.org/officeDocument/2006/relationships" xmlns:p="http://schemas.openxmlformats.org/presentationml/2006/main" type="vertTx" preserve="1">
-  <p:cSld name="Title and Vertical Text">
-    <p:spTree>
-      <p:nvGrpSpPr>
-        <p:cNvPr id="1" name=""/>
-        <p:cNvGrpSpPr/>
-        <p:nvPr/>
-      </p:nvGrpSpPr>
-      <p:grpSpPr>
-        <a:xfrm>
-          <a:off x="0" y="0"/>
-          <a:ext cx="0" cy="0"/>
-          <a:chOff x="0" y="0"/>
-          <a:chExt cx="0" cy="0"/>
-        </a:xfrm>
-      </p:grpSpPr>
-      <p:sp>
-        <p:nvSpPr>
-          <p:cNvPr id="2" name="Title 1"/>
-          <p:cNvSpPr>
-            <a:spLocks noGrp="1"/>
-          </p:cNvSpPr>
-          <p:nvPr>
-            <p:ph type="title"/>
-          </p:nvPr>
-        </p:nvSpPr>
-        <p:spPr/>
-        <p:txBody>
-          <a:bodyPr/>
-          <a:lstStyle/>
-          <a:p>
-            <a:r>
-              <a:rPr lang="en-US" smtClean="0"/>
-              <a:t>Click to edit Master title style</a:t>
-            </a:r>
-            <a:endParaRPr lang="en-US" dirty="0"/>
-          </a:p>
-        </p:txBody>
-      </p:sp>
-      <p:sp>
-        <p:nvSpPr>
-          <p:cNvPr id="3" name="Vertical Text Placeholder 2"/>
-          <p:cNvSpPr>
-            <a:spLocks noGrp="1"/>
-          </p:cNvSpPr>
-          <p:nvPr>
-            <p:ph type="body" orient="vert" idx="1"/>
-          </p:nvPr>
-        </p:nvSpPr>
-        <p:spPr/>
-        <p:txBody>
-          <a:bodyPr vert="eaVert"/>
-          <a:lstStyle/>
-          <a:p>
-            <a:pPr lvl="0"/>
-            <a:r>
-              <a:rPr lang="en-US" smtClean="0"/>
-              <a:t>Click to edit Master text styles</a:t>
-            </a:r>
-          </a:p>
-          <a:p>
-            <a:pPr lvl="1"/>
-            <a:r>
-              <a:rPr lang="en-US" smtClean="0"/>
-              <a:t>Second level</a:t>
-            </a:r>
-          </a:p>
-          <a:p>
-            <a:pPr lvl="2"/>
-            <a:r>
-              <a:rPr lang="en-US" smtClean="0"/>
-              <a:t>Third level</a:t>
-            </a:r>
-          </a:p>
-          <a:p>
-            <a:pPr lvl="3"/>
-            <a:r>
-              <a:rPr lang="en-US" smtClean="0"/>
-              <a:t>Fourth level</a:t>
-            </a:r>
-          </a:p>
-          <a:p>
-            <a:pPr lvl="4"/>
-            <a:r>
-              <a:rPr lang="en-US" smtClean="0"/>
-              <a:t>Fifth level</a:t>
-            </a:r>
-            <a:endParaRPr lang="en-US" dirty="0"/>
-          </a:p>
-        </p:txBody>
-      </p:sp>
-      <p:sp>
-        <p:nvSpPr>
-          <p:cNvPr id="4" name="Date Placeholder 3"/>
-          <p:cNvSpPr>
-            <a:spLocks noGrp="1"/>
-          </p:cNvSpPr>
-          <p:nvPr>
-            <p:ph type="dt" sz="half" idx="10"/>
-          </p:nvPr>
-        </p:nvSpPr>
-        <p:spPr/>
-        <p:txBody>
-          <a:bodyPr/>
-          <a:lstStyle/>
-          <a:p>
-            <a:fld id="{C3085C8E-862D-41F9-84B4-6523F3E4AC2D}" type="datetime1">
-              <a:rPr lang="de-CH" smtClean="0"/>
-              <a:t>27.06.2016</a:t>
-            </a:fld>
-            <a:endParaRPr lang="de-CH"/>
-          </a:p>
-        </p:txBody>
-      </p:sp>
-      <p:sp>
-        <p:nvSpPr>
-          <p:cNvPr id="5" name="Footer Placeholder 4"/>
-          <p:cNvSpPr>
-            <a:spLocks noGrp="1"/>
-          </p:cNvSpPr>
-          <p:nvPr>
-            <p:ph type="ftr" sz="quarter" idx="11"/>
-          </p:nvPr>
-        </p:nvSpPr>
-        <p:spPr/>
-        <p:txBody>
-          <a:bodyPr/>
-          <a:lstStyle/>
-          <a:p>
-            <a:r>
-              <a:rPr lang="de-CH" smtClean="0"/>
-              <a:t>Design von artifiziellen Tieren mit evolutionären Algorithmen - F. Hediger, F. Tanner</a:t>
-            </a:r>
-            <a:endParaRPr lang="de-CH"/>
-          </a:p>
-        </p:txBody>
-      </p:sp>
-      <p:sp>
-        <p:nvSpPr>
-          <p:cNvPr id="6" name="Slide Number Placeholder 5"/>
-          <p:cNvSpPr>
-            <a:spLocks noGrp="1"/>
-          </p:cNvSpPr>
-          <p:nvPr>
-            <p:ph type="sldNum" sz="quarter" idx="12"/>
-          </p:nvPr>
-        </p:nvSpPr>
-        <p:spPr/>
-        <p:txBody>
-          <a:bodyPr/>
-          <a:lstStyle/>
-          <a:p>
-            <a:fld id="{9DD3427A-877F-49F0-A244-E76867DD5238}" type="slidenum">
-              <a:rPr lang="de-CH" smtClean="0"/>
-              <a:t>‹#›</a:t>
-            </a:fld>
-            <a:endParaRPr lang="de-CH"/>
-          </a:p>
-        </p:txBody>
-      </p:sp>
-    </p:spTree>
-    <p:extLst>
-      <p:ext uri="{BB962C8B-B14F-4D97-AF65-F5344CB8AC3E}">
-        <p14:creationId xmlns:p14="http://schemas.microsoft.com/office/powerpoint/2010/main" val="3522358057"/>
-      </p:ext>
-    </p:extLst>
-  </p:cSld>
-  <p:clrMapOvr>
-    <a:masterClrMapping/>
-  </p:clrMapOvr>
-  <p:timing>
-    <p:tnLst>
-      <p:par>
-        <p:cTn id="1" dur="indefinite" restart="never" nodeType="tmRoot"/>
-      </p:par>
-    </p:tnLst>
-  </p:timing>
-</p:sldLayout>
-</file>
-
-<file path=ppt/slideLayouts/slideLayout11.xml><?xml version="1.0" encoding="utf-8"?>
 <p:sldLayout xmlns:a="http://schemas.openxmlformats.org/drawingml/2006/main" xmlns:r="http://schemas.openxmlformats.org/officeDocument/2006/relationships" xmlns:p="http://schemas.openxmlformats.org/presentationml/2006/main" showMasterSp="0" type="vertTitleAndTx" preserve="1">
   <p:cSld name="Vertical Title and Text">
     <p:spTree>
@@ -19776,7 +22333,7 @@
 </file>
 
 <file path=ppt/slideLayouts/slideLayout6.xml><?xml version="1.0" encoding="utf-8"?>
-<p:sldLayout xmlns:a="http://schemas.openxmlformats.org/drawingml/2006/main" xmlns:r="http://schemas.openxmlformats.org/officeDocument/2006/relationships" xmlns:p="http://schemas.openxmlformats.org/presentationml/2006/main" type="titleOnly" preserve="1">
+<p:sldLayout xmlns:a="http://schemas.openxmlformats.org/drawingml/2006/main" xmlns:r="http://schemas.openxmlformats.org/officeDocument/2006/relationships" xmlns:p="http://schemas.openxmlformats.org/presentationml/2006/main" preserve="1" userDrawn="1">
   <p:cSld name="Title Only">
     <p:spTree>
       <p:nvGrpSpPr>
@@ -19792,29 +22349,6 @@
           <a:chExt cx="0" cy="0"/>
         </a:xfrm>
       </p:grpSpPr>
-      <p:sp>
-        <p:nvSpPr>
-          <p:cNvPr id="2" name="Title 1"/>
-          <p:cNvSpPr>
-            <a:spLocks noGrp="1"/>
-          </p:cNvSpPr>
-          <p:nvPr>
-            <p:ph type="title"/>
-          </p:nvPr>
-        </p:nvSpPr>
-        <p:spPr/>
-        <p:txBody>
-          <a:bodyPr/>
-          <a:lstStyle/>
-          <a:p>
-            <a:r>
-              <a:rPr lang="en-US" smtClean="0"/>
-              <a:t>Click to edit Master title style</a:t>
-            </a:r>
-            <a:endParaRPr lang="en-US" dirty="0"/>
-          </a:p>
-        </p:txBody>
-      </p:sp>
       <p:sp>
         <p:nvSpPr>
           <p:cNvPr id="3" name="Date Placeholder 2"/>
@@ -19884,6 +22418,34 @@
           </a:p>
         </p:txBody>
       </p:sp>
+      <p:sp>
+        <p:nvSpPr>
+          <p:cNvPr id="7" name="Title 6"/>
+          <p:cNvSpPr>
+            <a:spLocks noGrp="1"/>
+          </p:cNvSpPr>
+          <p:nvPr>
+            <p:ph type="title"/>
+          </p:nvPr>
+        </p:nvSpPr>
+        <p:spPr>
+          <a:xfrm>
+            <a:off x="1024129" y="572059"/>
+            <a:ext cx="9720072" cy="1499616"/>
+          </a:xfrm>
+        </p:spPr>
+        <p:txBody>
+          <a:bodyPr/>
+          <a:lstStyle/>
+          <a:p>
+            <a:r>
+              <a:rPr lang="en-US" dirty="0" smtClean="0"/>
+              <a:t>Click to edit Master title style</a:t>
+            </a:r>
+            <a:endParaRPr lang="de-CH" dirty="0"/>
+          </a:p>
+        </p:txBody>
+      </p:sp>
     </p:spTree>
     <p:extLst>
       <p:ext uri="{BB962C8B-B14F-4D97-AF65-F5344CB8AC3E}">
@@ -19901,116 +22463,36 @@
       </p:par>
     </p:tnLst>
   </p:timing>
+  <p:extLst>
+    <p:ext uri="{DCECCB84-F9BA-43D5-87BE-67443E8EF086}">
+      <p15:sldGuideLst xmlns:p15="http://schemas.microsoft.com/office/powerpoint/2012/main">
+        <p15:guide id="1" orient="horz" pos="2160" userDrawn="1">
+          <p15:clr>
+            <a:srgbClr val="FBAE40"/>
+          </p15:clr>
+        </p15:guide>
+        <p15:guide id="2" pos="3840" userDrawn="1">
+          <p15:clr>
+            <a:srgbClr val="FBAE40"/>
+          </p15:clr>
+        </p15:guide>
+        <p15:guide id="3" pos="3940" userDrawn="1">
+          <p15:clr>
+            <a:srgbClr val="FBAE40"/>
+          </p15:clr>
+        </p15:guide>
+        <p15:guide id="4" orient="horz" pos="2260" userDrawn="1">
+          <p15:clr>
+            <a:srgbClr val="FBAE40"/>
+          </p15:clr>
+        </p15:guide>
+      </p15:sldGuideLst>
+    </p:ext>
+  </p:extLst>
 </p:sldLayout>
 </file>
 
 <file path=ppt/slideLayouts/slideLayout7.xml><?xml version="1.0" encoding="utf-8"?>
-<p:sldLayout xmlns:a="http://schemas.openxmlformats.org/drawingml/2006/main" xmlns:r="http://schemas.openxmlformats.org/officeDocument/2006/relationships" xmlns:p="http://schemas.openxmlformats.org/presentationml/2006/main" showMasterSp="0" type="blank" preserve="1">
-  <p:cSld name="Blank">
-    <p:spTree>
-      <p:nvGrpSpPr>
-        <p:cNvPr id="1" name=""/>
-        <p:cNvGrpSpPr/>
-        <p:nvPr/>
-      </p:nvGrpSpPr>
-      <p:grpSpPr>
-        <a:xfrm>
-          <a:off x="0" y="0"/>
-          <a:ext cx="0" cy="0"/>
-          <a:chOff x="0" y="0"/>
-          <a:chExt cx="0" cy="0"/>
-        </a:xfrm>
-      </p:grpSpPr>
-      <p:sp>
-        <p:nvSpPr>
-          <p:cNvPr id="2" name="Date Placeholder 1"/>
-          <p:cNvSpPr>
-            <a:spLocks noGrp="1"/>
-          </p:cNvSpPr>
-          <p:nvPr>
-            <p:ph type="dt" sz="half" idx="10"/>
-          </p:nvPr>
-        </p:nvSpPr>
-        <p:spPr/>
-        <p:txBody>
-          <a:bodyPr/>
-          <a:lstStyle/>
-          <a:p>
-            <a:fld id="{6765817D-1061-4A4E-BF57-6D044CAD795C}" type="datetime1">
-              <a:rPr lang="de-CH" smtClean="0"/>
-              <a:t>27.06.2016</a:t>
-            </a:fld>
-            <a:endParaRPr lang="de-CH"/>
-          </a:p>
-        </p:txBody>
-      </p:sp>
-      <p:sp>
-        <p:nvSpPr>
-          <p:cNvPr id="3" name="Footer Placeholder 2"/>
-          <p:cNvSpPr>
-            <a:spLocks noGrp="1"/>
-          </p:cNvSpPr>
-          <p:nvPr>
-            <p:ph type="ftr" sz="quarter" idx="11"/>
-          </p:nvPr>
-        </p:nvSpPr>
-        <p:spPr/>
-        <p:txBody>
-          <a:bodyPr/>
-          <a:lstStyle/>
-          <a:p>
-            <a:r>
-              <a:rPr lang="de-CH" smtClean="0"/>
-              <a:t>Design von artifiziellen Tieren mit evolutionären Algorithmen - F. Hediger, F. Tanner</a:t>
-            </a:r>
-            <a:endParaRPr lang="de-CH"/>
-          </a:p>
-        </p:txBody>
-      </p:sp>
-      <p:sp>
-        <p:nvSpPr>
-          <p:cNvPr id="4" name="Slide Number Placeholder 3"/>
-          <p:cNvSpPr>
-            <a:spLocks noGrp="1"/>
-          </p:cNvSpPr>
-          <p:nvPr>
-            <p:ph type="sldNum" sz="quarter" idx="12"/>
-          </p:nvPr>
-        </p:nvSpPr>
-        <p:spPr/>
-        <p:txBody>
-          <a:bodyPr/>
-          <a:lstStyle/>
-          <a:p>
-            <a:fld id="{9DD3427A-877F-49F0-A244-E76867DD5238}" type="slidenum">
-              <a:rPr lang="de-CH" smtClean="0"/>
-              <a:t>‹#›</a:t>
-            </a:fld>
-            <a:endParaRPr lang="de-CH"/>
-          </a:p>
-        </p:txBody>
-      </p:sp>
-    </p:spTree>
-    <p:extLst>
-      <p:ext uri="{BB962C8B-B14F-4D97-AF65-F5344CB8AC3E}">
-        <p14:creationId xmlns:p14="http://schemas.microsoft.com/office/powerpoint/2010/main" val="2351909302"/>
-      </p:ext>
-    </p:extLst>
-  </p:cSld>
-  <p:clrMapOvr>
-    <a:masterClrMapping/>
-  </p:clrMapOvr>
-  <p:timing>
-    <p:tnLst>
-      <p:par>
-        <p:cTn id="1" dur="indefinite" restart="never" nodeType="tmRoot"/>
-      </p:par>
-    </p:tnLst>
-  </p:timing>
-</p:sldLayout>
-</file>
-
-<file path=ppt/slideLayouts/slideLayout8.xml><?xml version="1.0" encoding="utf-8"?>
 <p:sldLayout xmlns:a="http://schemas.openxmlformats.org/drawingml/2006/main" xmlns:r="http://schemas.openxmlformats.org/officeDocument/2006/relationships" xmlns:p="http://schemas.openxmlformats.org/presentationml/2006/main" type="objTx" preserve="1">
   <p:cSld name="Content with Caption">
     <p:spTree>
@@ -20311,7 +22793,7 @@
 </p:sldLayout>
 </file>
 
-<file path=ppt/slideLayouts/slideLayout9.xml><?xml version="1.0" encoding="utf-8"?>
+<file path=ppt/slideLayouts/slideLayout8.xml><?xml version="1.0" encoding="utf-8"?>
 <p:sldLayout xmlns:a="http://schemas.openxmlformats.org/drawingml/2006/main" xmlns:r="http://schemas.openxmlformats.org/officeDocument/2006/relationships" xmlns:p="http://schemas.openxmlformats.org/presentationml/2006/main" showMasterSp="0" type="picTx" preserve="1">
   <p:cSld name="Picture with Caption">
     <p:spTree>
@@ -20621,6 +23103,187 @@
     <p:extLst>
       <p:ext uri="{BB962C8B-B14F-4D97-AF65-F5344CB8AC3E}">
         <p14:creationId xmlns:p14="http://schemas.microsoft.com/office/powerpoint/2010/main" val="3709350828"/>
+      </p:ext>
+    </p:extLst>
+  </p:cSld>
+  <p:clrMapOvr>
+    <a:masterClrMapping/>
+  </p:clrMapOvr>
+  <p:timing>
+    <p:tnLst>
+      <p:par>
+        <p:cTn id="1" dur="indefinite" restart="never" nodeType="tmRoot"/>
+      </p:par>
+    </p:tnLst>
+  </p:timing>
+</p:sldLayout>
+</file>
+
+<file path=ppt/slideLayouts/slideLayout9.xml><?xml version="1.0" encoding="utf-8"?>
+<p:sldLayout xmlns:a="http://schemas.openxmlformats.org/drawingml/2006/main" xmlns:r="http://schemas.openxmlformats.org/officeDocument/2006/relationships" xmlns:p="http://schemas.openxmlformats.org/presentationml/2006/main" type="vertTx" preserve="1">
+  <p:cSld name="Title and Vertical Text">
+    <p:spTree>
+      <p:nvGrpSpPr>
+        <p:cNvPr id="1" name=""/>
+        <p:cNvGrpSpPr/>
+        <p:nvPr/>
+      </p:nvGrpSpPr>
+      <p:grpSpPr>
+        <a:xfrm>
+          <a:off x="0" y="0"/>
+          <a:ext cx="0" cy="0"/>
+          <a:chOff x="0" y="0"/>
+          <a:chExt cx="0" cy="0"/>
+        </a:xfrm>
+      </p:grpSpPr>
+      <p:sp>
+        <p:nvSpPr>
+          <p:cNvPr id="2" name="Title 1"/>
+          <p:cNvSpPr>
+            <a:spLocks noGrp="1"/>
+          </p:cNvSpPr>
+          <p:nvPr>
+            <p:ph type="title"/>
+          </p:nvPr>
+        </p:nvSpPr>
+        <p:spPr/>
+        <p:txBody>
+          <a:bodyPr/>
+          <a:lstStyle/>
+          <a:p>
+            <a:r>
+              <a:rPr lang="en-US" smtClean="0"/>
+              <a:t>Click to edit Master title style</a:t>
+            </a:r>
+            <a:endParaRPr lang="en-US" dirty="0"/>
+          </a:p>
+        </p:txBody>
+      </p:sp>
+      <p:sp>
+        <p:nvSpPr>
+          <p:cNvPr id="3" name="Vertical Text Placeholder 2"/>
+          <p:cNvSpPr>
+            <a:spLocks noGrp="1"/>
+          </p:cNvSpPr>
+          <p:nvPr>
+            <p:ph type="body" orient="vert" idx="1"/>
+          </p:nvPr>
+        </p:nvSpPr>
+        <p:spPr/>
+        <p:txBody>
+          <a:bodyPr vert="eaVert"/>
+          <a:lstStyle/>
+          <a:p>
+            <a:pPr lvl="0"/>
+            <a:r>
+              <a:rPr lang="en-US" smtClean="0"/>
+              <a:t>Click to edit Master text styles</a:t>
+            </a:r>
+          </a:p>
+          <a:p>
+            <a:pPr lvl="1"/>
+            <a:r>
+              <a:rPr lang="en-US" smtClean="0"/>
+              <a:t>Second level</a:t>
+            </a:r>
+          </a:p>
+          <a:p>
+            <a:pPr lvl="2"/>
+            <a:r>
+              <a:rPr lang="en-US" smtClean="0"/>
+              <a:t>Third level</a:t>
+            </a:r>
+          </a:p>
+          <a:p>
+            <a:pPr lvl="3"/>
+            <a:r>
+              <a:rPr lang="en-US" smtClean="0"/>
+              <a:t>Fourth level</a:t>
+            </a:r>
+          </a:p>
+          <a:p>
+            <a:pPr lvl="4"/>
+            <a:r>
+              <a:rPr lang="en-US" smtClean="0"/>
+              <a:t>Fifth level</a:t>
+            </a:r>
+            <a:endParaRPr lang="en-US" dirty="0"/>
+          </a:p>
+        </p:txBody>
+      </p:sp>
+      <p:sp>
+        <p:nvSpPr>
+          <p:cNvPr id="4" name="Date Placeholder 3"/>
+          <p:cNvSpPr>
+            <a:spLocks noGrp="1"/>
+          </p:cNvSpPr>
+          <p:nvPr>
+            <p:ph type="dt" sz="half" idx="10"/>
+          </p:nvPr>
+        </p:nvSpPr>
+        <p:spPr/>
+        <p:txBody>
+          <a:bodyPr/>
+          <a:lstStyle/>
+          <a:p>
+            <a:fld id="{C3085C8E-862D-41F9-84B4-6523F3E4AC2D}" type="datetime1">
+              <a:rPr lang="de-CH" smtClean="0"/>
+              <a:t>27.06.2016</a:t>
+            </a:fld>
+            <a:endParaRPr lang="de-CH"/>
+          </a:p>
+        </p:txBody>
+      </p:sp>
+      <p:sp>
+        <p:nvSpPr>
+          <p:cNvPr id="5" name="Footer Placeholder 4"/>
+          <p:cNvSpPr>
+            <a:spLocks noGrp="1"/>
+          </p:cNvSpPr>
+          <p:nvPr>
+            <p:ph type="ftr" sz="quarter" idx="11"/>
+          </p:nvPr>
+        </p:nvSpPr>
+        <p:spPr/>
+        <p:txBody>
+          <a:bodyPr/>
+          <a:lstStyle/>
+          <a:p>
+            <a:r>
+              <a:rPr lang="de-CH" smtClean="0"/>
+              <a:t>Design von artifiziellen Tieren mit evolutionären Algorithmen - F. Hediger, F. Tanner</a:t>
+            </a:r>
+            <a:endParaRPr lang="de-CH"/>
+          </a:p>
+        </p:txBody>
+      </p:sp>
+      <p:sp>
+        <p:nvSpPr>
+          <p:cNvPr id="6" name="Slide Number Placeholder 5"/>
+          <p:cNvSpPr>
+            <a:spLocks noGrp="1"/>
+          </p:cNvSpPr>
+          <p:nvPr>
+            <p:ph type="sldNum" sz="quarter" idx="12"/>
+          </p:nvPr>
+        </p:nvSpPr>
+        <p:spPr/>
+        <p:txBody>
+          <a:bodyPr/>
+          <a:lstStyle/>
+          <a:p>
+            <a:fld id="{9DD3427A-877F-49F0-A244-E76867DD5238}" type="slidenum">
+              <a:rPr lang="de-CH" smtClean="0"/>
+              <a:t>‹#›</a:t>
+            </a:fld>
+            <a:endParaRPr lang="de-CH"/>
+          </a:p>
+        </p:txBody>
+      </p:sp>
+    </p:spTree>
+    <p:extLst>
+      <p:ext uri="{BB962C8B-B14F-4D97-AF65-F5344CB8AC3E}">
+        <p14:creationId xmlns:p14="http://schemas.microsoft.com/office/powerpoint/2010/main" val="3522358057"/>
       </p:ext>
     </p:extLst>
   </p:cSld>
@@ -20947,11 +23610,10 @@
     <p:sldLayoutId id="2147483664" r:id="rId4"/>
     <p:sldLayoutId id="2147483665" r:id="rId5"/>
     <p:sldLayoutId id="2147483666" r:id="rId6"/>
-    <p:sldLayoutId id="2147483667" r:id="rId7"/>
-    <p:sldLayoutId id="2147483668" r:id="rId8"/>
-    <p:sldLayoutId id="2147483669" r:id="rId9"/>
-    <p:sldLayoutId id="2147483670" r:id="rId10"/>
-    <p:sldLayoutId id="2147483671" r:id="rId11"/>
+    <p:sldLayoutId id="2147483668" r:id="rId7"/>
+    <p:sldLayoutId id="2147483669" r:id="rId8"/>
+    <p:sldLayoutId id="2147483670" r:id="rId9"/>
+    <p:sldLayoutId id="2147483671" r:id="rId10"/>
   </p:sldLayoutIdLst>
   <p:timing>
     <p:tnLst>
@@ -21463,7 +24125,7 @@
 </p:sld>
 </file>
 
-<file path=ppt/slides/slide2.xml><?xml version="1.0" encoding="utf-8"?>
+<file path=ppt/slides/slide10.xml><?xml version="1.0" encoding="utf-8"?>
 <p:sld xmlns:a="http://schemas.openxmlformats.org/drawingml/2006/main" xmlns:r="http://schemas.openxmlformats.org/officeDocument/2006/relationships" xmlns:p="http://schemas.openxmlformats.org/presentationml/2006/main">
   <p:cSld>
     <p:spTree>
@@ -21496,9 +24158,10 @@
           <a:lstStyle/>
           <a:p>
             <a:r>
-              <a:rPr lang="de-CH" dirty="0"/>
-              <a:t>Grundlagen</a:t>
+              <a:rPr lang="de-CH" dirty="0" smtClean="0"/>
+              <a:t>Turnierbasierte Selektion</a:t>
             </a:r>
+            <a:endParaRPr lang="de-CH" dirty="0"/>
           </a:p>
         </p:txBody>
       </p:sp>
@@ -21510,214 +24173,6 @@
           </p:cNvSpPr>
           <p:nvPr>
             <p:ph idx="1"/>
-          </p:nvPr>
-        </p:nvSpPr>
-        <p:spPr/>
-        <p:txBody>
-          <a:bodyPr/>
-          <a:lstStyle/>
-          <a:p>
-            <a:r>
-              <a:rPr lang="de-CH" dirty="0"/>
-              <a:t>Arten von evolutionären </a:t>
-            </a:r>
-            <a:r>
-              <a:rPr lang="de-CH" dirty="0" smtClean="0"/>
-              <a:t>Algorithmen</a:t>
-            </a:r>
-          </a:p>
-          <a:p>
-            <a:pPr lvl="1"/>
-            <a:r>
-              <a:rPr lang="de-CH" dirty="0" err="1" smtClean="0"/>
-              <a:t>sdsd</a:t>
-            </a:r>
-            <a:endParaRPr lang="de-CH" dirty="0"/>
-          </a:p>
-        </p:txBody>
-      </p:sp>
-      <p:sp>
-        <p:nvSpPr>
-          <p:cNvPr id="4" name="Date Placeholder 3"/>
-          <p:cNvSpPr>
-            <a:spLocks noGrp="1"/>
-          </p:cNvSpPr>
-          <p:nvPr>
-            <p:ph type="dt" sz="half" idx="10"/>
-          </p:nvPr>
-        </p:nvSpPr>
-        <p:spPr/>
-        <p:txBody>
-          <a:bodyPr/>
-          <a:lstStyle/>
-          <a:p>
-            <a:fld id="{C85944C4-99C3-4AAD-B274-CCA99F6BAB6F}" type="datetime1">
-              <a:rPr lang="de-CH" smtClean="0"/>
-              <a:t>27.06.2016</a:t>
-            </a:fld>
-            <a:endParaRPr lang="de-CH" dirty="0"/>
-          </a:p>
-        </p:txBody>
-      </p:sp>
-      <p:sp>
-        <p:nvSpPr>
-          <p:cNvPr id="5" name="Slide Number Placeholder 4"/>
-          <p:cNvSpPr>
-            <a:spLocks noGrp="1"/>
-          </p:cNvSpPr>
-          <p:nvPr>
-            <p:ph type="sldNum" sz="quarter" idx="12"/>
-          </p:nvPr>
-        </p:nvSpPr>
-        <p:spPr/>
-        <p:txBody>
-          <a:bodyPr/>
-          <a:lstStyle/>
-          <a:p>
-            <a:fld id="{9DD3427A-877F-49F0-A244-E76867DD5238}" type="slidenum">
-              <a:rPr lang="de-CH" smtClean="0"/>
-              <a:t>2</a:t>
-            </a:fld>
-            <a:endParaRPr lang="de-CH"/>
-          </a:p>
-        </p:txBody>
-      </p:sp>
-      <p:sp>
-        <p:nvSpPr>
-          <p:cNvPr id="6" name="Footer Placeholder 5"/>
-          <p:cNvSpPr>
-            <a:spLocks noGrp="1"/>
-          </p:cNvSpPr>
-          <p:nvPr>
-            <p:ph type="ftr" sz="quarter" idx="11"/>
-          </p:nvPr>
-        </p:nvSpPr>
-        <p:spPr/>
-        <p:txBody>
-          <a:bodyPr/>
-          <a:lstStyle/>
-          <a:p>
-            <a:r>
-              <a:rPr lang="de-CH" smtClean="0"/>
-              <a:t>Design von artifiziellen Tieren mit evolutionären Algorithmen - F. Hediger, F. Tanner</a:t>
-            </a:r>
-            <a:endParaRPr lang="de-CH" dirty="0"/>
-          </a:p>
-        </p:txBody>
-      </p:sp>
-    </p:spTree>
-    <p:extLst>
-      <p:ext uri="{BB962C8B-B14F-4D97-AF65-F5344CB8AC3E}">
-        <p14:creationId xmlns:p14="http://schemas.microsoft.com/office/powerpoint/2010/main" val="3655586289"/>
-      </p:ext>
-    </p:extLst>
-  </p:cSld>
-  <p:clrMapOvr>
-    <a:masterClrMapping/>
-  </p:clrMapOvr>
-  <p:timing>
-    <p:tnLst>
-      <p:par>
-        <p:cTn id="1" dur="indefinite" restart="never" nodeType="tmRoot"/>
-      </p:par>
-    </p:tnLst>
-  </p:timing>
-</p:sld>
-</file>
-
-<file path=ppt/slides/slide3.xml><?xml version="1.0" encoding="utf-8"?>
-<p:sld xmlns:a="http://schemas.openxmlformats.org/drawingml/2006/main" xmlns:r="http://schemas.openxmlformats.org/officeDocument/2006/relationships" xmlns:p="http://schemas.openxmlformats.org/presentationml/2006/main">
-  <p:cSld>
-    <p:spTree>
-      <p:nvGrpSpPr>
-        <p:cNvPr id="1" name=""/>
-        <p:cNvGrpSpPr/>
-        <p:nvPr/>
-      </p:nvGrpSpPr>
-      <p:grpSpPr>
-        <a:xfrm>
-          <a:off x="0" y="0"/>
-          <a:ext cx="0" cy="0"/>
-          <a:chOff x="0" y="0"/>
-          <a:chExt cx="0" cy="0"/>
-        </a:xfrm>
-      </p:grpSpPr>
-      <p:sp>
-        <p:nvSpPr>
-          <p:cNvPr id="7" name="Title 6"/>
-          <p:cNvSpPr>
-            <a:spLocks noGrp="1"/>
-          </p:cNvSpPr>
-          <p:nvPr>
-            <p:ph type="title"/>
-          </p:nvPr>
-        </p:nvSpPr>
-        <p:spPr/>
-        <p:txBody>
-          <a:bodyPr/>
-          <a:lstStyle/>
-          <a:p>
-            <a:r>
-              <a:rPr lang="de-CH" dirty="0" smtClean="0"/>
-              <a:t>Evolutionäre </a:t>
-            </a:r>
-            <a:r>
-              <a:rPr lang="de-CH" dirty="0" err="1" smtClean="0"/>
-              <a:t>algorithmen</a:t>
-            </a:r>
-            <a:endParaRPr lang="de-CH" dirty="0"/>
-          </a:p>
-        </p:txBody>
-      </p:sp>
-      <p:sp>
-        <p:nvSpPr>
-          <p:cNvPr id="8" name="Content Placeholder 7"/>
-          <p:cNvSpPr>
-            <a:spLocks noGrp="1"/>
-          </p:cNvSpPr>
-          <p:nvPr>
-            <p:ph sz="half" idx="1"/>
-          </p:nvPr>
-        </p:nvSpPr>
-        <p:spPr/>
-        <p:txBody>
-          <a:bodyPr/>
-          <a:lstStyle/>
-          <a:p>
-            <a:r>
-              <a:rPr lang="de-CH" dirty="0" smtClean="0"/>
-              <a:t>Genetische Programmierung</a:t>
-            </a:r>
-          </a:p>
-          <a:p>
-            <a:r>
-              <a:rPr lang="de-CH" dirty="0" smtClean="0"/>
-              <a:t>Genetische Algorithmen</a:t>
-            </a:r>
-          </a:p>
-          <a:p>
-            <a:r>
-              <a:rPr lang="de-CH" dirty="0" smtClean="0"/>
-              <a:t>Evolutionäre Programmierung</a:t>
-            </a:r>
-          </a:p>
-          <a:p>
-            <a:r>
-              <a:rPr lang="de-CH" dirty="0" smtClean="0"/>
-              <a:t>Evolutionäre Strategien</a:t>
-            </a:r>
-            <a:endParaRPr lang="de-CH" dirty="0"/>
-          </a:p>
-        </p:txBody>
-      </p:sp>
-      <p:sp>
-        <p:nvSpPr>
-          <p:cNvPr id="9" name="Content Placeholder 8"/>
-          <p:cNvSpPr>
-            <a:spLocks noGrp="1"/>
-          </p:cNvSpPr>
-          <p:nvPr>
-            <p:ph sz="half" idx="2"/>
           </p:nvPr>
         </p:nvSpPr>
         <p:spPr/>
@@ -21792,7 +24247,7 @@
           <a:p>
             <a:fld id="{9DD3427A-877F-49F0-A244-E76867DD5238}" type="slidenum">
               <a:rPr lang="de-CH" smtClean="0"/>
-              <a:t>3</a:t>
+              <a:t>10</a:t>
             </a:fld>
             <a:endParaRPr lang="de-CH"/>
           </a:p>
@@ -21801,7 +24256,7 @@
     </p:spTree>
     <p:extLst>
       <p:ext uri="{BB962C8B-B14F-4D97-AF65-F5344CB8AC3E}">
-        <p14:creationId xmlns:p14="http://schemas.microsoft.com/office/powerpoint/2010/main" val="3276225476"/>
+        <p14:creationId xmlns:p14="http://schemas.microsoft.com/office/powerpoint/2010/main" val="548208526"/>
       </p:ext>
     </p:extLst>
   </p:cSld>
@@ -21818,7 +24273,537 @@
 </p:sld>
 </file>
 
-<file path=ppt/slides/slide4.xml><?xml version="1.0" encoding="utf-8"?>
+<file path=ppt/slides/slide11.xml><?xml version="1.0" encoding="utf-8"?>
+<p:sld xmlns:a="http://schemas.openxmlformats.org/drawingml/2006/main" xmlns:r="http://schemas.openxmlformats.org/officeDocument/2006/relationships" xmlns:p="http://schemas.openxmlformats.org/presentationml/2006/main">
+  <p:cSld>
+    <p:spTree>
+      <p:nvGrpSpPr>
+        <p:cNvPr id="1" name=""/>
+        <p:cNvGrpSpPr/>
+        <p:nvPr/>
+      </p:nvGrpSpPr>
+      <p:grpSpPr>
+        <a:xfrm>
+          <a:off x="0" y="0"/>
+          <a:ext cx="0" cy="0"/>
+          <a:chOff x="0" y="0"/>
+          <a:chExt cx="0" cy="0"/>
+        </a:xfrm>
+      </p:grpSpPr>
+      <p:sp>
+        <p:nvSpPr>
+          <p:cNvPr id="2" name="Title 1"/>
+          <p:cNvSpPr>
+            <a:spLocks noGrp="1"/>
+          </p:cNvSpPr>
+          <p:nvPr>
+            <p:ph type="title"/>
+          </p:nvPr>
+        </p:nvSpPr>
+        <p:spPr/>
+        <p:txBody>
+          <a:bodyPr/>
+          <a:lstStyle/>
+          <a:p>
+            <a:r>
+              <a:rPr lang="de-CH" dirty="0" smtClean="0"/>
+              <a:t>Mutation</a:t>
+            </a:r>
+            <a:endParaRPr lang="de-CH" dirty="0"/>
+          </a:p>
+        </p:txBody>
+      </p:sp>
+      <p:sp>
+        <p:nvSpPr>
+          <p:cNvPr id="3" name="Content Placeholder 2"/>
+          <p:cNvSpPr>
+            <a:spLocks noGrp="1"/>
+          </p:cNvSpPr>
+          <p:nvPr>
+            <p:ph idx="1"/>
+          </p:nvPr>
+        </p:nvSpPr>
+        <p:spPr/>
+        <p:txBody>
+          <a:bodyPr/>
+          <a:lstStyle/>
+          <a:p>
+            <a:endParaRPr lang="de-CH"/>
+          </a:p>
+        </p:txBody>
+      </p:sp>
+      <p:sp>
+        <p:nvSpPr>
+          <p:cNvPr id="4" name="Date Placeholder 3"/>
+          <p:cNvSpPr>
+            <a:spLocks noGrp="1"/>
+          </p:cNvSpPr>
+          <p:nvPr>
+            <p:ph type="dt" sz="half" idx="10"/>
+          </p:nvPr>
+        </p:nvSpPr>
+        <p:spPr/>
+        <p:txBody>
+          <a:bodyPr/>
+          <a:lstStyle/>
+          <a:p>
+            <a:fld id="{E6DD9CFA-7FDE-4C28-9438-98659B0FC9DB}" type="datetime1">
+              <a:rPr lang="de-CH" smtClean="0"/>
+              <a:t>27.06.2016</a:t>
+            </a:fld>
+            <a:endParaRPr lang="de-CH" dirty="0"/>
+          </a:p>
+        </p:txBody>
+      </p:sp>
+      <p:sp>
+        <p:nvSpPr>
+          <p:cNvPr id="5" name="Footer Placeholder 4"/>
+          <p:cNvSpPr>
+            <a:spLocks noGrp="1"/>
+          </p:cNvSpPr>
+          <p:nvPr>
+            <p:ph type="ftr" sz="quarter" idx="11"/>
+          </p:nvPr>
+        </p:nvSpPr>
+        <p:spPr/>
+        <p:txBody>
+          <a:bodyPr/>
+          <a:lstStyle/>
+          <a:p>
+            <a:r>
+              <a:rPr lang="de-CH" smtClean="0"/>
+              <a:t>Design von artifiziellen Tieren mit evolutionären Algorithmen - F. Hediger, F. Tanner</a:t>
+            </a:r>
+            <a:endParaRPr lang="de-CH" dirty="0"/>
+          </a:p>
+        </p:txBody>
+      </p:sp>
+      <p:sp>
+        <p:nvSpPr>
+          <p:cNvPr id="6" name="Slide Number Placeholder 5"/>
+          <p:cNvSpPr>
+            <a:spLocks noGrp="1"/>
+          </p:cNvSpPr>
+          <p:nvPr>
+            <p:ph type="sldNum" sz="quarter" idx="12"/>
+          </p:nvPr>
+        </p:nvSpPr>
+        <p:spPr/>
+        <p:txBody>
+          <a:bodyPr/>
+          <a:lstStyle/>
+          <a:p>
+            <a:fld id="{9DD3427A-877F-49F0-A244-E76867DD5238}" type="slidenum">
+              <a:rPr lang="de-CH" smtClean="0"/>
+              <a:t>11</a:t>
+            </a:fld>
+            <a:endParaRPr lang="de-CH"/>
+          </a:p>
+        </p:txBody>
+      </p:sp>
+    </p:spTree>
+    <p:extLst>
+      <p:ext uri="{BB962C8B-B14F-4D97-AF65-F5344CB8AC3E}">
+        <p14:creationId xmlns:p14="http://schemas.microsoft.com/office/powerpoint/2010/main" val="855546327"/>
+      </p:ext>
+    </p:extLst>
+  </p:cSld>
+  <p:clrMapOvr>
+    <a:masterClrMapping/>
+  </p:clrMapOvr>
+  <p:timing>
+    <p:tnLst>
+      <p:par>
+        <p:cTn id="1" dur="indefinite" restart="never" nodeType="tmRoot"/>
+      </p:par>
+    </p:tnLst>
+  </p:timing>
+</p:sld>
+</file>
+
+<file path=ppt/slides/slide12.xml><?xml version="1.0" encoding="utf-8"?>
+<p:sld xmlns:a="http://schemas.openxmlformats.org/drawingml/2006/main" xmlns:r="http://schemas.openxmlformats.org/officeDocument/2006/relationships" xmlns:p="http://schemas.openxmlformats.org/presentationml/2006/main">
+  <p:cSld>
+    <p:spTree>
+      <p:nvGrpSpPr>
+        <p:cNvPr id="1" name=""/>
+        <p:cNvGrpSpPr/>
+        <p:nvPr/>
+      </p:nvGrpSpPr>
+      <p:grpSpPr>
+        <a:xfrm>
+          <a:off x="0" y="0"/>
+          <a:ext cx="0" cy="0"/>
+          <a:chOff x="0" y="0"/>
+          <a:chExt cx="0" cy="0"/>
+        </a:xfrm>
+      </p:grpSpPr>
+      <p:sp>
+        <p:nvSpPr>
+          <p:cNvPr id="2" name="Title 1"/>
+          <p:cNvSpPr>
+            <a:spLocks noGrp="1"/>
+          </p:cNvSpPr>
+          <p:nvPr>
+            <p:ph type="title"/>
+          </p:nvPr>
+        </p:nvSpPr>
+        <p:spPr/>
+        <p:txBody>
+          <a:bodyPr/>
+          <a:lstStyle/>
+          <a:p>
+            <a:r>
+              <a:rPr lang="de-CH" dirty="0" smtClean="0"/>
+              <a:t>Typen von </a:t>
+            </a:r>
+            <a:r>
+              <a:rPr lang="de-CH" dirty="0" err="1" smtClean="0"/>
+              <a:t>EvolUtionären</a:t>
+            </a:r>
+            <a:r>
+              <a:rPr lang="de-CH" dirty="0" smtClean="0"/>
+              <a:t> </a:t>
+            </a:r>
+            <a:r>
+              <a:rPr lang="de-CH" dirty="0" err="1" smtClean="0"/>
+              <a:t>AlGoRITHMEN</a:t>
+            </a:r>
+            <a:endParaRPr lang="de-CH" dirty="0"/>
+          </a:p>
+        </p:txBody>
+      </p:sp>
+      <p:sp>
+        <p:nvSpPr>
+          <p:cNvPr id="3" name="Content Placeholder 2"/>
+          <p:cNvSpPr>
+            <a:spLocks noGrp="1"/>
+          </p:cNvSpPr>
+          <p:nvPr>
+            <p:ph idx="1"/>
+          </p:nvPr>
+        </p:nvSpPr>
+        <p:spPr/>
+        <p:txBody>
+          <a:bodyPr/>
+          <a:lstStyle/>
+          <a:p>
+            <a:r>
+              <a:rPr lang="de-CH" dirty="0"/>
+              <a:t>Genetische Programmierung</a:t>
+            </a:r>
+          </a:p>
+          <a:p>
+            <a:endParaRPr lang="de-CH" dirty="0"/>
+          </a:p>
+          <a:p>
+            <a:r>
+              <a:rPr lang="de-CH" dirty="0"/>
+              <a:t>Genetische Algorithmen</a:t>
+            </a:r>
+          </a:p>
+          <a:p>
+            <a:endParaRPr lang="de-CH" dirty="0"/>
+          </a:p>
+          <a:p>
+            <a:r>
+              <a:rPr lang="de-CH" dirty="0"/>
+              <a:t>Evolutionäre Programmierung</a:t>
+            </a:r>
+          </a:p>
+          <a:p>
+            <a:endParaRPr lang="de-CH" dirty="0"/>
+          </a:p>
+          <a:p>
+            <a:r>
+              <a:rPr lang="de-CH" dirty="0"/>
+              <a:t>Evolutionäre Strategien</a:t>
+            </a:r>
+          </a:p>
+          <a:p>
+            <a:endParaRPr lang="de-CH" dirty="0"/>
+          </a:p>
+        </p:txBody>
+      </p:sp>
+      <p:sp>
+        <p:nvSpPr>
+          <p:cNvPr id="4" name="Date Placeholder 3"/>
+          <p:cNvSpPr>
+            <a:spLocks noGrp="1"/>
+          </p:cNvSpPr>
+          <p:nvPr>
+            <p:ph type="dt" sz="half" idx="10"/>
+          </p:nvPr>
+        </p:nvSpPr>
+        <p:spPr/>
+        <p:txBody>
+          <a:bodyPr/>
+          <a:lstStyle/>
+          <a:p>
+            <a:fld id="{E6DD9CFA-7FDE-4C28-9438-98659B0FC9DB}" type="datetime1">
+              <a:rPr lang="de-CH" smtClean="0"/>
+              <a:t>27.06.2016</a:t>
+            </a:fld>
+            <a:endParaRPr lang="de-CH" dirty="0"/>
+          </a:p>
+        </p:txBody>
+      </p:sp>
+      <p:sp>
+        <p:nvSpPr>
+          <p:cNvPr id="5" name="Footer Placeholder 4"/>
+          <p:cNvSpPr>
+            <a:spLocks noGrp="1"/>
+          </p:cNvSpPr>
+          <p:nvPr>
+            <p:ph type="ftr" sz="quarter" idx="11"/>
+          </p:nvPr>
+        </p:nvSpPr>
+        <p:spPr/>
+        <p:txBody>
+          <a:bodyPr/>
+          <a:lstStyle/>
+          <a:p>
+            <a:r>
+              <a:rPr lang="de-CH" smtClean="0"/>
+              <a:t>Design von artifiziellen Tieren mit evolutionären Algorithmen - F. Hediger, F. Tanner</a:t>
+            </a:r>
+            <a:endParaRPr lang="de-CH" dirty="0"/>
+          </a:p>
+        </p:txBody>
+      </p:sp>
+      <p:sp>
+        <p:nvSpPr>
+          <p:cNvPr id="6" name="Slide Number Placeholder 5"/>
+          <p:cNvSpPr>
+            <a:spLocks noGrp="1"/>
+          </p:cNvSpPr>
+          <p:nvPr>
+            <p:ph type="sldNum" sz="quarter" idx="12"/>
+          </p:nvPr>
+        </p:nvSpPr>
+        <p:spPr/>
+        <p:txBody>
+          <a:bodyPr/>
+          <a:lstStyle/>
+          <a:p>
+            <a:fld id="{9DD3427A-877F-49F0-A244-E76867DD5238}" type="slidenum">
+              <a:rPr lang="de-CH" smtClean="0"/>
+              <a:t>12</a:t>
+            </a:fld>
+            <a:endParaRPr lang="de-CH"/>
+          </a:p>
+        </p:txBody>
+      </p:sp>
+    </p:spTree>
+    <p:extLst>
+      <p:ext uri="{BB962C8B-B14F-4D97-AF65-F5344CB8AC3E}">
+        <p14:creationId xmlns:p14="http://schemas.microsoft.com/office/powerpoint/2010/main" val="1453633233"/>
+      </p:ext>
+    </p:extLst>
+  </p:cSld>
+  <p:clrMapOvr>
+    <a:masterClrMapping/>
+  </p:clrMapOvr>
+  <p:timing>
+    <p:tnLst>
+      <p:par>
+        <p:cTn id="1" dur="indefinite" restart="never" nodeType="tmRoot"/>
+      </p:par>
+    </p:tnLst>
+  </p:timing>
+</p:sld>
+</file>
+
+<file path=ppt/slides/slide13.xml><?xml version="1.0" encoding="utf-8"?>
+<p:sld xmlns:a="http://schemas.openxmlformats.org/drawingml/2006/main" xmlns:r="http://schemas.openxmlformats.org/officeDocument/2006/relationships" xmlns:p="http://schemas.openxmlformats.org/presentationml/2006/main">
+  <p:cSld>
+    <p:spTree>
+      <p:nvGrpSpPr>
+        <p:cNvPr id="1" name=""/>
+        <p:cNvGrpSpPr/>
+        <p:nvPr/>
+      </p:nvGrpSpPr>
+      <p:grpSpPr>
+        <a:xfrm>
+          <a:off x="0" y="0"/>
+          <a:ext cx="0" cy="0"/>
+          <a:chOff x="0" y="0"/>
+          <a:chExt cx="0" cy="0"/>
+        </a:xfrm>
+      </p:grpSpPr>
+      <p:sp>
+        <p:nvSpPr>
+          <p:cNvPr id="2" name="Title 1"/>
+          <p:cNvSpPr>
+            <a:spLocks noGrp="1"/>
+          </p:cNvSpPr>
+          <p:nvPr>
+            <p:ph type="title"/>
+          </p:nvPr>
+        </p:nvSpPr>
+        <p:spPr/>
+        <p:txBody>
+          <a:bodyPr/>
+          <a:lstStyle/>
+          <a:p>
+            <a:r>
+              <a:rPr lang="de-CH" dirty="0" err="1" smtClean="0"/>
+              <a:t>Evolutinäre</a:t>
+            </a:r>
+            <a:r>
+              <a:rPr lang="de-CH" dirty="0" smtClean="0"/>
+              <a:t> Programmierung</a:t>
+            </a:r>
+            <a:endParaRPr lang="de-CH" dirty="0"/>
+          </a:p>
+        </p:txBody>
+      </p:sp>
+      <p:sp>
+        <p:nvSpPr>
+          <p:cNvPr id="3" name="Content Placeholder 2"/>
+          <p:cNvSpPr>
+            <a:spLocks noGrp="1"/>
+          </p:cNvSpPr>
+          <p:nvPr>
+            <p:ph idx="1"/>
+          </p:nvPr>
+        </p:nvSpPr>
+        <p:spPr/>
+        <p:txBody>
+          <a:bodyPr/>
+          <a:lstStyle/>
+          <a:p>
+            <a:r>
+              <a:rPr lang="de-CH" dirty="0" err="1" smtClean="0"/>
+              <a:t>Creator</a:t>
+            </a:r>
+            <a:r>
+              <a:rPr lang="de-CH" dirty="0" smtClean="0"/>
+              <a:t> </a:t>
+            </a:r>
+            <a:r>
+              <a:rPr lang="de-CH" dirty="0" err="1" smtClean="0"/>
+              <a:t>invento</a:t>
+            </a:r>
+            <a:endParaRPr lang="de-CH" dirty="0" smtClean="0"/>
+          </a:p>
+          <a:p>
+            <a:r>
+              <a:rPr lang="de-CH" dirty="0" smtClean="0"/>
+              <a:t>… </a:t>
+            </a:r>
+            <a:r>
+              <a:rPr lang="de-CH" dirty="0" err="1" smtClean="0"/>
+              <a:t>use</a:t>
+            </a:r>
+            <a:r>
+              <a:rPr lang="de-CH" dirty="0" smtClean="0"/>
+              <a:t> </a:t>
+            </a:r>
+            <a:r>
+              <a:rPr lang="de-CH" dirty="0" err="1" smtClean="0"/>
+              <a:t>mdf</a:t>
+            </a:r>
+            <a:endParaRPr lang="de-CH" dirty="0" smtClean="0"/>
+          </a:p>
+          <a:p>
+            <a:pPr marL="0" indent="0">
+              <a:buNone/>
+            </a:pPr>
+            <a:endParaRPr lang="de-CH" dirty="0"/>
+          </a:p>
+        </p:txBody>
+      </p:sp>
+      <p:sp>
+        <p:nvSpPr>
+          <p:cNvPr id="4" name="Date Placeholder 3"/>
+          <p:cNvSpPr>
+            <a:spLocks noGrp="1"/>
+          </p:cNvSpPr>
+          <p:nvPr>
+            <p:ph type="dt" sz="half" idx="10"/>
+          </p:nvPr>
+        </p:nvSpPr>
+        <p:spPr/>
+        <p:txBody>
+          <a:bodyPr/>
+          <a:lstStyle/>
+          <a:p>
+            <a:fld id="{E6DD9CFA-7FDE-4C28-9438-98659B0FC9DB}" type="datetime1">
+              <a:rPr lang="de-CH" smtClean="0"/>
+              <a:t>27.06.2016</a:t>
+            </a:fld>
+            <a:endParaRPr lang="de-CH" dirty="0"/>
+          </a:p>
+        </p:txBody>
+      </p:sp>
+      <p:sp>
+        <p:nvSpPr>
+          <p:cNvPr id="5" name="Footer Placeholder 4"/>
+          <p:cNvSpPr>
+            <a:spLocks noGrp="1"/>
+          </p:cNvSpPr>
+          <p:nvPr>
+            <p:ph type="ftr" sz="quarter" idx="11"/>
+          </p:nvPr>
+        </p:nvSpPr>
+        <p:spPr/>
+        <p:txBody>
+          <a:bodyPr/>
+          <a:lstStyle/>
+          <a:p>
+            <a:r>
+              <a:rPr lang="de-CH" smtClean="0"/>
+              <a:t>Design von artifiziellen Tieren mit evolutionären Algorithmen - F. Hediger, F. Tanner</a:t>
+            </a:r>
+            <a:endParaRPr lang="de-CH" dirty="0"/>
+          </a:p>
+        </p:txBody>
+      </p:sp>
+      <p:sp>
+        <p:nvSpPr>
+          <p:cNvPr id="6" name="Slide Number Placeholder 5"/>
+          <p:cNvSpPr>
+            <a:spLocks noGrp="1"/>
+          </p:cNvSpPr>
+          <p:nvPr>
+            <p:ph type="sldNum" sz="quarter" idx="12"/>
+          </p:nvPr>
+        </p:nvSpPr>
+        <p:spPr/>
+        <p:txBody>
+          <a:bodyPr/>
+          <a:lstStyle/>
+          <a:p>
+            <a:fld id="{9DD3427A-877F-49F0-A244-E76867DD5238}" type="slidenum">
+              <a:rPr lang="de-CH" smtClean="0"/>
+              <a:t>13</a:t>
+            </a:fld>
+            <a:endParaRPr lang="de-CH"/>
+          </a:p>
+        </p:txBody>
+      </p:sp>
+    </p:spTree>
+    <p:extLst>
+      <p:ext uri="{BB962C8B-B14F-4D97-AF65-F5344CB8AC3E}">
+        <p14:creationId xmlns:p14="http://schemas.microsoft.com/office/powerpoint/2010/main" val="750105664"/>
+      </p:ext>
+    </p:extLst>
+  </p:cSld>
+  <p:clrMapOvr>
+    <a:masterClrMapping/>
+  </p:clrMapOvr>
+  <p:timing>
+    <p:tnLst>
+      <p:par>
+        <p:cTn id="1" dur="indefinite" restart="never" nodeType="tmRoot"/>
+      </p:par>
+    </p:tnLst>
+  </p:timing>
+</p:sld>
+</file>
+
+<file path=ppt/slides/slide14.xml><?xml version="1.0" encoding="utf-8"?>
 <p:sld xmlns:a="http://schemas.openxmlformats.org/drawingml/2006/main" xmlns:r="http://schemas.openxmlformats.org/officeDocument/2006/relationships" xmlns:p="http://schemas.openxmlformats.org/presentationml/2006/main">
   <p:cSld>
     <p:spTree>
@@ -21872,7 +24857,91 @@
           <a:bodyPr/>
           <a:lstStyle/>
           <a:p>
-            <a:endParaRPr lang="de-CH"/>
+            <a:r>
+              <a:rPr lang="de-CH" dirty="0" smtClean="0"/>
+              <a:t>Design der Individuen</a:t>
+            </a:r>
+          </a:p>
+          <a:p>
+            <a:r>
+              <a:rPr lang="de-CH" dirty="0" smtClean="0"/>
+              <a:t>Bewegungsablauf</a:t>
+            </a:r>
+          </a:p>
+          <a:p>
+            <a:pPr lvl="1"/>
+            <a:r>
+              <a:rPr lang="de-CH" dirty="0"/>
+              <a:t>Wie kann eine Steuerung der Bewegung implementiert</a:t>
+            </a:r>
+            <a:br>
+              <a:rPr lang="de-CH" dirty="0"/>
+            </a:br>
+            <a:r>
+              <a:rPr lang="de-CH" dirty="0"/>
+              <a:t>werden</a:t>
+            </a:r>
+            <a:r>
+              <a:rPr lang="de-CH" dirty="0" smtClean="0"/>
+              <a:t>?</a:t>
+            </a:r>
+          </a:p>
+          <a:p>
+            <a:pPr lvl="1"/>
+            <a:r>
+              <a:rPr lang="de-CH" dirty="0"/>
+              <a:t>Wie kann diese Steuerung evolviert werden?</a:t>
+            </a:r>
+          </a:p>
+          <a:p>
+            <a:r>
+              <a:rPr lang="de-CH" dirty="0" smtClean="0"/>
+              <a:t>Auswahl des Evolutionären Algorithmus</a:t>
+            </a:r>
+          </a:p>
+          <a:p>
+            <a:r>
+              <a:rPr lang="de-CH" dirty="0" smtClean="0"/>
+              <a:t>Eingesetzte Technologien</a:t>
+            </a:r>
+          </a:p>
+          <a:p>
+            <a:pPr lvl="1"/>
+            <a:r>
+              <a:rPr lang="de-CH" dirty="0" smtClean="0"/>
+              <a:t>Probleme Kreise, Verhacken </a:t>
+            </a:r>
+            <a:r>
+              <a:rPr lang="de-CH" dirty="0" err="1" smtClean="0"/>
+              <a:t>etc</a:t>
+            </a:r>
+            <a:r>
+              <a:rPr lang="de-CH" dirty="0" smtClean="0"/>
+              <a:t> (</a:t>
+            </a:r>
+            <a:r>
+              <a:rPr lang="de-CH" dirty="0" err="1" smtClean="0"/>
+              <a:t>remove</a:t>
+            </a:r>
+            <a:r>
+              <a:rPr lang="de-CH" dirty="0" smtClean="0"/>
+              <a:t> </a:t>
+            </a:r>
+            <a:r>
+              <a:rPr lang="de-CH" dirty="0" err="1" smtClean="0"/>
+              <a:t>me</a:t>
+            </a:r>
+            <a:r>
+              <a:rPr lang="de-CH" dirty="0" smtClean="0"/>
+              <a:t>)</a:t>
+            </a:r>
+          </a:p>
+          <a:p>
+            <a:r>
+              <a:rPr lang="de-CH" dirty="0" smtClean="0"/>
+              <a:t>Ablauf Simulation</a:t>
+            </a:r>
+            <a:endParaRPr lang="de-CH" dirty="0"/>
           </a:p>
         </p:txBody>
       </p:sp>
@@ -21916,7 +24985,7 @@
           <a:p>
             <a:fld id="{9DD3427A-877F-49F0-A244-E76867DD5238}" type="slidenum">
               <a:rPr lang="de-CH" smtClean="0"/>
-              <a:t>4</a:t>
+              <a:t>14</a:t>
             </a:fld>
             <a:endParaRPr lang="de-CH"/>
           </a:p>
@@ -21965,7 +25034,7 @@
 </p:sld>
 </file>
 
-<file path=ppt/slides/slide5.xml><?xml version="1.0" encoding="utf-8"?>
+<file path=ppt/slides/slide15.xml><?xml version="1.0" encoding="utf-8"?>
 <p:sld xmlns:a="http://schemas.openxmlformats.org/drawingml/2006/main" xmlns:r="http://schemas.openxmlformats.org/officeDocument/2006/relationships" xmlns:p="http://schemas.openxmlformats.org/presentationml/2006/main">
   <p:cSld>
     <p:spTree>
@@ -22044,7 +25113,7 @@
           <a:p>
             <a:fld id="{9DD3427A-877F-49F0-A244-E76867DD5238}" type="slidenum">
               <a:rPr lang="de-CH" smtClean="0"/>
-              <a:t>5</a:t>
+              <a:t>15</a:t>
             </a:fld>
             <a:endParaRPr lang="de-CH"/>
           </a:p>
@@ -22112,7 +25181,7 @@
 </p:sld>
 </file>
 
-<file path=ppt/slides/slide6.xml><?xml version="1.0" encoding="utf-8"?>
+<file path=ppt/slides/slide16.xml><?xml version="1.0" encoding="utf-8"?>
 <p:sld xmlns:a="http://schemas.openxmlformats.org/drawingml/2006/main" xmlns:r="http://schemas.openxmlformats.org/officeDocument/2006/relationships" xmlns:p="http://schemas.openxmlformats.org/presentationml/2006/main">
   <p:cSld>
     <p:spTree>
@@ -22145,9 +25214,10 @@
           <a:lstStyle/>
           <a:p>
             <a:r>
-              <a:rPr lang="de-CH" dirty="0"/>
+              <a:rPr lang="de-CH" dirty="0" smtClean="0"/>
               <a:t>Resultate</a:t>
             </a:r>
+            <a:endParaRPr lang="de-CH" dirty="0"/>
           </a:p>
         </p:txBody>
       </p:sp>
@@ -22167,30 +25237,21 @@
           <a:lstStyle/>
           <a:p>
             <a:r>
+              <a:rPr lang="de-CH" dirty="0" smtClean="0"/>
+              <a:t>4. </a:t>
+            </a:r>
+            <a:r>
               <a:rPr lang="de-CH" dirty="0"/>
-              <a:t>Bewegungsarten</a:t>
+              <a:t>Simulationslauf</a:t>
             </a:r>
+            <a:endParaRPr lang="de-CH" dirty="0" smtClean="0"/>
           </a:p>
           <a:p>
-            <a:pPr lvl="1"/>
             <a:r>
-              <a:rPr lang="de-CH" dirty="0"/>
-              <a:t>Hüpfen</a:t>
+              <a:rPr lang="de-CH" dirty="0" smtClean="0"/>
+              <a:t>5. Simulationslauf</a:t>
             </a:r>
-          </a:p>
-          <a:p>
-            <a:pPr lvl="1"/>
-            <a:r>
-              <a:rPr lang="de-CH" dirty="0"/>
-              <a:t>Rollen</a:t>
-            </a:r>
-          </a:p>
-          <a:p>
-            <a:pPr lvl="1"/>
-            <a:r>
-              <a:rPr lang="de-CH" dirty="0"/>
-              <a:t>Rudern</a:t>
-            </a:r>
+            <a:endParaRPr lang="de-CH" dirty="0"/>
           </a:p>
         </p:txBody>
       </p:sp>
@@ -22209,7 +25270,7 @@
           <a:bodyPr/>
           <a:lstStyle/>
           <a:p>
-            <a:fld id="{2D63F244-D71C-4627-A216-1B1C28B6C2C5}" type="datetime1">
+            <a:fld id="{E6DD9CFA-7FDE-4C28-9438-98659B0FC9DB}" type="datetime1">
               <a:rPr lang="de-CH" smtClean="0"/>
               <a:t>27.06.2016</a:t>
             </a:fld>
@@ -22219,30 +25280,7 @@
       </p:sp>
       <p:sp>
         <p:nvSpPr>
-          <p:cNvPr id="5" name="Slide Number Placeholder 4"/>
-          <p:cNvSpPr>
-            <a:spLocks noGrp="1"/>
-          </p:cNvSpPr>
-          <p:nvPr>
-            <p:ph type="sldNum" sz="quarter" idx="12"/>
-          </p:nvPr>
-        </p:nvSpPr>
-        <p:spPr/>
-        <p:txBody>
-          <a:bodyPr/>
-          <a:lstStyle/>
-          <a:p>
-            <a:fld id="{9DD3427A-877F-49F0-A244-E76867DD5238}" type="slidenum">
-              <a:rPr lang="de-CH" smtClean="0"/>
-              <a:t>6</a:t>
-            </a:fld>
-            <a:endParaRPr lang="de-CH"/>
-          </a:p>
-        </p:txBody>
-      </p:sp>
-      <p:sp>
-        <p:nvSpPr>
-          <p:cNvPr id="6" name="Footer Placeholder 5"/>
+          <p:cNvPr id="5" name="Footer Placeholder 4"/>
           <p:cNvSpPr>
             <a:spLocks noGrp="1"/>
           </p:cNvSpPr>
@@ -22263,10 +25301,33 @@
           </a:p>
         </p:txBody>
       </p:sp>
+      <p:sp>
+        <p:nvSpPr>
+          <p:cNvPr id="6" name="Slide Number Placeholder 5"/>
+          <p:cNvSpPr>
+            <a:spLocks noGrp="1"/>
+          </p:cNvSpPr>
+          <p:nvPr>
+            <p:ph type="sldNum" sz="quarter" idx="12"/>
+          </p:nvPr>
+        </p:nvSpPr>
+        <p:spPr/>
+        <p:txBody>
+          <a:bodyPr/>
+          <a:lstStyle/>
+          <a:p>
+            <a:fld id="{9DD3427A-877F-49F0-A244-E76867DD5238}" type="slidenum">
+              <a:rPr lang="de-CH" smtClean="0"/>
+              <a:t>16</a:t>
+            </a:fld>
+            <a:endParaRPr lang="de-CH"/>
+          </a:p>
+        </p:txBody>
+      </p:sp>
     </p:spTree>
     <p:extLst>
       <p:ext uri="{BB962C8B-B14F-4D97-AF65-F5344CB8AC3E}">
-        <p14:creationId xmlns:p14="http://schemas.microsoft.com/office/powerpoint/2010/main" val="809326729"/>
+        <p14:creationId xmlns:p14="http://schemas.microsoft.com/office/powerpoint/2010/main" val="2297434627"/>
       </p:ext>
     </p:extLst>
   </p:cSld>
@@ -22283,7 +25344,7 @@
 </p:sld>
 </file>
 
-<file path=ppt/slides/slide7.xml><?xml version="1.0" encoding="utf-8"?>
+<file path=ppt/slides/slide17.xml><?xml version="1.0" encoding="utf-8"?>
 <p:sld xmlns:a="http://schemas.openxmlformats.org/drawingml/2006/main" xmlns:r="http://schemas.openxmlformats.org/officeDocument/2006/relationships" xmlns:p="http://schemas.openxmlformats.org/presentationml/2006/main">
   <p:cSld>
     <p:spTree>
@@ -22337,7 +25398,85 @@
           <a:bodyPr/>
           <a:lstStyle/>
           <a:p>
-            <a:endParaRPr lang="de-CH"/>
+            <a:r>
+              <a:rPr lang="de-CH" dirty="0"/>
+              <a:t>Wie kann diese Steuerung evolviert werden</a:t>
+            </a:r>
+            <a:r>
+              <a:rPr lang="de-CH" dirty="0"/>
+              <a:t>?</a:t>
+            </a:r>
+          </a:p>
+          <a:p>
+            <a:r>
+              <a:rPr lang="de-CH" dirty="0"/>
+              <a:t>Nimmt die Diversität mit zunehmenden </a:t>
+            </a:r>
+            <a:r>
+              <a:rPr lang="de-CH" dirty="0" smtClean="0"/>
+              <a:t>Generationen stetig </a:t>
+            </a:r>
+            <a:r>
+              <a:rPr lang="de-CH" dirty="0"/>
+              <a:t>ab</a:t>
+            </a:r>
+            <a:r>
+              <a:rPr lang="de-CH" dirty="0" smtClean="0"/>
+              <a:t>?</a:t>
+            </a:r>
+          </a:p>
+          <a:p>
+            <a:r>
+              <a:rPr lang="de-CH" dirty="0"/>
+              <a:t>Wie sieht der Bewegungsablauf und die Geometrie </a:t>
+            </a:r>
+            <a:r>
+              <a:rPr lang="de-CH" dirty="0" smtClean="0"/>
+              <a:t>eines evolvierten </a:t>
+            </a:r>
+            <a:r>
+              <a:rPr lang="de-CH" dirty="0"/>
+              <a:t>Tieres aus</a:t>
+            </a:r>
+            <a:r>
+              <a:rPr lang="de-CH" dirty="0" smtClean="0"/>
+              <a:t>?</a:t>
+            </a:r>
+          </a:p>
+          <a:p>
+            <a:r>
+              <a:rPr lang="de-CH" dirty="0" smtClean="0"/>
+              <a:t>Individuum</a:t>
+            </a:r>
+            <a:r>
+              <a:rPr lang="de-CH" dirty="0"/>
+              <a:t>: Allgemeine Lösung vs. evolvieren </a:t>
+            </a:r>
+            <a:r>
+              <a:rPr lang="de-CH" dirty="0" smtClean="0"/>
+              <a:t>auf Evolvierbarkeit</a:t>
+            </a:r>
+          </a:p>
+          <a:p>
+            <a:r>
+              <a:rPr lang="de-CH" dirty="0" smtClean="0"/>
+              <a:t>Hypothesen</a:t>
+            </a:r>
+            <a:r>
+              <a:rPr lang="de-CH" dirty="0"/>
+              <a:t/>
+            </a:r>
+            <a:br>
+              <a:rPr lang="de-CH" dirty="0"/>
+            </a:br>
+            <a:r>
+              <a:rPr lang="de-CH" dirty="0"/>
+              <a:t/>
+            </a:r>
+            <a:br>
+              <a:rPr lang="de-CH" dirty="0"/>
+            </a:br>
+            <a:endParaRPr lang="de-CH" dirty="0"/>
           </a:p>
         </p:txBody>
       </p:sp>
@@ -22381,7 +25520,7 @@
           <a:p>
             <a:fld id="{9DD3427A-877F-49F0-A244-E76867DD5238}" type="slidenum">
               <a:rPr lang="de-CH" smtClean="0"/>
-              <a:t>7</a:t>
+              <a:t>17</a:t>
             </a:fld>
             <a:endParaRPr lang="de-CH"/>
           </a:p>
@@ -22430,7 +25569,7 @@
 </p:sld>
 </file>
 
-<file path=ppt/slides/slide8.xml><?xml version="1.0" encoding="utf-8"?>
+<file path=ppt/slides/slide18.xml><?xml version="1.0" encoding="utf-8"?>
 <p:sld xmlns:a="http://schemas.openxmlformats.org/drawingml/2006/main" xmlns:r="http://schemas.openxmlformats.org/officeDocument/2006/relationships" xmlns:p="http://schemas.openxmlformats.org/presentationml/2006/main">
   <p:cSld>
     <p:spTree>
@@ -22485,15 +25624,35 @@
           <a:lstStyle/>
           <a:p>
             <a:r>
-              <a:rPr lang="de-CH" dirty="0"/>
-              <a:t>Verbesserungen der Physik-Engine</a:t>
+              <a:rPr lang="de-CH" dirty="0" smtClean="0"/>
+              <a:t>Feedback Bewegungsablauf</a:t>
             </a:r>
           </a:p>
           <a:p>
             <a:r>
+              <a:rPr lang="de-CH" dirty="0" smtClean="0"/>
+              <a:t>N-beinige Tiere</a:t>
+            </a:r>
+            <a:endParaRPr lang="de-CH" dirty="0" smtClean="0"/>
+          </a:p>
+          <a:p>
+            <a:r>
               <a:rPr lang="de-CH" dirty="0"/>
-              <a:t>Feedback Bewegungsablauf</a:t>
+              <a:t>Austauschen der Physik-Engine</a:t>
             </a:r>
+          </a:p>
+          <a:p>
+            <a:r>
+              <a:rPr lang="de-CH" dirty="0" smtClean="0"/>
+              <a:t>Parcours</a:t>
+            </a:r>
+          </a:p>
+          <a:p>
+            <a:r>
+              <a:rPr lang="de-CH" dirty="0" smtClean="0"/>
+              <a:t>Hypothesen</a:t>
+            </a:r>
+            <a:endParaRPr lang="de-CH" dirty="0"/>
           </a:p>
         </p:txBody>
       </p:sp>
@@ -22537,7 +25696,7 @@
           <a:p>
             <a:fld id="{9DD3427A-877F-49F0-A244-E76867DD5238}" type="slidenum">
               <a:rPr lang="de-CH" smtClean="0"/>
-              <a:t>8</a:t>
+              <a:t>18</a:t>
             </a:fld>
             <a:endParaRPr lang="de-CH"/>
           </a:p>
@@ -22570,6 +25729,1431 @@
     <p:extLst>
       <p:ext uri="{BB962C8B-B14F-4D97-AF65-F5344CB8AC3E}">
         <p14:creationId xmlns:p14="http://schemas.microsoft.com/office/powerpoint/2010/main" val="1459733080"/>
+      </p:ext>
+    </p:extLst>
+  </p:cSld>
+  <p:clrMapOvr>
+    <a:masterClrMapping/>
+  </p:clrMapOvr>
+  <p:timing>
+    <p:tnLst>
+      <p:par>
+        <p:cTn id="1" dur="indefinite" restart="never" nodeType="tmRoot"/>
+      </p:par>
+    </p:tnLst>
+  </p:timing>
+</p:sld>
+</file>
+
+<file path=ppt/slides/slide2.xml><?xml version="1.0" encoding="utf-8"?>
+<p:sld xmlns:a="http://schemas.openxmlformats.org/drawingml/2006/main" xmlns:r="http://schemas.openxmlformats.org/officeDocument/2006/relationships" xmlns:p="http://schemas.openxmlformats.org/presentationml/2006/main">
+  <p:cSld>
+    <p:spTree>
+      <p:nvGrpSpPr>
+        <p:cNvPr id="1" name=""/>
+        <p:cNvGrpSpPr/>
+        <p:nvPr/>
+      </p:nvGrpSpPr>
+      <p:grpSpPr>
+        <a:xfrm>
+          <a:off x="0" y="0"/>
+          <a:ext cx="0" cy="0"/>
+          <a:chOff x="0" y="0"/>
+          <a:chExt cx="0" cy="0"/>
+        </a:xfrm>
+      </p:grpSpPr>
+      <p:sp>
+        <p:nvSpPr>
+          <p:cNvPr id="2" name="Title 1"/>
+          <p:cNvSpPr>
+            <a:spLocks noGrp="1"/>
+          </p:cNvSpPr>
+          <p:nvPr>
+            <p:ph type="title"/>
+          </p:nvPr>
+        </p:nvSpPr>
+        <p:spPr/>
+        <p:txBody>
+          <a:bodyPr/>
+          <a:lstStyle/>
+          <a:p>
+            <a:r>
+              <a:rPr lang="de-CH" dirty="0" smtClean="0"/>
+              <a:t>Ziele</a:t>
+            </a:r>
+            <a:endParaRPr lang="de-CH" dirty="0"/>
+          </a:p>
+        </p:txBody>
+      </p:sp>
+      <p:sp>
+        <p:nvSpPr>
+          <p:cNvPr id="3" name="Content Placeholder 2"/>
+          <p:cNvSpPr>
+            <a:spLocks noGrp="1"/>
+          </p:cNvSpPr>
+          <p:nvPr>
+            <p:ph idx="1"/>
+          </p:nvPr>
+        </p:nvSpPr>
+        <p:spPr/>
+        <p:txBody>
+          <a:bodyPr/>
+          <a:lstStyle/>
+          <a:p>
+            <a:endParaRPr lang="de-CH"/>
+          </a:p>
+        </p:txBody>
+      </p:sp>
+      <p:sp>
+        <p:nvSpPr>
+          <p:cNvPr id="4" name="Date Placeholder 3"/>
+          <p:cNvSpPr>
+            <a:spLocks noGrp="1"/>
+          </p:cNvSpPr>
+          <p:nvPr>
+            <p:ph type="dt" sz="half" idx="10"/>
+          </p:nvPr>
+        </p:nvSpPr>
+        <p:spPr/>
+        <p:txBody>
+          <a:bodyPr/>
+          <a:lstStyle/>
+          <a:p>
+            <a:fld id="{E6DD9CFA-7FDE-4C28-9438-98659B0FC9DB}" type="datetime1">
+              <a:rPr lang="de-CH" smtClean="0"/>
+              <a:t>27.06.2016</a:t>
+            </a:fld>
+            <a:endParaRPr lang="de-CH" dirty="0"/>
+          </a:p>
+        </p:txBody>
+      </p:sp>
+      <p:sp>
+        <p:nvSpPr>
+          <p:cNvPr id="5" name="Footer Placeholder 4"/>
+          <p:cNvSpPr>
+            <a:spLocks noGrp="1"/>
+          </p:cNvSpPr>
+          <p:nvPr>
+            <p:ph type="ftr" sz="quarter" idx="11"/>
+          </p:nvPr>
+        </p:nvSpPr>
+        <p:spPr/>
+        <p:txBody>
+          <a:bodyPr/>
+          <a:lstStyle/>
+          <a:p>
+            <a:r>
+              <a:rPr lang="de-CH" smtClean="0"/>
+              <a:t>Design von artifiziellen Tieren mit evolutionären Algorithmen - F. Hediger, F. Tanner</a:t>
+            </a:r>
+            <a:endParaRPr lang="de-CH" dirty="0"/>
+          </a:p>
+        </p:txBody>
+      </p:sp>
+      <p:sp>
+        <p:nvSpPr>
+          <p:cNvPr id="6" name="Slide Number Placeholder 5"/>
+          <p:cNvSpPr>
+            <a:spLocks noGrp="1"/>
+          </p:cNvSpPr>
+          <p:nvPr>
+            <p:ph type="sldNum" sz="quarter" idx="12"/>
+          </p:nvPr>
+        </p:nvSpPr>
+        <p:spPr/>
+        <p:txBody>
+          <a:bodyPr/>
+          <a:lstStyle/>
+          <a:p>
+            <a:fld id="{9DD3427A-877F-49F0-A244-E76867DD5238}" type="slidenum">
+              <a:rPr lang="de-CH" smtClean="0"/>
+              <a:t>2</a:t>
+            </a:fld>
+            <a:endParaRPr lang="de-CH"/>
+          </a:p>
+        </p:txBody>
+      </p:sp>
+    </p:spTree>
+    <p:extLst>
+      <p:ext uri="{BB962C8B-B14F-4D97-AF65-F5344CB8AC3E}">
+        <p14:creationId xmlns:p14="http://schemas.microsoft.com/office/powerpoint/2010/main" val="3117501009"/>
+      </p:ext>
+    </p:extLst>
+  </p:cSld>
+  <p:clrMapOvr>
+    <a:masterClrMapping/>
+  </p:clrMapOvr>
+  <p:timing>
+    <p:tnLst>
+      <p:par>
+        <p:cTn id="1" dur="indefinite" restart="never" nodeType="tmRoot"/>
+      </p:par>
+    </p:tnLst>
+  </p:timing>
+</p:sld>
+</file>
+
+<file path=ppt/slides/slide3.xml><?xml version="1.0" encoding="utf-8"?>
+<p:sld xmlns:a="http://schemas.openxmlformats.org/drawingml/2006/main" xmlns:r="http://schemas.openxmlformats.org/officeDocument/2006/relationships" xmlns:p="http://schemas.openxmlformats.org/presentationml/2006/main">
+  <p:cSld>
+    <p:spTree>
+      <p:nvGrpSpPr>
+        <p:cNvPr id="1" name=""/>
+        <p:cNvGrpSpPr/>
+        <p:nvPr/>
+      </p:nvGrpSpPr>
+      <p:grpSpPr>
+        <a:xfrm>
+          <a:off x="0" y="0"/>
+          <a:ext cx="0" cy="0"/>
+          <a:chOff x="0" y="0"/>
+          <a:chExt cx="0" cy="0"/>
+        </a:xfrm>
+      </p:grpSpPr>
+      <p:sp>
+        <p:nvSpPr>
+          <p:cNvPr id="2" name="Title 1"/>
+          <p:cNvSpPr>
+            <a:spLocks noGrp="1"/>
+          </p:cNvSpPr>
+          <p:nvPr>
+            <p:ph type="title"/>
+          </p:nvPr>
+        </p:nvSpPr>
+        <p:spPr/>
+        <p:txBody>
+          <a:bodyPr/>
+          <a:lstStyle/>
+          <a:p>
+            <a:r>
+              <a:rPr lang="de-CH" dirty="0" smtClean="0"/>
+              <a:t>Forschungsfragen</a:t>
+            </a:r>
+            <a:endParaRPr lang="de-CH" dirty="0"/>
+          </a:p>
+        </p:txBody>
+      </p:sp>
+      <p:sp>
+        <p:nvSpPr>
+          <p:cNvPr id="3" name="Content Placeholder 2"/>
+          <p:cNvSpPr>
+            <a:spLocks noGrp="1"/>
+          </p:cNvSpPr>
+          <p:nvPr>
+            <p:ph idx="1"/>
+          </p:nvPr>
+        </p:nvSpPr>
+        <p:spPr/>
+        <p:txBody>
+          <a:bodyPr/>
+          <a:lstStyle/>
+          <a:p>
+            <a:endParaRPr lang="de-CH"/>
+          </a:p>
+        </p:txBody>
+      </p:sp>
+      <p:sp>
+        <p:nvSpPr>
+          <p:cNvPr id="4" name="Date Placeholder 3"/>
+          <p:cNvSpPr>
+            <a:spLocks noGrp="1"/>
+          </p:cNvSpPr>
+          <p:nvPr>
+            <p:ph type="dt" sz="half" idx="10"/>
+          </p:nvPr>
+        </p:nvSpPr>
+        <p:spPr/>
+        <p:txBody>
+          <a:bodyPr/>
+          <a:lstStyle/>
+          <a:p>
+            <a:fld id="{E6DD9CFA-7FDE-4C28-9438-98659B0FC9DB}" type="datetime1">
+              <a:rPr lang="de-CH" smtClean="0"/>
+              <a:t>27.06.2016</a:t>
+            </a:fld>
+            <a:endParaRPr lang="de-CH" dirty="0"/>
+          </a:p>
+        </p:txBody>
+      </p:sp>
+      <p:sp>
+        <p:nvSpPr>
+          <p:cNvPr id="5" name="Footer Placeholder 4"/>
+          <p:cNvSpPr>
+            <a:spLocks noGrp="1"/>
+          </p:cNvSpPr>
+          <p:nvPr>
+            <p:ph type="ftr" sz="quarter" idx="11"/>
+          </p:nvPr>
+        </p:nvSpPr>
+        <p:spPr/>
+        <p:txBody>
+          <a:bodyPr/>
+          <a:lstStyle/>
+          <a:p>
+            <a:r>
+              <a:rPr lang="de-CH" smtClean="0"/>
+              <a:t>Design von artifiziellen Tieren mit evolutionären Algorithmen - F. Hediger, F. Tanner</a:t>
+            </a:r>
+            <a:endParaRPr lang="de-CH" dirty="0"/>
+          </a:p>
+        </p:txBody>
+      </p:sp>
+      <p:sp>
+        <p:nvSpPr>
+          <p:cNvPr id="6" name="Slide Number Placeholder 5"/>
+          <p:cNvSpPr>
+            <a:spLocks noGrp="1"/>
+          </p:cNvSpPr>
+          <p:nvPr>
+            <p:ph type="sldNum" sz="quarter" idx="12"/>
+          </p:nvPr>
+        </p:nvSpPr>
+        <p:spPr/>
+        <p:txBody>
+          <a:bodyPr/>
+          <a:lstStyle/>
+          <a:p>
+            <a:fld id="{9DD3427A-877F-49F0-A244-E76867DD5238}" type="slidenum">
+              <a:rPr lang="de-CH" smtClean="0"/>
+              <a:t>3</a:t>
+            </a:fld>
+            <a:endParaRPr lang="de-CH"/>
+          </a:p>
+        </p:txBody>
+      </p:sp>
+    </p:spTree>
+    <p:extLst>
+      <p:ext uri="{BB962C8B-B14F-4D97-AF65-F5344CB8AC3E}">
+        <p14:creationId xmlns:p14="http://schemas.microsoft.com/office/powerpoint/2010/main" val="3127435937"/>
+      </p:ext>
+    </p:extLst>
+  </p:cSld>
+  <p:clrMapOvr>
+    <a:masterClrMapping/>
+  </p:clrMapOvr>
+  <p:timing>
+    <p:tnLst>
+      <p:par>
+        <p:cTn id="1" dur="indefinite" restart="never" nodeType="tmRoot"/>
+      </p:par>
+    </p:tnLst>
+  </p:timing>
+</p:sld>
+</file>
+
+<file path=ppt/slides/slide4.xml><?xml version="1.0" encoding="utf-8"?>
+<p:sld xmlns:a="http://schemas.openxmlformats.org/drawingml/2006/main" xmlns:r="http://schemas.openxmlformats.org/officeDocument/2006/relationships" xmlns:p="http://schemas.openxmlformats.org/presentationml/2006/main">
+  <p:cSld>
+    <p:spTree>
+      <p:nvGrpSpPr>
+        <p:cNvPr id="1" name=""/>
+        <p:cNvGrpSpPr/>
+        <p:nvPr/>
+      </p:nvGrpSpPr>
+      <p:grpSpPr>
+        <a:xfrm>
+          <a:off x="0" y="0"/>
+          <a:ext cx="0" cy="0"/>
+          <a:chOff x="0" y="0"/>
+          <a:chExt cx="0" cy="0"/>
+        </a:xfrm>
+      </p:grpSpPr>
+      <p:sp>
+        <p:nvSpPr>
+          <p:cNvPr id="2" name="Title 1"/>
+          <p:cNvSpPr>
+            <a:spLocks noGrp="1"/>
+          </p:cNvSpPr>
+          <p:nvPr>
+            <p:ph type="title"/>
+          </p:nvPr>
+        </p:nvSpPr>
+        <p:spPr/>
+        <p:txBody>
+          <a:bodyPr/>
+          <a:lstStyle/>
+          <a:p>
+            <a:r>
+              <a:rPr lang="de-CH" dirty="0" err="1" smtClean="0"/>
+              <a:t>Darwinisitsche</a:t>
+            </a:r>
+            <a:r>
+              <a:rPr lang="de-CH" dirty="0" smtClean="0"/>
+              <a:t> </a:t>
+            </a:r>
+            <a:r>
+              <a:rPr lang="de-CH" dirty="0" err="1" smtClean="0"/>
+              <a:t>something</a:t>
+            </a:r>
+            <a:r>
+              <a:rPr lang="de-CH" dirty="0" smtClean="0"/>
+              <a:t> 4 </a:t>
+            </a:r>
+            <a:r>
+              <a:rPr lang="de-CH" dirty="0" err="1" smtClean="0"/>
+              <a:t>begrifflichkeiten</a:t>
+            </a:r>
+            <a:r>
+              <a:rPr lang="de-CH" dirty="0" smtClean="0"/>
+              <a:t> </a:t>
+            </a:r>
+            <a:r>
+              <a:rPr lang="de-CH" dirty="0" err="1" smtClean="0"/>
+              <a:t>flo</a:t>
+            </a:r>
+            <a:r>
+              <a:rPr lang="de-CH" dirty="0" smtClean="0"/>
+              <a:t> </a:t>
+            </a:r>
+            <a:r>
+              <a:rPr lang="de-CH" dirty="0" err="1" smtClean="0"/>
+              <a:t>knows</a:t>
+            </a:r>
+            <a:r>
+              <a:rPr lang="de-CH" dirty="0" smtClean="0"/>
+              <a:t> </a:t>
+            </a:r>
+            <a:r>
+              <a:rPr lang="de-CH" dirty="0" err="1" smtClean="0"/>
+              <a:t>about</a:t>
+            </a:r>
+            <a:r>
+              <a:rPr lang="de-CH" dirty="0" smtClean="0"/>
+              <a:t> </a:t>
+            </a:r>
+            <a:r>
+              <a:rPr lang="de-CH" dirty="0" err="1" smtClean="0"/>
+              <a:t>it</a:t>
+            </a:r>
+            <a:endParaRPr lang="de-CH" dirty="0"/>
+          </a:p>
+        </p:txBody>
+      </p:sp>
+      <p:sp>
+        <p:nvSpPr>
+          <p:cNvPr id="3" name="Content Placeholder 2"/>
+          <p:cNvSpPr>
+            <a:spLocks noGrp="1"/>
+          </p:cNvSpPr>
+          <p:nvPr>
+            <p:ph idx="1"/>
+          </p:nvPr>
+        </p:nvSpPr>
+        <p:spPr/>
+        <p:txBody>
+          <a:bodyPr/>
+          <a:lstStyle/>
+          <a:p>
+            <a:endParaRPr lang="de-CH"/>
+          </a:p>
+        </p:txBody>
+      </p:sp>
+      <p:sp>
+        <p:nvSpPr>
+          <p:cNvPr id="4" name="Date Placeholder 3"/>
+          <p:cNvSpPr>
+            <a:spLocks noGrp="1"/>
+          </p:cNvSpPr>
+          <p:nvPr>
+            <p:ph type="dt" sz="half" idx="10"/>
+          </p:nvPr>
+        </p:nvSpPr>
+        <p:spPr/>
+        <p:txBody>
+          <a:bodyPr/>
+          <a:lstStyle/>
+          <a:p>
+            <a:fld id="{E6DD9CFA-7FDE-4C28-9438-98659B0FC9DB}" type="datetime1">
+              <a:rPr lang="de-CH" smtClean="0"/>
+              <a:t>27.06.2016</a:t>
+            </a:fld>
+            <a:endParaRPr lang="de-CH" dirty="0"/>
+          </a:p>
+        </p:txBody>
+      </p:sp>
+      <p:sp>
+        <p:nvSpPr>
+          <p:cNvPr id="5" name="Footer Placeholder 4"/>
+          <p:cNvSpPr>
+            <a:spLocks noGrp="1"/>
+          </p:cNvSpPr>
+          <p:nvPr>
+            <p:ph type="ftr" sz="quarter" idx="11"/>
+          </p:nvPr>
+        </p:nvSpPr>
+        <p:spPr/>
+        <p:txBody>
+          <a:bodyPr/>
+          <a:lstStyle/>
+          <a:p>
+            <a:r>
+              <a:rPr lang="de-CH" smtClean="0"/>
+              <a:t>Design von artifiziellen Tieren mit evolutionären Algorithmen - F. Hediger, F. Tanner</a:t>
+            </a:r>
+            <a:endParaRPr lang="de-CH" dirty="0"/>
+          </a:p>
+        </p:txBody>
+      </p:sp>
+      <p:sp>
+        <p:nvSpPr>
+          <p:cNvPr id="6" name="Slide Number Placeholder 5"/>
+          <p:cNvSpPr>
+            <a:spLocks noGrp="1"/>
+          </p:cNvSpPr>
+          <p:nvPr>
+            <p:ph type="sldNum" sz="quarter" idx="12"/>
+          </p:nvPr>
+        </p:nvSpPr>
+        <p:spPr/>
+        <p:txBody>
+          <a:bodyPr/>
+          <a:lstStyle/>
+          <a:p>
+            <a:fld id="{9DD3427A-877F-49F0-A244-E76867DD5238}" type="slidenum">
+              <a:rPr lang="de-CH" smtClean="0"/>
+              <a:t>4</a:t>
+            </a:fld>
+            <a:endParaRPr lang="de-CH"/>
+          </a:p>
+        </p:txBody>
+      </p:sp>
+    </p:spTree>
+    <p:extLst>
+      <p:ext uri="{BB962C8B-B14F-4D97-AF65-F5344CB8AC3E}">
+        <p14:creationId xmlns:p14="http://schemas.microsoft.com/office/powerpoint/2010/main" val="1238824963"/>
+      </p:ext>
+    </p:extLst>
+  </p:cSld>
+  <p:clrMapOvr>
+    <a:masterClrMapping/>
+  </p:clrMapOvr>
+  <p:timing>
+    <p:tnLst>
+      <p:par>
+        <p:cTn id="1" dur="indefinite" restart="never" nodeType="tmRoot"/>
+      </p:par>
+    </p:tnLst>
+  </p:timing>
+</p:sld>
+</file>
+
+<file path=ppt/slides/slide5.xml><?xml version="1.0" encoding="utf-8"?>
+<p:sld xmlns:a="http://schemas.openxmlformats.org/drawingml/2006/main" xmlns:r="http://schemas.openxmlformats.org/officeDocument/2006/relationships" xmlns:p="http://schemas.openxmlformats.org/presentationml/2006/main">
+  <p:cSld>
+    <p:spTree>
+      <p:nvGrpSpPr>
+        <p:cNvPr id="1" name=""/>
+        <p:cNvGrpSpPr/>
+        <p:nvPr/>
+      </p:nvGrpSpPr>
+      <p:grpSpPr>
+        <a:xfrm>
+          <a:off x="0" y="0"/>
+          <a:ext cx="0" cy="0"/>
+          <a:chOff x="0" y="0"/>
+          <a:chExt cx="0" cy="0"/>
+        </a:xfrm>
+      </p:grpSpPr>
+      <p:sp>
+        <p:nvSpPr>
+          <p:cNvPr id="2" name="Title 1"/>
+          <p:cNvSpPr>
+            <a:spLocks noGrp="1"/>
+          </p:cNvSpPr>
+          <p:nvPr>
+            <p:ph type="title"/>
+          </p:nvPr>
+        </p:nvSpPr>
+        <p:spPr/>
+        <p:txBody>
+          <a:bodyPr/>
+          <a:lstStyle/>
+          <a:p>
+            <a:r>
+              <a:rPr lang="de-CH" dirty="0"/>
+              <a:t>Grundlagen</a:t>
+            </a:r>
+          </a:p>
+        </p:txBody>
+      </p:sp>
+      <p:sp>
+        <p:nvSpPr>
+          <p:cNvPr id="3" name="Content Placeholder 2"/>
+          <p:cNvSpPr>
+            <a:spLocks noGrp="1"/>
+          </p:cNvSpPr>
+          <p:nvPr>
+            <p:ph idx="1"/>
+          </p:nvPr>
+        </p:nvSpPr>
+        <p:spPr/>
+        <p:txBody>
+          <a:bodyPr/>
+          <a:lstStyle/>
+          <a:p>
+            <a:r>
+              <a:rPr lang="de-CH" dirty="0" smtClean="0"/>
+              <a:t>Ablauf</a:t>
+            </a:r>
+          </a:p>
+          <a:p>
+            <a:r>
+              <a:rPr lang="de-CH" dirty="0" smtClean="0"/>
+              <a:t>Initiale Population</a:t>
+            </a:r>
+          </a:p>
+          <a:p>
+            <a:r>
+              <a:rPr lang="de-CH" dirty="0" smtClean="0"/>
+              <a:t>Evaluation</a:t>
+            </a:r>
+          </a:p>
+          <a:p>
+            <a:r>
+              <a:rPr lang="de-CH" dirty="0" smtClean="0"/>
+              <a:t>…</a:t>
+            </a:r>
+            <a:endParaRPr lang="de-CH" dirty="0" smtClean="0"/>
+          </a:p>
+          <a:p>
+            <a:endParaRPr lang="de-CH" dirty="0"/>
+          </a:p>
+        </p:txBody>
+      </p:sp>
+      <p:sp>
+        <p:nvSpPr>
+          <p:cNvPr id="4" name="Date Placeholder 3"/>
+          <p:cNvSpPr>
+            <a:spLocks noGrp="1"/>
+          </p:cNvSpPr>
+          <p:nvPr>
+            <p:ph type="dt" sz="half" idx="10"/>
+          </p:nvPr>
+        </p:nvSpPr>
+        <p:spPr/>
+        <p:txBody>
+          <a:bodyPr/>
+          <a:lstStyle/>
+          <a:p>
+            <a:fld id="{C85944C4-99C3-4AAD-B274-CCA99F6BAB6F}" type="datetime1">
+              <a:rPr lang="de-CH" smtClean="0"/>
+              <a:t>27.06.2016</a:t>
+            </a:fld>
+            <a:endParaRPr lang="de-CH" dirty="0"/>
+          </a:p>
+        </p:txBody>
+      </p:sp>
+      <p:sp>
+        <p:nvSpPr>
+          <p:cNvPr id="5" name="Slide Number Placeholder 4"/>
+          <p:cNvSpPr>
+            <a:spLocks noGrp="1"/>
+          </p:cNvSpPr>
+          <p:nvPr>
+            <p:ph type="sldNum" sz="quarter" idx="12"/>
+          </p:nvPr>
+        </p:nvSpPr>
+        <p:spPr/>
+        <p:txBody>
+          <a:bodyPr/>
+          <a:lstStyle/>
+          <a:p>
+            <a:fld id="{9DD3427A-877F-49F0-A244-E76867DD5238}" type="slidenum">
+              <a:rPr lang="de-CH" smtClean="0"/>
+              <a:t>5</a:t>
+            </a:fld>
+            <a:endParaRPr lang="de-CH"/>
+          </a:p>
+        </p:txBody>
+      </p:sp>
+      <p:sp>
+        <p:nvSpPr>
+          <p:cNvPr id="6" name="Footer Placeholder 5"/>
+          <p:cNvSpPr>
+            <a:spLocks noGrp="1"/>
+          </p:cNvSpPr>
+          <p:nvPr>
+            <p:ph type="ftr" sz="quarter" idx="11"/>
+          </p:nvPr>
+        </p:nvSpPr>
+        <p:spPr/>
+        <p:txBody>
+          <a:bodyPr/>
+          <a:lstStyle/>
+          <a:p>
+            <a:r>
+              <a:rPr lang="de-CH" smtClean="0"/>
+              <a:t>Design von artifiziellen Tieren mit evolutionären Algorithmen - F. Hediger, F. Tanner</a:t>
+            </a:r>
+            <a:endParaRPr lang="de-CH" dirty="0"/>
+          </a:p>
+        </p:txBody>
+      </p:sp>
+    </p:spTree>
+    <p:extLst>
+      <p:ext uri="{BB962C8B-B14F-4D97-AF65-F5344CB8AC3E}">
+        <p14:creationId xmlns:p14="http://schemas.microsoft.com/office/powerpoint/2010/main" val="3655586289"/>
+      </p:ext>
+    </p:extLst>
+  </p:cSld>
+  <p:clrMapOvr>
+    <a:masterClrMapping/>
+  </p:clrMapOvr>
+  <p:timing>
+    <p:tnLst>
+      <p:par>
+        <p:cTn id="1" dur="indefinite" restart="never" nodeType="tmRoot"/>
+      </p:par>
+    </p:tnLst>
+  </p:timing>
+</p:sld>
+</file>
+
+<file path=ppt/slides/slide6.xml><?xml version="1.0" encoding="utf-8"?>
+<p:sld xmlns:a="http://schemas.openxmlformats.org/drawingml/2006/main" xmlns:r="http://schemas.openxmlformats.org/officeDocument/2006/relationships" xmlns:p="http://schemas.openxmlformats.org/presentationml/2006/main">
+  <p:cSld>
+    <p:spTree>
+      <p:nvGrpSpPr>
+        <p:cNvPr id="1" name=""/>
+        <p:cNvGrpSpPr/>
+        <p:nvPr/>
+      </p:nvGrpSpPr>
+      <p:grpSpPr>
+        <a:xfrm>
+          <a:off x="0" y="0"/>
+          <a:ext cx="0" cy="0"/>
+          <a:chOff x="0" y="0"/>
+          <a:chExt cx="0" cy="0"/>
+        </a:xfrm>
+      </p:grpSpPr>
+      <p:sp>
+        <p:nvSpPr>
+          <p:cNvPr id="2" name="Title 1"/>
+          <p:cNvSpPr>
+            <a:spLocks noGrp="1"/>
+          </p:cNvSpPr>
+          <p:nvPr>
+            <p:ph type="title"/>
+          </p:nvPr>
+        </p:nvSpPr>
+        <p:spPr/>
+        <p:txBody>
+          <a:bodyPr/>
+          <a:lstStyle/>
+          <a:p>
+            <a:r>
+              <a:rPr lang="de-CH" dirty="0" smtClean="0"/>
+              <a:t>Ablauf</a:t>
+            </a:r>
+            <a:endParaRPr lang="de-CH" dirty="0"/>
+          </a:p>
+        </p:txBody>
+      </p:sp>
+      <p:graphicFrame>
+        <p:nvGraphicFramePr>
+          <p:cNvPr id="7" name="Content Placeholder 6"/>
+          <p:cNvGraphicFramePr>
+            <a:graphicFrameLocks noGrp="1"/>
+          </p:cNvGraphicFramePr>
+          <p:nvPr>
+            <p:ph idx="1"/>
+            <p:extLst>
+              <p:ext uri="{D42A27DB-BD31-4B8C-83A1-F6EECF244321}">
+                <p14:modId xmlns:p14="http://schemas.microsoft.com/office/powerpoint/2010/main" val="2950715632"/>
+              </p:ext>
+            </p:extLst>
+          </p:nvPr>
+        </p:nvGraphicFramePr>
+        <p:xfrm>
+          <a:off x="1023938" y="2286000"/>
+          <a:ext cx="9720262" cy="4022725"/>
+        </p:xfrm>
+        <a:graphic>
+          <a:graphicData uri="http://schemas.openxmlformats.org/drawingml/2006/diagram">
+            <dgm:relIds xmlns:dgm="http://schemas.openxmlformats.org/drawingml/2006/diagram" xmlns:r="http://schemas.openxmlformats.org/officeDocument/2006/relationships" r:dm="rId2" r:lo="rId3" r:qs="rId4" r:cs="rId5"/>
+          </a:graphicData>
+        </a:graphic>
+      </p:graphicFrame>
+      <p:sp>
+        <p:nvSpPr>
+          <p:cNvPr id="4" name="Date Placeholder 3"/>
+          <p:cNvSpPr>
+            <a:spLocks noGrp="1"/>
+          </p:cNvSpPr>
+          <p:nvPr>
+            <p:ph type="dt" sz="half" idx="10"/>
+          </p:nvPr>
+        </p:nvSpPr>
+        <p:spPr/>
+        <p:txBody>
+          <a:bodyPr/>
+          <a:lstStyle/>
+          <a:p>
+            <a:fld id="{E6DD9CFA-7FDE-4C28-9438-98659B0FC9DB}" type="datetime1">
+              <a:rPr lang="de-CH" smtClean="0"/>
+              <a:t>27.06.2016</a:t>
+            </a:fld>
+            <a:endParaRPr lang="de-CH" dirty="0"/>
+          </a:p>
+        </p:txBody>
+      </p:sp>
+      <p:sp>
+        <p:nvSpPr>
+          <p:cNvPr id="5" name="Footer Placeholder 4"/>
+          <p:cNvSpPr>
+            <a:spLocks noGrp="1"/>
+          </p:cNvSpPr>
+          <p:nvPr>
+            <p:ph type="ftr" sz="quarter" idx="11"/>
+          </p:nvPr>
+        </p:nvSpPr>
+        <p:spPr/>
+        <p:txBody>
+          <a:bodyPr/>
+          <a:lstStyle/>
+          <a:p>
+            <a:r>
+              <a:rPr lang="de-CH" smtClean="0"/>
+              <a:t>Design von artifiziellen Tieren mit evolutionären Algorithmen - F. Hediger, F. Tanner</a:t>
+            </a:r>
+            <a:endParaRPr lang="de-CH" dirty="0"/>
+          </a:p>
+        </p:txBody>
+      </p:sp>
+      <p:sp>
+        <p:nvSpPr>
+          <p:cNvPr id="6" name="Slide Number Placeholder 5"/>
+          <p:cNvSpPr>
+            <a:spLocks noGrp="1"/>
+          </p:cNvSpPr>
+          <p:nvPr>
+            <p:ph type="sldNum" sz="quarter" idx="12"/>
+          </p:nvPr>
+        </p:nvSpPr>
+        <p:spPr/>
+        <p:txBody>
+          <a:bodyPr/>
+          <a:lstStyle/>
+          <a:p>
+            <a:fld id="{9DD3427A-877F-49F0-A244-E76867DD5238}" type="slidenum">
+              <a:rPr lang="de-CH" smtClean="0"/>
+              <a:t>6</a:t>
+            </a:fld>
+            <a:endParaRPr lang="de-CH"/>
+          </a:p>
+        </p:txBody>
+      </p:sp>
+      <p:grpSp>
+        <p:nvGrpSpPr>
+          <p:cNvPr id="8" name="Group 7"/>
+          <p:cNvGrpSpPr/>
+          <p:nvPr/>
+        </p:nvGrpSpPr>
+        <p:grpSpPr>
+          <a:xfrm>
+            <a:off x="1082521" y="2246811"/>
+            <a:ext cx="1846280" cy="2226874"/>
+            <a:chOff x="3995573" y="-1084452"/>
+            <a:chExt cx="1846280" cy="2226874"/>
+          </a:xfrm>
+        </p:grpSpPr>
+        <p:sp>
+          <p:nvSpPr>
+            <p:cNvPr id="9" name="Rounded Rectangle 8"/>
+            <p:cNvSpPr/>
+            <p:nvPr/>
+          </p:nvSpPr>
+          <p:spPr>
+            <a:xfrm>
+              <a:off x="3995573" y="-1084452"/>
+              <a:ext cx="1846280" cy="1200082"/>
+            </a:xfrm>
+            <a:prstGeom prst="roundRect">
+              <a:avLst/>
+            </a:prstGeom>
+          </p:spPr>
+          <p:style>
+            <a:lnRef idx="2">
+              <a:schemeClr val="lt1">
+                <a:hueOff val="0"/>
+                <a:satOff val="0"/>
+                <a:lumOff val="0"/>
+                <a:alphaOff val="0"/>
+              </a:schemeClr>
+            </a:lnRef>
+            <a:fillRef idx="1">
+              <a:schemeClr val="accent1">
+                <a:hueOff val="0"/>
+                <a:satOff val="0"/>
+                <a:lumOff val="0"/>
+                <a:alphaOff val="0"/>
+              </a:schemeClr>
+            </a:fillRef>
+            <a:effectRef idx="0">
+              <a:schemeClr val="accent1">
+                <a:hueOff val="0"/>
+                <a:satOff val="0"/>
+                <a:lumOff val="0"/>
+                <a:alphaOff val="0"/>
+              </a:schemeClr>
+            </a:effectRef>
+            <a:fontRef idx="minor">
+              <a:schemeClr val="lt1"/>
+            </a:fontRef>
+          </p:style>
+          <p:txBody>
+            <a:bodyPr/>
+            <a:lstStyle/>
+            <a:p>
+              <a:r>
+                <a:rPr lang="de-CH" sz="2400" dirty="0"/>
+                <a:t>Initiale</a:t>
+              </a:r>
+            </a:p>
+            <a:p>
+              <a:r>
+                <a:rPr lang="de-CH" sz="2400" dirty="0"/>
+                <a:t>Population</a:t>
+              </a:r>
+            </a:p>
+          </p:txBody>
+        </p:sp>
+        <p:sp>
+          <p:nvSpPr>
+            <p:cNvPr id="10" name="Rounded Rectangle 4"/>
+            <p:cNvSpPr/>
+            <p:nvPr/>
+          </p:nvSpPr>
+          <p:spPr>
+            <a:xfrm>
+              <a:off x="3995573" y="59506"/>
+              <a:ext cx="1729114" cy="1082916"/>
+            </a:xfrm>
+            <a:prstGeom prst="rect">
+              <a:avLst/>
+            </a:prstGeom>
+          </p:spPr>
+          <p:style>
+            <a:lnRef idx="0">
+              <a:scrgbClr r="0" g="0" b="0"/>
+            </a:lnRef>
+            <a:fillRef idx="0">
+              <a:scrgbClr r="0" g="0" b="0"/>
+            </a:fillRef>
+            <a:effectRef idx="0">
+              <a:scrgbClr r="0" g="0" b="0"/>
+            </a:effectRef>
+            <a:fontRef idx="minor">
+              <a:schemeClr val="lt1"/>
+            </a:fontRef>
+          </p:style>
+          <p:txBody>
+            <a:bodyPr spcFirstLastPara="0" vert="horz" wrap="square" lIns="110490" tIns="110490" rIns="110490" bIns="110490" numCol="1" spcCol="1270" anchor="ctr" anchorCtr="0">
+              <a:noAutofit/>
+            </a:bodyPr>
+            <a:lstStyle/>
+            <a:p>
+              <a:pPr lvl="0" algn="ctr" defTabSz="1289050">
+                <a:lnSpc>
+                  <a:spcPct val="90000"/>
+                </a:lnSpc>
+                <a:spcBef>
+                  <a:spcPct val="0"/>
+                </a:spcBef>
+                <a:spcAft>
+                  <a:spcPct val="35000"/>
+                </a:spcAft>
+              </a:pPr>
+              <a:r>
+                <a:rPr lang="de-CH" sz="2900" kern="1200" dirty="0" smtClean="0"/>
+                <a:t>Selektion</a:t>
+              </a:r>
+              <a:endParaRPr lang="de-CH" sz="2900" kern="1200" dirty="0"/>
+            </a:p>
+          </p:txBody>
+        </p:sp>
+      </p:grpSp>
+      <p:cxnSp>
+        <p:nvCxnSpPr>
+          <p:cNvPr id="12" name="Straight Arrow Connector 11"/>
+          <p:cNvCxnSpPr/>
+          <p:nvPr/>
+        </p:nvCxnSpPr>
+        <p:spPr>
+          <a:xfrm flipV="1">
+            <a:off x="3455083" y="2879903"/>
+            <a:ext cx="988043" cy="6138"/>
+          </a:xfrm>
+          <a:prstGeom prst="straightConnector1">
+            <a:avLst/>
+          </a:prstGeom>
+          <a:ln>
+            <a:tailEnd type="triangle"/>
+          </a:ln>
+        </p:spPr>
+        <p:style>
+          <a:lnRef idx="1">
+            <a:schemeClr val="accent1"/>
+          </a:lnRef>
+          <a:fillRef idx="0">
+            <a:schemeClr val="accent1"/>
+          </a:fillRef>
+          <a:effectRef idx="0">
+            <a:schemeClr val="accent1"/>
+          </a:effectRef>
+          <a:fontRef idx="minor">
+            <a:schemeClr val="tx1"/>
+          </a:fontRef>
+        </p:style>
+      </p:cxnSp>
+    </p:spTree>
+    <p:extLst>
+      <p:ext uri="{BB962C8B-B14F-4D97-AF65-F5344CB8AC3E}">
+        <p14:creationId xmlns:p14="http://schemas.microsoft.com/office/powerpoint/2010/main" val="1157827422"/>
+      </p:ext>
+    </p:extLst>
+  </p:cSld>
+  <p:clrMapOvr>
+    <a:masterClrMapping/>
+  </p:clrMapOvr>
+  <p:timing>
+    <p:tnLst>
+      <p:par>
+        <p:cTn id="1" dur="indefinite" restart="never" nodeType="tmRoot"/>
+      </p:par>
+    </p:tnLst>
+  </p:timing>
+</p:sld>
+</file>
+
+<file path=ppt/slides/slide7.xml><?xml version="1.0" encoding="utf-8"?>
+<p:sld xmlns:a="http://schemas.openxmlformats.org/drawingml/2006/main" xmlns:r="http://schemas.openxmlformats.org/officeDocument/2006/relationships" xmlns:p="http://schemas.openxmlformats.org/presentationml/2006/main">
+  <p:cSld>
+    <p:spTree>
+      <p:nvGrpSpPr>
+        <p:cNvPr id="1" name=""/>
+        <p:cNvGrpSpPr/>
+        <p:nvPr/>
+      </p:nvGrpSpPr>
+      <p:grpSpPr>
+        <a:xfrm>
+          <a:off x="0" y="0"/>
+          <a:ext cx="0" cy="0"/>
+          <a:chOff x="0" y="0"/>
+          <a:chExt cx="0" cy="0"/>
+        </a:xfrm>
+      </p:grpSpPr>
+      <p:sp>
+        <p:nvSpPr>
+          <p:cNvPr id="2" name="Title 1"/>
+          <p:cNvSpPr>
+            <a:spLocks noGrp="1"/>
+          </p:cNvSpPr>
+          <p:nvPr>
+            <p:ph type="title"/>
+          </p:nvPr>
+        </p:nvSpPr>
+        <p:spPr/>
+        <p:txBody>
+          <a:bodyPr/>
+          <a:lstStyle/>
+          <a:p>
+            <a:r>
+              <a:rPr lang="de-CH" dirty="0" smtClean="0"/>
+              <a:t>Initiale Population</a:t>
+            </a:r>
+            <a:endParaRPr lang="de-CH" dirty="0"/>
+          </a:p>
+        </p:txBody>
+      </p:sp>
+      <p:sp>
+        <p:nvSpPr>
+          <p:cNvPr id="3" name="Content Placeholder 2"/>
+          <p:cNvSpPr>
+            <a:spLocks noGrp="1"/>
+          </p:cNvSpPr>
+          <p:nvPr>
+            <p:ph idx="1"/>
+          </p:nvPr>
+        </p:nvSpPr>
+        <p:spPr/>
+        <p:txBody>
+          <a:bodyPr/>
+          <a:lstStyle/>
+          <a:p>
+            <a:endParaRPr lang="de-CH"/>
+          </a:p>
+        </p:txBody>
+      </p:sp>
+      <p:sp>
+        <p:nvSpPr>
+          <p:cNvPr id="4" name="Date Placeholder 3"/>
+          <p:cNvSpPr>
+            <a:spLocks noGrp="1"/>
+          </p:cNvSpPr>
+          <p:nvPr>
+            <p:ph type="dt" sz="half" idx="10"/>
+          </p:nvPr>
+        </p:nvSpPr>
+        <p:spPr/>
+        <p:txBody>
+          <a:bodyPr/>
+          <a:lstStyle/>
+          <a:p>
+            <a:fld id="{E6DD9CFA-7FDE-4C28-9438-98659B0FC9DB}" type="datetime1">
+              <a:rPr lang="de-CH" smtClean="0"/>
+              <a:t>27.06.2016</a:t>
+            </a:fld>
+            <a:endParaRPr lang="de-CH" dirty="0"/>
+          </a:p>
+        </p:txBody>
+      </p:sp>
+      <p:sp>
+        <p:nvSpPr>
+          <p:cNvPr id="5" name="Footer Placeholder 4"/>
+          <p:cNvSpPr>
+            <a:spLocks noGrp="1"/>
+          </p:cNvSpPr>
+          <p:nvPr>
+            <p:ph type="ftr" sz="quarter" idx="11"/>
+          </p:nvPr>
+        </p:nvSpPr>
+        <p:spPr/>
+        <p:txBody>
+          <a:bodyPr/>
+          <a:lstStyle/>
+          <a:p>
+            <a:r>
+              <a:rPr lang="de-CH" smtClean="0"/>
+              <a:t>Design von artifiziellen Tieren mit evolutionären Algorithmen - F. Hediger, F. Tanner</a:t>
+            </a:r>
+            <a:endParaRPr lang="de-CH" dirty="0"/>
+          </a:p>
+        </p:txBody>
+      </p:sp>
+      <p:sp>
+        <p:nvSpPr>
+          <p:cNvPr id="6" name="Slide Number Placeholder 5"/>
+          <p:cNvSpPr>
+            <a:spLocks noGrp="1"/>
+          </p:cNvSpPr>
+          <p:nvPr>
+            <p:ph type="sldNum" sz="quarter" idx="12"/>
+          </p:nvPr>
+        </p:nvSpPr>
+        <p:spPr/>
+        <p:txBody>
+          <a:bodyPr/>
+          <a:lstStyle/>
+          <a:p>
+            <a:fld id="{9DD3427A-877F-49F0-A244-E76867DD5238}" type="slidenum">
+              <a:rPr lang="de-CH" smtClean="0"/>
+              <a:t>7</a:t>
+            </a:fld>
+            <a:endParaRPr lang="de-CH"/>
+          </a:p>
+        </p:txBody>
+      </p:sp>
+    </p:spTree>
+    <p:extLst>
+      <p:ext uri="{BB962C8B-B14F-4D97-AF65-F5344CB8AC3E}">
+        <p14:creationId xmlns:p14="http://schemas.microsoft.com/office/powerpoint/2010/main" val="2447213200"/>
+      </p:ext>
+    </p:extLst>
+  </p:cSld>
+  <p:clrMapOvr>
+    <a:masterClrMapping/>
+  </p:clrMapOvr>
+  <p:timing>
+    <p:tnLst>
+      <p:par>
+        <p:cTn id="1" dur="indefinite" restart="never" nodeType="tmRoot"/>
+      </p:par>
+    </p:tnLst>
+  </p:timing>
+</p:sld>
+</file>
+
+<file path=ppt/slides/slide8.xml><?xml version="1.0" encoding="utf-8"?>
+<p:sld xmlns:a="http://schemas.openxmlformats.org/drawingml/2006/main" xmlns:r="http://schemas.openxmlformats.org/officeDocument/2006/relationships" xmlns:p="http://schemas.openxmlformats.org/presentationml/2006/main">
+  <p:cSld>
+    <p:spTree>
+      <p:nvGrpSpPr>
+        <p:cNvPr id="1" name=""/>
+        <p:cNvGrpSpPr/>
+        <p:nvPr/>
+      </p:nvGrpSpPr>
+      <p:grpSpPr>
+        <a:xfrm>
+          <a:off x="0" y="0"/>
+          <a:ext cx="0" cy="0"/>
+          <a:chOff x="0" y="0"/>
+          <a:chExt cx="0" cy="0"/>
+        </a:xfrm>
+      </p:grpSpPr>
+      <p:sp>
+        <p:nvSpPr>
+          <p:cNvPr id="2" name="Title 1"/>
+          <p:cNvSpPr>
+            <a:spLocks noGrp="1"/>
+          </p:cNvSpPr>
+          <p:nvPr>
+            <p:ph type="title"/>
+          </p:nvPr>
+        </p:nvSpPr>
+        <p:spPr/>
+        <p:txBody>
+          <a:bodyPr/>
+          <a:lstStyle/>
+          <a:p>
+            <a:r>
+              <a:rPr lang="de-CH" dirty="0" smtClean="0"/>
+              <a:t>Evaluation</a:t>
+            </a:r>
+            <a:endParaRPr lang="de-CH" dirty="0"/>
+          </a:p>
+        </p:txBody>
+      </p:sp>
+      <p:sp>
+        <p:nvSpPr>
+          <p:cNvPr id="3" name="Content Placeholder 2"/>
+          <p:cNvSpPr>
+            <a:spLocks noGrp="1"/>
+          </p:cNvSpPr>
+          <p:nvPr>
+            <p:ph idx="1"/>
+          </p:nvPr>
+        </p:nvSpPr>
+        <p:spPr/>
+        <p:txBody>
+          <a:bodyPr/>
+          <a:lstStyle/>
+          <a:p>
+            <a:endParaRPr lang="de-CH"/>
+          </a:p>
+        </p:txBody>
+      </p:sp>
+      <p:sp>
+        <p:nvSpPr>
+          <p:cNvPr id="4" name="Date Placeholder 3"/>
+          <p:cNvSpPr>
+            <a:spLocks noGrp="1"/>
+          </p:cNvSpPr>
+          <p:nvPr>
+            <p:ph type="dt" sz="half" idx="10"/>
+          </p:nvPr>
+        </p:nvSpPr>
+        <p:spPr/>
+        <p:txBody>
+          <a:bodyPr/>
+          <a:lstStyle/>
+          <a:p>
+            <a:fld id="{E6DD9CFA-7FDE-4C28-9438-98659B0FC9DB}" type="datetime1">
+              <a:rPr lang="de-CH" smtClean="0"/>
+              <a:t>27.06.2016</a:t>
+            </a:fld>
+            <a:endParaRPr lang="de-CH" dirty="0"/>
+          </a:p>
+        </p:txBody>
+      </p:sp>
+      <p:sp>
+        <p:nvSpPr>
+          <p:cNvPr id="5" name="Footer Placeholder 4"/>
+          <p:cNvSpPr>
+            <a:spLocks noGrp="1"/>
+          </p:cNvSpPr>
+          <p:nvPr>
+            <p:ph type="ftr" sz="quarter" idx="11"/>
+          </p:nvPr>
+        </p:nvSpPr>
+        <p:spPr/>
+        <p:txBody>
+          <a:bodyPr/>
+          <a:lstStyle/>
+          <a:p>
+            <a:r>
+              <a:rPr lang="de-CH" smtClean="0"/>
+              <a:t>Design von artifiziellen Tieren mit evolutionären Algorithmen - F. Hediger, F. Tanner</a:t>
+            </a:r>
+            <a:endParaRPr lang="de-CH" dirty="0"/>
+          </a:p>
+        </p:txBody>
+      </p:sp>
+      <p:sp>
+        <p:nvSpPr>
+          <p:cNvPr id="6" name="Slide Number Placeholder 5"/>
+          <p:cNvSpPr>
+            <a:spLocks noGrp="1"/>
+          </p:cNvSpPr>
+          <p:nvPr>
+            <p:ph type="sldNum" sz="quarter" idx="12"/>
+          </p:nvPr>
+        </p:nvSpPr>
+        <p:spPr/>
+        <p:txBody>
+          <a:bodyPr/>
+          <a:lstStyle/>
+          <a:p>
+            <a:fld id="{9DD3427A-877F-49F0-A244-E76867DD5238}" type="slidenum">
+              <a:rPr lang="de-CH" smtClean="0"/>
+              <a:t>8</a:t>
+            </a:fld>
+            <a:endParaRPr lang="de-CH"/>
+          </a:p>
+        </p:txBody>
+      </p:sp>
+    </p:spTree>
+    <p:extLst>
+      <p:ext uri="{BB962C8B-B14F-4D97-AF65-F5344CB8AC3E}">
+        <p14:creationId xmlns:p14="http://schemas.microsoft.com/office/powerpoint/2010/main" val="157564526"/>
+      </p:ext>
+    </p:extLst>
+  </p:cSld>
+  <p:clrMapOvr>
+    <a:masterClrMapping/>
+  </p:clrMapOvr>
+  <p:timing>
+    <p:tnLst>
+      <p:par>
+        <p:cTn id="1" dur="indefinite" restart="never" nodeType="tmRoot"/>
+      </p:par>
+    </p:tnLst>
+  </p:timing>
+</p:sld>
+</file>
+
+<file path=ppt/slides/slide9.xml><?xml version="1.0" encoding="utf-8"?>
+<p:sld xmlns:a="http://schemas.openxmlformats.org/drawingml/2006/main" xmlns:r="http://schemas.openxmlformats.org/officeDocument/2006/relationships" xmlns:p="http://schemas.openxmlformats.org/presentationml/2006/main">
+  <p:cSld>
+    <p:spTree>
+      <p:nvGrpSpPr>
+        <p:cNvPr id="1" name=""/>
+        <p:cNvGrpSpPr/>
+        <p:nvPr/>
+      </p:nvGrpSpPr>
+      <p:grpSpPr>
+        <a:xfrm>
+          <a:off x="0" y="0"/>
+          <a:ext cx="0" cy="0"/>
+          <a:chOff x="0" y="0"/>
+          <a:chExt cx="0" cy="0"/>
+        </a:xfrm>
+      </p:grpSpPr>
+      <p:sp>
+        <p:nvSpPr>
+          <p:cNvPr id="2" name="Title 1"/>
+          <p:cNvSpPr>
+            <a:spLocks noGrp="1"/>
+          </p:cNvSpPr>
+          <p:nvPr>
+            <p:ph type="title"/>
+          </p:nvPr>
+        </p:nvSpPr>
+        <p:spPr/>
+        <p:txBody>
+          <a:bodyPr/>
+          <a:lstStyle/>
+          <a:p>
+            <a:r>
+              <a:rPr lang="de-CH" dirty="0" err="1" smtClean="0"/>
+              <a:t>Selektionstrategie</a:t>
+            </a:r>
+            <a:endParaRPr lang="de-CH" dirty="0"/>
+          </a:p>
+        </p:txBody>
+      </p:sp>
+      <p:sp>
+        <p:nvSpPr>
+          <p:cNvPr id="3" name="Content Placeholder 2"/>
+          <p:cNvSpPr>
+            <a:spLocks noGrp="1"/>
+          </p:cNvSpPr>
+          <p:nvPr>
+            <p:ph idx="1"/>
+          </p:nvPr>
+        </p:nvSpPr>
+        <p:spPr/>
+        <p:txBody>
+          <a:bodyPr/>
+          <a:lstStyle/>
+          <a:p>
+            <a:endParaRPr lang="de-CH"/>
+          </a:p>
+        </p:txBody>
+      </p:sp>
+      <p:sp>
+        <p:nvSpPr>
+          <p:cNvPr id="4" name="Date Placeholder 3"/>
+          <p:cNvSpPr>
+            <a:spLocks noGrp="1"/>
+          </p:cNvSpPr>
+          <p:nvPr>
+            <p:ph type="dt" sz="half" idx="10"/>
+          </p:nvPr>
+        </p:nvSpPr>
+        <p:spPr/>
+        <p:txBody>
+          <a:bodyPr/>
+          <a:lstStyle/>
+          <a:p>
+            <a:fld id="{E6DD9CFA-7FDE-4C28-9438-98659B0FC9DB}" type="datetime1">
+              <a:rPr lang="de-CH" smtClean="0"/>
+              <a:t>27.06.2016</a:t>
+            </a:fld>
+            <a:endParaRPr lang="de-CH" dirty="0"/>
+          </a:p>
+        </p:txBody>
+      </p:sp>
+      <p:sp>
+        <p:nvSpPr>
+          <p:cNvPr id="5" name="Footer Placeholder 4"/>
+          <p:cNvSpPr>
+            <a:spLocks noGrp="1"/>
+          </p:cNvSpPr>
+          <p:nvPr>
+            <p:ph type="ftr" sz="quarter" idx="11"/>
+          </p:nvPr>
+        </p:nvSpPr>
+        <p:spPr/>
+        <p:txBody>
+          <a:bodyPr/>
+          <a:lstStyle/>
+          <a:p>
+            <a:r>
+              <a:rPr lang="de-CH" smtClean="0"/>
+              <a:t>Design von artifiziellen Tieren mit evolutionären Algorithmen - F. Hediger, F. Tanner</a:t>
+            </a:r>
+            <a:endParaRPr lang="de-CH" dirty="0"/>
+          </a:p>
+        </p:txBody>
+      </p:sp>
+      <p:sp>
+        <p:nvSpPr>
+          <p:cNvPr id="6" name="Slide Number Placeholder 5"/>
+          <p:cNvSpPr>
+            <a:spLocks noGrp="1"/>
+          </p:cNvSpPr>
+          <p:nvPr>
+            <p:ph type="sldNum" sz="quarter" idx="12"/>
+          </p:nvPr>
+        </p:nvSpPr>
+        <p:spPr/>
+        <p:txBody>
+          <a:bodyPr/>
+          <a:lstStyle/>
+          <a:p>
+            <a:fld id="{9DD3427A-877F-49F0-A244-E76867DD5238}" type="slidenum">
+              <a:rPr lang="de-CH" smtClean="0"/>
+              <a:t>9</a:t>
+            </a:fld>
+            <a:endParaRPr lang="de-CH"/>
+          </a:p>
+        </p:txBody>
+      </p:sp>
+    </p:spTree>
+    <p:extLst>
+      <p:ext uri="{BB962C8B-B14F-4D97-AF65-F5344CB8AC3E}">
+        <p14:creationId xmlns:p14="http://schemas.microsoft.com/office/powerpoint/2010/main" val="2671038556"/>
       </p:ext>
     </p:extLst>
   </p:cSld>
